--- a/Framework 101.pptx
+++ b/Framework 101.pptx
@@ -5,10 +5,10 @@
     <p:sldMasterId id="2147483649" r:id="rId1"/>
   </p:sldMasterIdLst>
   <p:notesMasterIdLst>
-    <p:notesMasterId r:id="rId8"/>
+    <p:notesMasterId r:id="rId21"/>
   </p:notesMasterIdLst>
   <p:handoutMasterIdLst>
-    <p:handoutMasterId r:id="rId9"/>
+    <p:handoutMasterId r:id="rId22"/>
   </p:handoutMasterIdLst>
   <p:sldIdLst>
     <p:sldId id="306" r:id="rId2"/>
@@ -17,6 +17,19 @@
     <p:sldId id="485" r:id="rId5"/>
     <p:sldId id="483" r:id="rId6"/>
     <p:sldId id="484" r:id="rId7"/>
+    <p:sldId id="486" r:id="rId8"/>
+    <p:sldId id="488" r:id="rId9"/>
+    <p:sldId id="487" r:id="rId10"/>
+    <p:sldId id="489" r:id="rId11"/>
+    <p:sldId id="490" r:id="rId12"/>
+    <p:sldId id="491" r:id="rId13"/>
+    <p:sldId id="492" r:id="rId14"/>
+    <p:sldId id="493" r:id="rId15"/>
+    <p:sldId id="494" r:id="rId16"/>
+    <p:sldId id="495" r:id="rId17"/>
+    <p:sldId id="496" r:id="rId18"/>
+    <p:sldId id="497" r:id="rId19"/>
+    <p:sldId id="498" r:id="rId20"/>
   </p:sldIdLst>
   <p:sldSz cx="9144000" cy="5143500" type="screen16x9"/>
   <p:notesSz cx="6858000" cy="9144000"/>
@@ -1309,6 +1322,1086 @@
 </p:notes>
 </file>
 
+<file path=ppt/notesSlides/notesSlide10.xml><?xml version="1.0" encoding="utf-8"?>
+<p:notes xmlns:a="http://schemas.openxmlformats.org/drawingml/2006/main" xmlns:r="http://schemas.openxmlformats.org/officeDocument/2006/relationships" xmlns:p="http://schemas.openxmlformats.org/presentationml/2006/main">
+  <p:cSld>
+    <p:spTree>
+      <p:nvGrpSpPr>
+        <p:cNvPr id="1" name=""/>
+        <p:cNvGrpSpPr/>
+        <p:nvPr/>
+      </p:nvGrpSpPr>
+      <p:grpSpPr>
+        <a:xfrm>
+          <a:off x="0" y="0"/>
+          <a:ext cx="0" cy="0"/>
+          <a:chOff x="0" y="0"/>
+          <a:chExt cx="0" cy="0"/>
+        </a:xfrm>
+      </p:grpSpPr>
+      <p:sp>
+        <p:nvSpPr>
+          <p:cNvPr id="2" name="Folienbildplatzhalter 1"/>
+          <p:cNvSpPr>
+            <a:spLocks noGrp="1" noRot="1" noChangeAspect="1"/>
+          </p:cNvSpPr>
+          <p:nvPr>
+            <p:ph type="sldImg"/>
+          </p:nvPr>
+        </p:nvSpPr>
+        <p:spPr/>
+      </p:sp>
+      <p:sp>
+        <p:nvSpPr>
+          <p:cNvPr id="3" name="Notizenplatzhalter 2"/>
+          <p:cNvSpPr>
+            <a:spLocks noGrp="1"/>
+          </p:cNvSpPr>
+          <p:nvPr>
+            <p:ph type="body" idx="1"/>
+          </p:nvPr>
+        </p:nvSpPr>
+        <p:spPr/>
+        <p:txBody>
+          <a:bodyPr/>
+          <a:lstStyle/>
+          <a:p>
+            <a:r>
+              <a:rPr lang="en-US" dirty="0"/>
+              <a:t>Maybe explain active learning briefly</a:t>
+            </a:r>
+            <a:endParaRPr lang="de-DE" dirty="0"/>
+          </a:p>
+        </p:txBody>
+      </p:sp>
+      <p:sp>
+        <p:nvSpPr>
+          <p:cNvPr id="4" name="Datumsplatzhalter 3"/>
+          <p:cNvSpPr>
+            <a:spLocks noGrp="1"/>
+          </p:cNvSpPr>
+          <p:nvPr>
+            <p:ph type="dt" idx="1"/>
+          </p:nvPr>
+        </p:nvSpPr>
+        <p:spPr/>
+        <p:txBody>
+          <a:bodyPr/>
+          <a:lstStyle/>
+          <a:p>
+            <a:pPr>
+              <a:defRPr/>
+            </a:pPr>
+            <a:fld id="{23A26369-59F1-436C-8073-8CC95A6D8A0C}" type="datetime1">
+              <a:rPr lang="de-DE" smtClean="0"/>
+              <a:t>23.06.2025</a:t>
+            </a:fld>
+            <a:endParaRPr lang="de-DE" dirty="0"/>
+          </a:p>
+        </p:txBody>
+      </p:sp>
+      <p:sp>
+        <p:nvSpPr>
+          <p:cNvPr id="5" name="Foliennummernplatzhalter 4"/>
+          <p:cNvSpPr>
+            <a:spLocks noGrp="1"/>
+          </p:cNvSpPr>
+          <p:nvPr>
+            <p:ph type="sldNum" sz="quarter" idx="5"/>
+          </p:nvPr>
+        </p:nvSpPr>
+        <p:spPr/>
+        <p:txBody>
+          <a:bodyPr/>
+          <a:lstStyle/>
+          <a:p>
+            <a:pPr>
+              <a:defRPr/>
+            </a:pPr>
+            <a:fld id="{1184DDCB-7D1B-CB4F-980B-B02904018ECE}" type="slidenum">
+              <a:rPr lang="de-DE" smtClean="0"/>
+              <a:pPr>
+                <a:defRPr/>
+              </a:pPr>
+              <a:t>11</a:t>
+            </a:fld>
+            <a:endParaRPr lang="de-DE" dirty="0"/>
+          </a:p>
+        </p:txBody>
+      </p:sp>
+    </p:spTree>
+    <p:extLst>
+      <p:ext uri="{BB962C8B-B14F-4D97-AF65-F5344CB8AC3E}">
+        <p14:creationId xmlns:p14="http://schemas.microsoft.com/office/powerpoint/2010/main" val="2956624311"/>
+      </p:ext>
+    </p:extLst>
+  </p:cSld>
+  <p:clrMapOvr>
+    <a:masterClrMapping/>
+  </p:clrMapOvr>
+</p:notes>
+</file>
+
+<file path=ppt/notesSlides/notesSlide11.xml><?xml version="1.0" encoding="utf-8"?>
+<p:notes xmlns:a="http://schemas.openxmlformats.org/drawingml/2006/main" xmlns:r="http://schemas.openxmlformats.org/officeDocument/2006/relationships" xmlns:p="http://schemas.openxmlformats.org/presentationml/2006/main">
+  <p:cSld>
+    <p:spTree>
+      <p:nvGrpSpPr>
+        <p:cNvPr id="1" name=""/>
+        <p:cNvGrpSpPr/>
+        <p:nvPr/>
+      </p:nvGrpSpPr>
+      <p:grpSpPr>
+        <a:xfrm>
+          <a:off x="0" y="0"/>
+          <a:ext cx="0" cy="0"/>
+          <a:chOff x="0" y="0"/>
+          <a:chExt cx="0" cy="0"/>
+        </a:xfrm>
+      </p:grpSpPr>
+      <p:sp>
+        <p:nvSpPr>
+          <p:cNvPr id="2" name="Folienbildplatzhalter 1"/>
+          <p:cNvSpPr>
+            <a:spLocks noGrp="1" noRot="1" noChangeAspect="1"/>
+          </p:cNvSpPr>
+          <p:nvPr>
+            <p:ph type="sldImg"/>
+          </p:nvPr>
+        </p:nvSpPr>
+        <p:spPr/>
+      </p:sp>
+      <p:sp>
+        <p:nvSpPr>
+          <p:cNvPr id="3" name="Notizenplatzhalter 2"/>
+          <p:cNvSpPr>
+            <a:spLocks noGrp="1"/>
+          </p:cNvSpPr>
+          <p:nvPr>
+            <p:ph type="body" idx="1"/>
+          </p:nvPr>
+        </p:nvSpPr>
+        <p:spPr/>
+        <p:txBody>
+          <a:bodyPr/>
+          <a:lstStyle/>
+          <a:p>
+            <a:r>
+              <a:rPr lang="en-US" dirty="0"/>
+              <a:t>Maybe explain active learning briefly</a:t>
+            </a:r>
+            <a:endParaRPr lang="de-DE" dirty="0"/>
+          </a:p>
+        </p:txBody>
+      </p:sp>
+      <p:sp>
+        <p:nvSpPr>
+          <p:cNvPr id="4" name="Datumsplatzhalter 3"/>
+          <p:cNvSpPr>
+            <a:spLocks noGrp="1"/>
+          </p:cNvSpPr>
+          <p:nvPr>
+            <p:ph type="dt" idx="1"/>
+          </p:nvPr>
+        </p:nvSpPr>
+        <p:spPr/>
+        <p:txBody>
+          <a:bodyPr/>
+          <a:lstStyle/>
+          <a:p>
+            <a:pPr>
+              <a:defRPr/>
+            </a:pPr>
+            <a:fld id="{23A26369-59F1-436C-8073-8CC95A6D8A0C}" type="datetime1">
+              <a:rPr lang="de-DE" smtClean="0"/>
+              <a:t>23.06.2025</a:t>
+            </a:fld>
+            <a:endParaRPr lang="de-DE" dirty="0"/>
+          </a:p>
+        </p:txBody>
+      </p:sp>
+      <p:sp>
+        <p:nvSpPr>
+          <p:cNvPr id="5" name="Foliennummernplatzhalter 4"/>
+          <p:cNvSpPr>
+            <a:spLocks noGrp="1"/>
+          </p:cNvSpPr>
+          <p:nvPr>
+            <p:ph type="sldNum" sz="quarter" idx="5"/>
+          </p:nvPr>
+        </p:nvSpPr>
+        <p:spPr/>
+        <p:txBody>
+          <a:bodyPr/>
+          <a:lstStyle/>
+          <a:p>
+            <a:pPr>
+              <a:defRPr/>
+            </a:pPr>
+            <a:fld id="{1184DDCB-7D1B-CB4F-980B-B02904018ECE}" type="slidenum">
+              <a:rPr lang="de-DE" smtClean="0"/>
+              <a:pPr>
+                <a:defRPr/>
+              </a:pPr>
+              <a:t>12</a:t>
+            </a:fld>
+            <a:endParaRPr lang="de-DE" dirty="0"/>
+          </a:p>
+        </p:txBody>
+      </p:sp>
+    </p:spTree>
+    <p:extLst>
+      <p:ext uri="{BB962C8B-B14F-4D97-AF65-F5344CB8AC3E}">
+        <p14:creationId xmlns:p14="http://schemas.microsoft.com/office/powerpoint/2010/main" val="3898624302"/>
+      </p:ext>
+    </p:extLst>
+  </p:cSld>
+  <p:clrMapOvr>
+    <a:masterClrMapping/>
+  </p:clrMapOvr>
+</p:notes>
+</file>
+
+<file path=ppt/notesSlides/notesSlide12.xml><?xml version="1.0" encoding="utf-8"?>
+<p:notes xmlns:a="http://schemas.openxmlformats.org/drawingml/2006/main" xmlns:r="http://schemas.openxmlformats.org/officeDocument/2006/relationships" xmlns:p="http://schemas.openxmlformats.org/presentationml/2006/main">
+  <p:cSld>
+    <p:spTree>
+      <p:nvGrpSpPr>
+        <p:cNvPr id="1" name=""/>
+        <p:cNvGrpSpPr/>
+        <p:nvPr/>
+      </p:nvGrpSpPr>
+      <p:grpSpPr>
+        <a:xfrm>
+          <a:off x="0" y="0"/>
+          <a:ext cx="0" cy="0"/>
+          <a:chOff x="0" y="0"/>
+          <a:chExt cx="0" cy="0"/>
+        </a:xfrm>
+      </p:grpSpPr>
+      <p:sp>
+        <p:nvSpPr>
+          <p:cNvPr id="2" name="Folienbildplatzhalter 1"/>
+          <p:cNvSpPr>
+            <a:spLocks noGrp="1" noRot="1" noChangeAspect="1"/>
+          </p:cNvSpPr>
+          <p:nvPr>
+            <p:ph type="sldImg"/>
+          </p:nvPr>
+        </p:nvSpPr>
+        <p:spPr/>
+      </p:sp>
+      <p:sp>
+        <p:nvSpPr>
+          <p:cNvPr id="3" name="Notizenplatzhalter 2"/>
+          <p:cNvSpPr>
+            <a:spLocks noGrp="1"/>
+          </p:cNvSpPr>
+          <p:nvPr>
+            <p:ph type="body" idx="1"/>
+          </p:nvPr>
+        </p:nvSpPr>
+        <p:spPr/>
+        <p:txBody>
+          <a:bodyPr/>
+          <a:lstStyle/>
+          <a:p>
+            <a:r>
+              <a:rPr lang="en-US" dirty="0"/>
+              <a:t>Maybe explain active learning briefly</a:t>
+            </a:r>
+            <a:endParaRPr lang="de-DE" dirty="0"/>
+          </a:p>
+        </p:txBody>
+      </p:sp>
+      <p:sp>
+        <p:nvSpPr>
+          <p:cNvPr id="4" name="Datumsplatzhalter 3"/>
+          <p:cNvSpPr>
+            <a:spLocks noGrp="1"/>
+          </p:cNvSpPr>
+          <p:nvPr>
+            <p:ph type="dt" idx="1"/>
+          </p:nvPr>
+        </p:nvSpPr>
+        <p:spPr/>
+        <p:txBody>
+          <a:bodyPr/>
+          <a:lstStyle/>
+          <a:p>
+            <a:pPr>
+              <a:defRPr/>
+            </a:pPr>
+            <a:fld id="{23A26369-59F1-436C-8073-8CC95A6D8A0C}" type="datetime1">
+              <a:rPr lang="de-DE" smtClean="0"/>
+              <a:t>23.06.2025</a:t>
+            </a:fld>
+            <a:endParaRPr lang="de-DE" dirty="0"/>
+          </a:p>
+        </p:txBody>
+      </p:sp>
+      <p:sp>
+        <p:nvSpPr>
+          <p:cNvPr id="5" name="Foliennummernplatzhalter 4"/>
+          <p:cNvSpPr>
+            <a:spLocks noGrp="1"/>
+          </p:cNvSpPr>
+          <p:nvPr>
+            <p:ph type="sldNum" sz="quarter" idx="5"/>
+          </p:nvPr>
+        </p:nvSpPr>
+        <p:spPr/>
+        <p:txBody>
+          <a:bodyPr/>
+          <a:lstStyle/>
+          <a:p>
+            <a:pPr>
+              <a:defRPr/>
+            </a:pPr>
+            <a:fld id="{1184DDCB-7D1B-CB4F-980B-B02904018ECE}" type="slidenum">
+              <a:rPr lang="de-DE" smtClean="0"/>
+              <a:pPr>
+                <a:defRPr/>
+              </a:pPr>
+              <a:t>13</a:t>
+            </a:fld>
+            <a:endParaRPr lang="de-DE" dirty="0"/>
+          </a:p>
+        </p:txBody>
+      </p:sp>
+    </p:spTree>
+    <p:extLst>
+      <p:ext uri="{BB962C8B-B14F-4D97-AF65-F5344CB8AC3E}">
+        <p14:creationId xmlns:p14="http://schemas.microsoft.com/office/powerpoint/2010/main" val="1727594046"/>
+      </p:ext>
+    </p:extLst>
+  </p:cSld>
+  <p:clrMapOvr>
+    <a:masterClrMapping/>
+  </p:clrMapOvr>
+</p:notes>
+</file>
+
+<file path=ppt/notesSlides/notesSlide13.xml><?xml version="1.0" encoding="utf-8"?>
+<p:notes xmlns:a="http://schemas.openxmlformats.org/drawingml/2006/main" xmlns:r="http://schemas.openxmlformats.org/officeDocument/2006/relationships" xmlns:p="http://schemas.openxmlformats.org/presentationml/2006/main">
+  <p:cSld>
+    <p:spTree>
+      <p:nvGrpSpPr>
+        <p:cNvPr id="1" name=""/>
+        <p:cNvGrpSpPr/>
+        <p:nvPr/>
+      </p:nvGrpSpPr>
+      <p:grpSpPr>
+        <a:xfrm>
+          <a:off x="0" y="0"/>
+          <a:ext cx="0" cy="0"/>
+          <a:chOff x="0" y="0"/>
+          <a:chExt cx="0" cy="0"/>
+        </a:xfrm>
+      </p:grpSpPr>
+      <p:sp>
+        <p:nvSpPr>
+          <p:cNvPr id="2" name="Folienbildplatzhalter 1"/>
+          <p:cNvSpPr>
+            <a:spLocks noGrp="1" noRot="1" noChangeAspect="1"/>
+          </p:cNvSpPr>
+          <p:nvPr>
+            <p:ph type="sldImg"/>
+          </p:nvPr>
+        </p:nvSpPr>
+        <p:spPr/>
+      </p:sp>
+      <p:sp>
+        <p:nvSpPr>
+          <p:cNvPr id="3" name="Notizenplatzhalter 2"/>
+          <p:cNvSpPr>
+            <a:spLocks noGrp="1"/>
+          </p:cNvSpPr>
+          <p:nvPr>
+            <p:ph type="body" idx="1"/>
+          </p:nvPr>
+        </p:nvSpPr>
+        <p:spPr/>
+        <p:txBody>
+          <a:bodyPr/>
+          <a:lstStyle/>
+          <a:p>
+            <a:r>
+              <a:rPr lang="en-US" dirty="0"/>
+              <a:t>Maybe explain active learning briefly</a:t>
+            </a:r>
+            <a:endParaRPr lang="de-DE" dirty="0"/>
+          </a:p>
+        </p:txBody>
+      </p:sp>
+      <p:sp>
+        <p:nvSpPr>
+          <p:cNvPr id="4" name="Datumsplatzhalter 3"/>
+          <p:cNvSpPr>
+            <a:spLocks noGrp="1"/>
+          </p:cNvSpPr>
+          <p:nvPr>
+            <p:ph type="dt" idx="1"/>
+          </p:nvPr>
+        </p:nvSpPr>
+        <p:spPr/>
+        <p:txBody>
+          <a:bodyPr/>
+          <a:lstStyle/>
+          <a:p>
+            <a:pPr>
+              <a:defRPr/>
+            </a:pPr>
+            <a:fld id="{23A26369-59F1-436C-8073-8CC95A6D8A0C}" type="datetime1">
+              <a:rPr lang="de-DE" smtClean="0"/>
+              <a:t>23.06.2025</a:t>
+            </a:fld>
+            <a:endParaRPr lang="de-DE" dirty="0"/>
+          </a:p>
+        </p:txBody>
+      </p:sp>
+      <p:sp>
+        <p:nvSpPr>
+          <p:cNvPr id="5" name="Foliennummernplatzhalter 4"/>
+          <p:cNvSpPr>
+            <a:spLocks noGrp="1"/>
+          </p:cNvSpPr>
+          <p:nvPr>
+            <p:ph type="sldNum" sz="quarter" idx="5"/>
+          </p:nvPr>
+        </p:nvSpPr>
+        <p:spPr/>
+        <p:txBody>
+          <a:bodyPr/>
+          <a:lstStyle/>
+          <a:p>
+            <a:pPr>
+              <a:defRPr/>
+            </a:pPr>
+            <a:fld id="{1184DDCB-7D1B-CB4F-980B-B02904018ECE}" type="slidenum">
+              <a:rPr lang="de-DE" smtClean="0"/>
+              <a:pPr>
+                <a:defRPr/>
+              </a:pPr>
+              <a:t>14</a:t>
+            </a:fld>
+            <a:endParaRPr lang="de-DE" dirty="0"/>
+          </a:p>
+        </p:txBody>
+      </p:sp>
+    </p:spTree>
+    <p:extLst>
+      <p:ext uri="{BB962C8B-B14F-4D97-AF65-F5344CB8AC3E}">
+        <p14:creationId xmlns:p14="http://schemas.microsoft.com/office/powerpoint/2010/main" val="4050453053"/>
+      </p:ext>
+    </p:extLst>
+  </p:cSld>
+  <p:clrMapOvr>
+    <a:masterClrMapping/>
+  </p:clrMapOvr>
+</p:notes>
+</file>
+
+<file path=ppt/notesSlides/notesSlide14.xml><?xml version="1.0" encoding="utf-8"?>
+<p:notes xmlns:a="http://schemas.openxmlformats.org/drawingml/2006/main" xmlns:r="http://schemas.openxmlformats.org/officeDocument/2006/relationships" xmlns:p="http://schemas.openxmlformats.org/presentationml/2006/main">
+  <p:cSld>
+    <p:spTree>
+      <p:nvGrpSpPr>
+        <p:cNvPr id="1" name=""/>
+        <p:cNvGrpSpPr/>
+        <p:nvPr/>
+      </p:nvGrpSpPr>
+      <p:grpSpPr>
+        <a:xfrm>
+          <a:off x="0" y="0"/>
+          <a:ext cx="0" cy="0"/>
+          <a:chOff x="0" y="0"/>
+          <a:chExt cx="0" cy="0"/>
+        </a:xfrm>
+      </p:grpSpPr>
+      <p:sp>
+        <p:nvSpPr>
+          <p:cNvPr id="2" name="Folienbildplatzhalter 1"/>
+          <p:cNvSpPr>
+            <a:spLocks noGrp="1" noRot="1" noChangeAspect="1"/>
+          </p:cNvSpPr>
+          <p:nvPr>
+            <p:ph type="sldImg"/>
+          </p:nvPr>
+        </p:nvSpPr>
+        <p:spPr/>
+      </p:sp>
+      <p:sp>
+        <p:nvSpPr>
+          <p:cNvPr id="3" name="Notizenplatzhalter 2"/>
+          <p:cNvSpPr>
+            <a:spLocks noGrp="1"/>
+          </p:cNvSpPr>
+          <p:nvPr>
+            <p:ph type="body" idx="1"/>
+          </p:nvPr>
+        </p:nvSpPr>
+        <p:spPr/>
+        <p:txBody>
+          <a:bodyPr/>
+          <a:lstStyle/>
+          <a:p>
+            <a:r>
+              <a:rPr lang="en-US" dirty="0"/>
+              <a:t>Maybe explain active learning briefly</a:t>
+            </a:r>
+            <a:endParaRPr lang="de-DE" dirty="0"/>
+          </a:p>
+        </p:txBody>
+      </p:sp>
+      <p:sp>
+        <p:nvSpPr>
+          <p:cNvPr id="4" name="Datumsplatzhalter 3"/>
+          <p:cNvSpPr>
+            <a:spLocks noGrp="1"/>
+          </p:cNvSpPr>
+          <p:nvPr>
+            <p:ph type="dt" idx="1"/>
+          </p:nvPr>
+        </p:nvSpPr>
+        <p:spPr/>
+        <p:txBody>
+          <a:bodyPr/>
+          <a:lstStyle/>
+          <a:p>
+            <a:pPr>
+              <a:defRPr/>
+            </a:pPr>
+            <a:fld id="{23A26369-59F1-436C-8073-8CC95A6D8A0C}" type="datetime1">
+              <a:rPr lang="de-DE" smtClean="0"/>
+              <a:t>23.06.2025</a:t>
+            </a:fld>
+            <a:endParaRPr lang="de-DE" dirty="0"/>
+          </a:p>
+        </p:txBody>
+      </p:sp>
+      <p:sp>
+        <p:nvSpPr>
+          <p:cNvPr id="5" name="Foliennummernplatzhalter 4"/>
+          <p:cNvSpPr>
+            <a:spLocks noGrp="1"/>
+          </p:cNvSpPr>
+          <p:nvPr>
+            <p:ph type="sldNum" sz="quarter" idx="5"/>
+          </p:nvPr>
+        </p:nvSpPr>
+        <p:spPr/>
+        <p:txBody>
+          <a:bodyPr/>
+          <a:lstStyle/>
+          <a:p>
+            <a:pPr>
+              <a:defRPr/>
+            </a:pPr>
+            <a:fld id="{1184DDCB-7D1B-CB4F-980B-B02904018ECE}" type="slidenum">
+              <a:rPr lang="de-DE" smtClean="0"/>
+              <a:pPr>
+                <a:defRPr/>
+              </a:pPr>
+              <a:t>15</a:t>
+            </a:fld>
+            <a:endParaRPr lang="de-DE" dirty="0"/>
+          </a:p>
+        </p:txBody>
+      </p:sp>
+    </p:spTree>
+    <p:extLst>
+      <p:ext uri="{BB962C8B-B14F-4D97-AF65-F5344CB8AC3E}">
+        <p14:creationId xmlns:p14="http://schemas.microsoft.com/office/powerpoint/2010/main" val="1793898170"/>
+      </p:ext>
+    </p:extLst>
+  </p:cSld>
+  <p:clrMapOvr>
+    <a:masterClrMapping/>
+  </p:clrMapOvr>
+</p:notes>
+</file>
+
+<file path=ppt/notesSlides/notesSlide15.xml><?xml version="1.0" encoding="utf-8"?>
+<p:notes xmlns:a="http://schemas.openxmlformats.org/drawingml/2006/main" xmlns:r="http://schemas.openxmlformats.org/officeDocument/2006/relationships" xmlns:p="http://schemas.openxmlformats.org/presentationml/2006/main">
+  <p:cSld>
+    <p:spTree>
+      <p:nvGrpSpPr>
+        <p:cNvPr id="1" name=""/>
+        <p:cNvGrpSpPr/>
+        <p:nvPr/>
+      </p:nvGrpSpPr>
+      <p:grpSpPr>
+        <a:xfrm>
+          <a:off x="0" y="0"/>
+          <a:ext cx="0" cy="0"/>
+          <a:chOff x="0" y="0"/>
+          <a:chExt cx="0" cy="0"/>
+        </a:xfrm>
+      </p:grpSpPr>
+      <p:sp>
+        <p:nvSpPr>
+          <p:cNvPr id="2" name="Folienbildplatzhalter 1"/>
+          <p:cNvSpPr>
+            <a:spLocks noGrp="1" noRot="1" noChangeAspect="1"/>
+          </p:cNvSpPr>
+          <p:nvPr>
+            <p:ph type="sldImg"/>
+          </p:nvPr>
+        </p:nvSpPr>
+        <p:spPr/>
+      </p:sp>
+      <p:sp>
+        <p:nvSpPr>
+          <p:cNvPr id="3" name="Notizenplatzhalter 2"/>
+          <p:cNvSpPr>
+            <a:spLocks noGrp="1"/>
+          </p:cNvSpPr>
+          <p:nvPr>
+            <p:ph type="body" idx="1"/>
+          </p:nvPr>
+        </p:nvSpPr>
+        <p:spPr/>
+        <p:txBody>
+          <a:bodyPr/>
+          <a:lstStyle/>
+          <a:p>
+            <a:r>
+              <a:rPr lang="en-US" dirty="0"/>
+              <a:t>Maybe explain active learning briefly</a:t>
+            </a:r>
+            <a:endParaRPr lang="de-DE" dirty="0"/>
+          </a:p>
+        </p:txBody>
+      </p:sp>
+      <p:sp>
+        <p:nvSpPr>
+          <p:cNvPr id="4" name="Datumsplatzhalter 3"/>
+          <p:cNvSpPr>
+            <a:spLocks noGrp="1"/>
+          </p:cNvSpPr>
+          <p:nvPr>
+            <p:ph type="dt" idx="1"/>
+          </p:nvPr>
+        </p:nvSpPr>
+        <p:spPr/>
+        <p:txBody>
+          <a:bodyPr/>
+          <a:lstStyle/>
+          <a:p>
+            <a:pPr>
+              <a:defRPr/>
+            </a:pPr>
+            <a:fld id="{23A26369-59F1-436C-8073-8CC95A6D8A0C}" type="datetime1">
+              <a:rPr lang="de-DE" smtClean="0"/>
+              <a:t>23.06.2025</a:t>
+            </a:fld>
+            <a:endParaRPr lang="de-DE" dirty="0"/>
+          </a:p>
+        </p:txBody>
+      </p:sp>
+      <p:sp>
+        <p:nvSpPr>
+          <p:cNvPr id="5" name="Foliennummernplatzhalter 4"/>
+          <p:cNvSpPr>
+            <a:spLocks noGrp="1"/>
+          </p:cNvSpPr>
+          <p:nvPr>
+            <p:ph type="sldNum" sz="quarter" idx="5"/>
+          </p:nvPr>
+        </p:nvSpPr>
+        <p:spPr/>
+        <p:txBody>
+          <a:bodyPr/>
+          <a:lstStyle/>
+          <a:p>
+            <a:pPr>
+              <a:defRPr/>
+            </a:pPr>
+            <a:fld id="{1184DDCB-7D1B-CB4F-980B-B02904018ECE}" type="slidenum">
+              <a:rPr lang="de-DE" smtClean="0"/>
+              <a:pPr>
+                <a:defRPr/>
+              </a:pPr>
+              <a:t>16</a:t>
+            </a:fld>
+            <a:endParaRPr lang="de-DE" dirty="0"/>
+          </a:p>
+        </p:txBody>
+      </p:sp>
+    </p:spTree>
+    <p:extLst>
+      <p:ext uri="{BB962C8B-B14F-4D97-AF65-F5344CB8AC3E}">
+        <p14:creationId xmlns:p14="http://schemas.microsoft.com/office/powerpoint/2010/main" val="3316199375"/>
+      </p:ext>
+    </p:extLst>
+  </p:cSld>
+  <p:clrMapOvr>
+    <a:masterClrMapping/>
+  </p:clrMapOvr>
+</p:notes>
+</file>
+
+<file path=ppt/notesSlides/notesSlide16.xml><?xml version="1.0" encoding="utf-8"?>
+<p:notes xmlns:a="http://schemas.openxmlformats.org/drawingml/2006/main" xmlns:r="http://schemas.openxmlformats.org/officeDocument/2006/relationships" xmlns:p="http://schemas.openxmlformats.org/presentationml/2006/main">
+  <p:cSld>
+    <p:spTree>
+      <p:nvGrpSpPr>
+        <p:cNvPr id="1" name=""/>
+        <p:cNvGrpSpPr/>
+        <p:nvPr/>
+      </p:nvGrpSpPr>
+      <p:grpSpPr>
+        <a:xfrm>
+          <a:off x="0" y="0"/>
+          <a:ext cx="0" cy="0"/>
+          <a:chOff x="0" y="0"/>
+          <a:chExt cx="0" cy="0"/>
+        </a:xfrm>
+      </p:grpSpPr>
+      <p:sp>
+        <p:nvSpPr>
+          <p:cNvPr id="2" name="Folienbildplatzhalter 1"/>
+          <p:cNvSpPr>
+            <a:spLocks noGrp="1" noRot="1" noChangeAspect="1"/>
+          </p:cNvSpPr>
+          <p:nvPr>
+            <p:ph type="sldImg"/>
+          </p:nvPr>
+        </p:nvSpPr>
+        <p:spPr/>
+      </p:sp>
+      <p:sp>
+        <p:nvSpPr>
+          <p:cNvPr id="3" name="Notizenplatzhalter 2"/>
+          <p:cNvSpPr>
+            <a:spLocks noGrp="1"/>
+          </p:cNvSpPr>
+          <p:nvPr>
+            <p:ph type="body" idx="1"/>
+          </p:nvPr>
+        </p:nvSpPr>
+        <p:spPr/>
+        <p:txBody>
+          <a:bodyPr/>
+          <a:lstStyle/>
+          <a:p>
+            <a:r>
+              <a:rPr lang="en-US" dirty="0"/>
+              <a:t>Maybe explain active learning briefly</a:t>
+            </a:r>
+            <a:endParaRPr lang="de-DE" dirty="0"/>
+          </a:p>
+        </p:txBody>
+      </p:sp>
+      <p:sp>
+        <p:nvSpPr>
+          <p:cNvPr id="4" name="Datumsplatzhalter 3"/>
+          <p:cNvSpPr>
+            <a:spLocks noGrp="1"/>
+          </p:cNvSpPr>
+          <p:nvPr>
+            <p:ph type="dt" idx="1"/>
+          </p:nvPr>
+        </p:nvSpPr>
+        <p:spPr/>
+        <p:txBody>
+          <a:bodyPr/>
+          <a:lstStyle/>
+          <a:p>
+            <a:pPr>
+              <a:defRPr/>
+            </a:pPr>
+            <a:fld id="{23A26369-59F1-436C-8073-8CC95A6D8A0C}" type="datetime1">
+              <a:rPr lang="de-DE" smtClean="0"/>
+              <a:t>23.06.2025</a:t>
+            </a:fld>
+            <a:endParaRPr lang="de-DE" dirty="0"/>
+          </a:p>
+        </p:txBody>
+      </p:sp>
+      <p:sp>
+        <p:nvSpPr>
+          <p:cNvPr id="5" name="Foliennummernplatzhalter 4"/>
+          <p:cNvSpPr>
+            <a:spLocks noGrp="1"/>
+          </p:cNvSpPr>
+          <p:nvPr>
+            <p:ph type="sldNum" sz="quarter" idx="5"/>
+          </p:nvPr>
+        </p:nvSpPr>
+        <p:spPr/>
+        <p:txBody>
+          <a:bodyPr/>
+          <a:lstStyle/>
+          <a:p>
+            <a:pPr>
+              <a:defRPr/>
+            </a:pPr>
+            <a:fld id="{1184DDCB-7D1B-CB4F-980B-B02904018ECE}" type="slidenum">
+              <a:rPr lang="de-DE" smtClean="0"/>
+              <a:pPr>
+                <a:defRPr/>
+              </a:pPr>
+              <a:t>17</a:t>
+            </a:fld>
+            <a:endParaRPr lang="de-DE" dirty="0"/>
+          </a:p>
+        </p:txBody>
+      </p:sp>
+    </p:spTree>
+    <p:extLst>
+      <p:ext uri="{BB962C8B-B14F-4D97-AF65-F5344CB8AC3E}">
+        <p14:creationId xmlns:p14="http://schemas.microsoft.com/office/powerpoint/2010/main" val="2214772480"/>
+      </p:ext>
+    </p:extLst>
+  </p:cSld>
+  <p:clrMapOvr>
+    <a:masterClrMapping/>
+  </p:clrMapOvr>
+</p:notes>
+</file>
+
+<file path=ppt/notesSlides/notesSlide17.xml><?xml version="1.0" encoding="utf-8"?>
+<p:notes xmlns:a="http://schemas.openxmlformats.org/drawingml/2006/main" xmlns:r="http://schemas.openxmlformats.org/officeDocument/2006/relationships" xmlns:p="http://schemas.openxmlformats.org/presentationml/2006/main">
+  <p:cSld>
+    <p:spTree>
+      <p:nvGrpSpPr>
+        <p:cNvPr id="1" name=""/>
+        <p:cNvGrpSpPr/>
+        <p:nvPr/>
+      </p:nvGrpSpPr>
+      <p:grpSpPr>
+        <a:xfrm>
+          <a:off x="0" y="0"/>
+          <a:ext cx="0" cy="0"/>
+          <a:chOff x="0" y="0"/>
+          <a:chExt cx="0" cy="0"/>
+        </a:xfrm>
+      </p:grpSpPr>
+      <p:sp>
+        <p:nvSpPr>
+          <p:cNvPr id="2" name="Folienbildplatzhalter 1"/>
+          <p:cNvSpPr>
+            <a:spLocks noGrp="1" noRot="1" noChangeAspect="1"/>
+          </p:cNvSpPr>
+          <p:nvPr>
+            <p:ph type="sldImg"/>
+          </p:nvPr>
+        </p:nvSpPr>
+        <p:spPr/>
+      </p:sp>
+      <p:sp>
+        <p:nvSpPr>
+          <p:cNvPr id="3" name="Notizenplatzhalter 2"/>
+          <p:cNvSpPr>
+            <a:spLocks noGrp="1"/>
+          </p:cNvSpPr>
+          <p:nvPr>
+            <p:ph type="body" idx="1"/>
+          </p:nvPr>
+        </p:nvSpPr>
+        <p:spPr/>
+        <p:txBody>
+          <a:bodyPr/>
+          <a:lstStyle/>
+          <a:p>
+            <a:r>
+              <a:rPr lang="en-US" dirty="0"/>
+              <a:t>Maybe explain active learning briefly</a:t>
+            </a:r>
+            <a:endParaRPr lang="de-DE" dirty="0"/>
+          </a:p>
+        </p:txBody>
+      </p:sp>
+      <p:sp>
+        <p:nvSpPr>
+          <p:cNvPr id="4" name="Datumsplatzhalter 3"/>
+          <p:cNvSpPr>
+            <a:spLocks noGrp="1"/>
+          </p:cNvSpPr>
+          <p:nvPr>
+            <p:ph type="dt" idx="1"/>
+          </p:nvPr>
+        </p:nvSpPr>
+        <p:spPr/>
+        <p:txBody>
+          <a:bodyPr/>
+          <a:lstStyle/>
+          <a:p>
+            <a:pPr>
+              <a:defRPr/>
+            </a:pPr>
+            <a:fld id="{23A26369-59F1-436C-8073-8CC95A6D8A0C}" type="datetime1">
+              <a:rPr lang="de-DE" smtClean="0"/>
+              <a:t>23.06.2025</a:t>
+            </a:fld>
+            <a:endParaRPr lang="de-DE" dirty="0"/>
+          </a:p>
+        </p:txBody>
+      </p:sp>
+      <p:sp>
+        <p:nvSpPr>
+          <p:cNvPr id="5" name="Foliennummernplatzhalter 4"/>
+          <p:cNvSpPr>
+            <a:spLocks noGrp="1"/>
+          </p:cNvSpPr>
+          <p:nvPr>
+            <p:ph type="sldNum" sz="quarter" idx="5"/>
+          </p:nvPr>
+        </p:nvSpPr>
+        <p:spPr/>
+        <p:txBody>
+          <a:bodyPr/>
+          <a:lstStyle/>
+          <a:p>
+            <a:pPr>
+              <a:defRPr/>
+            </a:pPr>
+            <a:fld id="{1184DDCB-7D1B-CB4F-980B-B02904018ECE}" type="slidenum">
+              <a:rPr lang="de-DE" smtClean="0"/>
+              <a:pPr>
+                <a:defRPr/>
+              </a:pPr>
+              <a:t>18</a:t>
+            </a:fld>
+            <a:endParaRPr lang="de-DE" dirty="0"/>
+          </a:p>
+        </p:txBody>
+      </p:sp>
+    </p:spTree>
+    <p:extLst>
+      <p:ext uri="{BB962C8B-B14F-4D97-AF65-F5344CB8AC3E}">
+        <p14:creationId xmlns:p14="http://schemas.microsoft.com/office/powerpoint/2010/main" val="3184712486"/>
+      </p:ext>
+    </p:extLst>
+  </p:cSld>
+  <p:clrMapOvr>
+    <a:masterClrMapping/>
+  </p:clrMapOvr>
+</p:notes>
+</file>
+
+<file path=ppt/notesSlides/notesSlide18.xml><?xml version="1.0" encoding="utf-8"?>
+<p:notes xmlns:a="http://schemas.openxmlformats.org/drawingml/2006/main" xmlns:r="http://schemas.openxmlformats.org/officeDocument/2006/relationships" xmlns:p="http://schemas.openxmlformats.org/presentationml/2006/main">
+  <p:cSld>
+    <p:spTree>
+      <p:nvGrpSpPr>
+        <p:cNvPr id="1" name=""/>
+        <p:cNvGrpSpPr/>
+        <p:nvPr/>
+      </p:nvGrpSpPr>
+      <p:grpSpPr>
+        <a:xfrm>
+          <a:off x="0" y="0"/>
+          <a:ext cx="0" cy="0"/>
+          <a:chOff x="0" y="0"/>
+          <a:chExt cx="0" cy="0"/>
+        </a:xfrm>
+      </p:grpSpPr>
+      <p:sp>
+        <p:nvSpPr>
+          <p:cNvPr id="2" name="Folienbildplatzhalter 1"/>
+          <p:cNvSpPr>
+            <a:spLocks noGrp="1" noRot="1" noChangeAspect="1"/>
+          </p:cNvSpPr>
+          <p:nvPr>
+            <p:ph type="sldImg"/>
+          </p:nvPr>
+        </p:nvSpPr>
+        <p:spPr/>
+      </p:sp>
+      <p:sp>
+        <p:nvSpPr>
+          <p:cNvPr id="3" name="Notizenplatzhalter 2"/>
+          <p:cNvSpPr>
+            <a:spLocks noGrp="1"/>
+          </p:cNvSpPr>
+          <p:nvPr>
+            <p:ph type="body" idx="1"/>
+          </p:nvPr>
+        </p:nvSpPr>
+        <p:spPr/>
+        <p:txBody>
+          <a:bodyPr/>
+          <a:lstStyle/>
+          <a:p>
+            <a:r>
+              <a:rPr lang="en-US" dirty="0"/>
+              <a:t>Maybe explain active learning briefly</a:t>
+            </a:r>
+            <a:endParaRPr lang="de-DE" dirty="0"/>
+          </a:p>
+        </p:txBody>
+      </p:sp>
+      <p:sp>
+        <p:nvSpPr>
+          <p:cNvPr id="4" name="Datumsplatzhalter 3"/>
+          <p:cNvSpPr>
+            <a:spLocks noGrp="1"/>
+          </p:cNvSpPr>
+          <p:nvPr>
+            <p:ph type="dt" idx="1"/>
+          </p:nvPr>
+        </p:nvSpPr>
+        <p:spPr/>
+        <p:txBody>
+          <a:bodyPr/>
+          <a:lstStyle/>
+          <a:p>
+            <a:pPr>
+              <a:defRPr/>
+            </a:pPr>
+            <a:fld id="{23A26369-59F1-436C-8073-8CC95A6D8A0C}" type="datetime1">
+              <a:rPr lang="de-DE" smtClean="0"/>
+              <a:t>23.06.2025</a:t>
+            </a:fld>
+            <a:endParaRPr lang="de-DE" dirty="0"/>
+          </a:p>
+        </p:txBody>
+      </p:sp>
+      <p:sp>
+        <p:nvSpPr>
+          <p:cNvPr id="5" name="Foliennummernplatzhalter 4"/>
+          <p:cNvSpPr>
+            <a:spLocks noGrp="1"/>
+          </p:cNvSpPr>
+          <p:nvPr>
+            <p:ph type="sldNum" sz="quarter" idx="5"/>
+          </p:nvPr>
+        </p:nvSpPr>
+        <p:spPr/>
+        <p:txBody>
+          <a:bodyPr/>
+          <a:lstStyle/>
+          <a:p>
+            <a:pPr>
+              <a:defRPr/>
+            </a:pPr>
+            <a:fld id="{1184DDCB-7D1B-CB4F-980B-B02904018ECE}" type="slidenum">
+              <a:rPr lang="de-DE" smtClean="0"/>
+              <a:pPr>
+                <a:defRPr/>
+              </a:pPr>
+              <a:t>19</a:t>
+            </a:fld>
+            <a:endParaRPr lang="de-DE" dirty="0"/>
+          </a:p>
+        </p:txBody>
+      </p:sp>
+    </p:spTree>
+    <p:extLst>
+      <p:ext uri="{BB962C8B-B14F-4D97-AF65-F5344CB8AC3E}">
+        <p14:creationId xmlns:p14="http://schemas.microsoft.com/office/powerpoint/2010/main" val="4070270374"/>
+      </p:ext>
+    </p:extLst>
+  </p:cSld>
+  <p:clrMapOvr>
+    <a:masterClrMapping/>
+  </p:clrMapOvr>
+</p:notes>
+</file>
+
 <file path=ppt/notesSlides/notesSlide2.xml><?xml version="1.0" encoding="utf-8"?>
 <p:notes xmlns:a="http://schemas.openxmlformats.org/drawingml/2006/main" xmlns:r="http://schemas.openxmlformats.org/officeDocument/2006/relationships" xmlns:p="http://schemas.openxmlformats.org/presentationml/2006/main">
   <p:cSld>
@@ -1780,6 +2873,486 @@
     <p:extLst>
       <p:ext uri="{BB962C8B-B14F-4D97-AF65-F5344CB8AC3E}">
         <p14:creationId xmlns:p14="http://schemas.microsoft.com/office/powerpoint/2010/main" val="335891985"/>
+      </p:ext>
+    </p:extLst>
+  </p:cSld>
+  <p:clrMapOvr>
+    <a:masterClrMapping/>
+  </p:clrMapOvr>
+</p:notes>
+</file>
+
+<file path=ppt/notesSlides/notesSlide6.xml><?xml version="1.0" encoding="utf-8"?>
+<p:notes xmlns:a="http://schemas.openxmlformats.org/drawingml/2006/main" xmlns:r="http://schemas.openxmlformats.org/officeDocument/2006/relationships" xmlns:p="http://schemas.openxmlformats.org/presentationml/2006/main">
+  <p:cSld>
+    <p:spTree>
+      <p:nvGrpSpPr>
+        <p:cNvPr id="1" name=""/>
+        <p:cNvGrpSpPr/>
+        <p:nvPr/>
+      </p:nvGrpSpPr>
+      <p:grpSpPr>
+        <a:xfrm>
+          <a:off x="0" y="0"/>
+          <a:ext cx="0" cy="0"/>
+          <a:chOff x="0" y="0"/>
+          <a:chExt cx="0" cy="0"/>
+        </a:xfrm>
+      </p:grpSpPr>
+      <p:sp>
+        <p:nvSpPr>
+          <p:cNvPr id="2" name="Folienbildplatzhalter 1"/>
+          <p:cNvSpPr>
+            <a:spLocks noGrp="1" noRot="1" noChangeAspect="1"/>
+          </p:cNvSpPr>
+          <p:nvPr>
+            <p:ph type="sldImg"/>
+          </p:nvPr>
+        </p:nvSpPr>
+        <p:spPr/>
+      </p:sp>
+      <p:sp>
+        <p:nvSpPr>
+          <p:cNvPr id="3" name="Notizenplatzhalter 2"/>
+          <p:cNvSpPr>
+            <a:spLocks noGrp="1"/>
+          </p:cNvSpPr>
+          <p:nvPr>
+            <p:ph type="body" idx="1"/>
+          </p:nvPr>
+        </p:nvSpPr>
+        <p:spPr/>
+        <p:txBody>
+          <a:bodyPr/>
+          <a:lstStyle/>
+          <a:p>
+            <a:r>
+              <a:rPr lang="en-US" dirty="0"/>
+              <a:t>Maybe explain active learning briefly</a:t>
+            </a:r>
+            <a:endParaRPr lang="de-DE" dirty="0"/>
+          </a:p>
+        </p:txBody>
+      </p:sp>
+      <p:sp>
+        <p:nvSpPr>
+          <p:cNvPr id="4" name="Datumsplatzhalter 3"/>
+          <p:cNvSpPr>
+            <a:spLocks noGrp="1"/>
+          </p:cNvSpPr>
+          <p:nvPr>
+            <p:ph type="dt" idx="1"/>
+          </p:nvPr>
+        </p:nvSpPr>
+        <p:spPr/>
+        <p:txBody>
+          <a:bodyPr/>
+          <a:lstStyle/>
+          <a:p>
+            <a:pPr>
+              <a:defRPr/>
+            </a:pPr>
+            <a:fld id="{23A26369-59F1-436C-8073-8CC95A6D8A0C}" type="datetime1">
+              <a:rPr lang="de-DE" smtClean="0"/>
+              <a:t>23.06.2025</a:t>
+            </a:fld>
+            <a:endParaRPr lang="de-DE" dirty="0"/>
+          </a:p>
+        </p:txBody>
+      </p:sp>
+      <p:sp>
+        <p:nvSpPr>
+          <p:cNvPr id="5" name="Foliennummernplatzhalter 4"/>
+          <p:cNvSpPr>
+            <a:spLocks noGrp="1"/>
+          </p:cNvSpPr>
+          <p:nvPr>
+            <p:ph type="sldNum" sz="quarter" idx="5"/>
+          </p:nvPr>
+        </p:nvSpPr>
+        <p:spPr/>
+        <p:txBody>
+          <a:bodyPr/>
+          <a:lstStyle/>
+          <a:p>
+            <a:pPr>
+              <a:defRPr/>
+            </a:pPr>
+            <a:fld id="{1184DDCB-7D1B-CB4F-980B-B02904018ECE}" type="slidenum">
+              <a:rPr lang="de-DE" smtClean="0"/>
+              <a:pPr>
+                <a:defRPr/>
+              </a:pPr>
+              <a:t>7</a:t>
+            </a:fld>
+            <a:endParaRPr lang="de-DE" dirty="0"/>
+          </a:p>
+        </p:txBody>
+      </p:sp>
+    </p:spTree>
+    <p:extLst>
+      <p:ext uri="{BB962C8B-B14F-4D97-AF65-F5344CB8AC3E}">
+        <p14:creationId xmlns:p14="http://schemas.microsoft.com/office/powerpoint/2010/main" val="1525911070"/>
+      </p:ext>
+    </p:extLst>
+  </p:cSld>
+  <p:clrMapOvr>
+    <a:masterClrMapping/>
+  </p:clrMapOvr>
+</p:notes>
+</file>
+
+<file path=ppt/notesSlides/notesSlide7.xml><?xml version="1.0" encoding="utf-8"?>
+<p:notes xmlns:a="http://schemas.openxmlformats.org/drawingml/2006/main" xmlns:r="http://schemas.openxmlformats.org/officeDocument/2006/relationships" xmlns:p="http://schemas.openxmlformats.org/presentationml/2006/main">
+  <p:cSld>
+    <p:spTree>
+      <p:nvGrpSpPr>
+        <p:cNvPr id="1" name=""/>
+        <p:cNvGrpSpPr/>
+        <p:nvPr/>
+      </p:nvGrpSpPr>
+      <p:grpSpPr>
+        <a:xfrm>
+          <a:off x="0" y="0"/>
+          <a:ext cx="0" cy="0"/>
+          <a:chOff x="0" y="0"/>
+          <a:chExt cx="0" cy="0"/>
+        </a:xfrm>
+      </p:grpSpPr>
+      <p:sp>
+        <p:nvSpPr>
+          <p:cNvPr id="2" name="Folienbildplatzhalter 1"/>
+          <p:cNvSpPr>
+            <a:spLocks noGrp="1" noRot="1" noChangeAspect="1"/>
+          </p:cNvSpPr>
+          <p:nvPr>
+            <p:ph type="sldImg"/>
+          </p:nvPr>
+        </p:nvSpPr>
+        <p:spPr/>
+      </p:sp>
+      <p:sp>
+        <p:nvSpPr>
+          <p:cNvPr id="3" name="Notizenplatzhalter 2"/>
+          <p:cNvSpPr>
+            <a:spLocks noGrp="1"/>
+          </p:cNvSpPr>
+          <p:nvPr>
+            <p:ph type="body" idx="1"/>
+          </p:nvPr>
+        </p:nvSpPr>
+        <p:spPr/>
+        <p:txBody>
+          <a:bodyPr/>
+          <a:lstStyle/>
+          <a:p>
+            <a:r>
+              <a:rPr lang="en-US" dirty="0"/>
+              <a:t>Maybe explain active learning briefly</a:t>
+            </a:r>
+            <a:endParaRPr lang="de-DE" dirty="0"/>
+          </a:p>
+        </p:txBody>
+      </p:sp>
+      <p:sp>
+        <p:nvSpPr>
+          <p:cNvPr id="4" name="Datumsplatzhalter 3"/>
+          <p:cNvSpPr>
+            <a:spLocks noGrp="1"/>
+          </p:cNvSpPr>
+          <p:nvPr>
+            <p:ph type="dt" idx="1"/>
+          </p:nvPr>
+        </p:nvSpPr>
+        <p:spPr/>
+        <p:txBody>
+          <a:bodyPr/>
+          <a:lstStyle/>
+          <a:p>
+            <a:pPr>
+              <a:defRPr/>
+            </a:pPr>
+            <a:fld id="{23A26369-59F1-436C-8073-8CC95A6D8A0C}" type="datetime1">
+              <a:rPr lang="de-DE" smtClean="0"/>
+              <a:t>23.06.2025</a:t>
+            </a:fld>
+            <a:endParaRPr lang="de-DE" dirty="0"/>
+          </a:p>
+        </p:txBody>
+      </p:sp>
+      <p:sp>
+        <p:nvSpPr>
+          <p:cNvPr id="5" name="Foliennummernplatzhalter 4"/>
+          <p:cNvSpPr>
+            <a:spLocks noGrp="1"/>
+          </p:cNvSpPr>
+          <p:nvPr>
+            <p:ph type="sldNum" sz="quarter" idx="5"/>
+          </p:nvPr>
+        </p:nvSpPr>
+        <p:spPr/>
+        <p:txBody>
+          <a:bodyPr/>
+          <a:lstStyle/>
+          <a:p>
+            <a:pPr>
+              <a:defRPr/>
+            </a:pPr>
+            <a:fld id="{1184DDCB-7D1B-CB4F-980B-B02904018ECE}" type="slidenum">
+              <a:rPr lang="de-DE" smtClean="0"/>
+              <a:pPr>
+                <a:defRPr/>
+              </a:pPr>
+              <a:t>8</a:t>
+            </a:fld>
+            <a:endParaRPr lang="de-DE" dirty="0"/>
+          </a:p>
+        </p:txBody>
+      </p:sp>
+    </p:spTree>
+    <p:extLst>
+      <p:ext uri="{BB962C8B-B14F-4D97-AF65-F5344CB8AC3E}">
+        <p14:creationId xmlns:p14="http://schemas.microsoft.com/office/powerpoint/2010/main" val="2822248629"/>
+      </p:ext>
+    </p:extLst>
+  </p:cSld>
+  <p:clrMapOvr>
+    <a:masterClrMapping/>
+  </p:clrMapOvr>
+</p:notes>
+</file>
+
+<file path=ppt/notesSlides/notesSlide8.xml><?xml version="1.0" encoding="utf-8"?>
+<p:notes xmlns:a="http://schemas.openxmlformats.org/drawingml/2006/main" xmlns:r="http://schemas.openxmlformats.org/officeDocument/2006/relationships" xmlns:p="http://schemas.openxmlformats.org/presentationml/2006/main">
+  <p:cSld>
+    <p:spTree>
+      <p:nvGrpSpPr>
+        <p:cNvPr id="1" name=""/>
+        <p:cNvGrpSpPr/>
+        <p:nvPr/>
+      </p:nvGrpSpPr>
+      <p:grpSpPr>
+        <a:xfrm>
+          <a:off x="0" y="0"/>
+          <a:ext cx="0" cy="0"/>
+          <a:chOff x="0" y="0"/>
+          <a:chExt cx="0" cy="0"/>
+        </a:xfrm>
+      </p:grpSpPr>
+      <p:sp>
+        <p:nvSpPr>
+          <p:cNvPr id="2" name="Folienbildplatzhalter 1"/>
+          <p:cNvSpPr>
+            <a:spLocks noGrp="1" noRot="1" noChangeAspect="1"/>
+          </p:cNvSpPr>
+          <p:nvPr>
+            <p:ph type="sldImg"/>
+          </p:nvPr>
+        </p:nvSpPr>
+        <p:spPr/>
+      </p:sp>
+      <p:sp>
+        <p:nvSpPr>
+          <p:cNvPr id="3" name="Notizenplatzhalter 2"/>
+          <p:cNvSpPr>
+            <a:spLocks noGrp="1"/>
+          </p:cNvSpPr>
+          <p:nvPr>
+            <p:ph type="body" idx="1"/>
+          </p:nvPr>
+        </p:nvSpPr>
+        <p:spPr/>
+        <p:txBody>
+          <a:bodyPr/>
+          <a:lstStyle/>
+          <a:p>
+            <a:r>
+              <a:rPr lang="en-US" dirty="0"/>
+              <a:t>Maybe explain active learning briefly</a:t>
+            </a:r>
+            <a:endParaRPr lang="de-DE" dirty="0"/>
+          </a:p>
+        </p:txBody>
+      </p:sp>
+      <p:sp>
+        <p:nvSpPr>
+          <p:cNvPr id="4" name="Datumsplatzhalter 3"/>
+          <p:cNvSpPr>
+            <a:spLocks noGrp="1"/>
+          </p:cNvSpPr>
+          <p:nvPr>
+            <p:ph type="dt" idx="1"/>
+          </p:nvPr>
+        </p:nvSpPr>
+        <p:spPr/>
+        <p:txBody>
+          <a:bodyPr/>
+          <a:lstStyle/>
+          <a:p>
+            <a:pPr>
+              <a:defRPr/>
+            </a:pPr>
+            <a:fld id="{23A26369-59F1-436C-8073-8CC95A6D8A0C}" type="datetime1">
+              <a:rPr lang="de-DE" smtClean="0"/>
+              <a:t>23.06.2025</a:t>
+            </a:fld>
+            <a:endParaRPr lang="de-DE" dirty="0"/>
+          </a:p>
+        </p:txBody>
+      </p:sp>
+      <p:sp>
+        <p:nvSpPr>
+          <p:cNvPr id="5" name="Foliennummernplatzhalter 4"/>
+          <p:cNvSpPr>
+            <a:spLocks noGrp="1"/>
+          </p:cNvSpPr>
+          <p:nvPr>
+            <p:ph type="sldNum" sz="quarter" idx="5"/>
+          </p:nvPr>
+        </p:nvSpPr>
+        <p:spPr/>
+        <p:txBody>
+          <a:bodyPr/>
+          <a:lstStyle/>
+          <a:p>
+            <a:pPr>
+              <a:defRPr/>
+            </a:pPr>
+            <a:fld id="{1184DDCB-7D1B-CB4F-980B-B02904018ECE}" type="slidenum">
+              <a:rPr lang="de-DE" smtClean="0"/>
+              <a:pPr>
+                <a:defRPr/>
+              </a:pPr>
+              <a:t>9</a:t>
+            </a:fld>
+            <a:endParaRPr lang="de-DE" dirty="0"/>
+          </a:p>
+        </p:txBody>
+      </p:sp>
+    </p:spTree>
+    <p:extLst>
+      <p:ext uri="{BB962C8B-B14F-4D97-AF65-F5344CB8AC3E}">
+        <p14:creationId xmlns:p14="http://schemas.microsoft.com/office/powerpoint/2010/main" val="698438113"/>
+      </p:ext>
+    </p:extLst>
+  </p:cSld>
+  <p:clrMapOvr>
+    <a:masterClrMapping/>
+  </p:clrMapOvr>
+</p:notes>
+</file>
+
+<file path=ppt/notesSlides/notesSlide9.xml><?xml version="1.0" encoding="utf-8"?>
+<p:notes xmlns:a="http://schemas.openxmlformats.org/drawingml/2006/main" xmlns:r="http://schemas.openxmlformats.org/officeDocument/2006/relationships" xmlns:p="http://schemas.openxmlformats.org/presentationml/2006/main">
+  <p:cSld>
+    <p:spTree>
+      <p:nvGrpSpPr>
+        <p:cNvPr id="1" name=""/>
+        <p:cNvGrpSpPr/>
+        <p:nvPr/>
+      </p:nvGrpSpPr>
+      <p:grpSpPr>
+        <a:xfrm>
+          <a:off x="0" y="0"/>
+          <a:ext cx="0" cy="0"/>
+          <a:chOff x="0" y="0"/>
+          <a:chExt cx="0" cy="0"/>
+        </a:xfrm>
+      </p:grpSpPr>
+      <p:sp>
+        <p:nvSpPr>
+          <p:cNvPr id="2" name="Folienbildplatzhalter 1"/>
+          <p:cNvSpPr>
+            <a:spLocks noGrp="1" noRot="1" noChangeAspect="1"/>
+          </p:cNvSpPr>
+          <p:nvPr>
+            <p:ph type="sldImg"/>
+          </p:nvPr>
+        </p:nvSpPr>
+        <p:spPr/>
+      </p:sp>
+      <p:sp>
+        <p:nvSpPr>
+          <p:cNvPr id="3" name="Notizenplatzhalter 2"/>
+          <p:cNvSpPr>
+            <a:spLocks noGrp="1"/>
+          </p:cNvSpPr>
+          <p:nvPr>
+            <p:ph type="body" idx="1"/>
+          </p:nvPr>
+        </p:nvSpPr>
+        <p:spPr/>
+        <p:txBody>
+          <a:bodyPr/>
+          <a:lstStyle/>
+          <a:p>
+            <a:r>
+              <a:rPr lang="en-US" dirty="0"/>
+              <a:t>Maybe explain active learning briefly</a:t>
+            </a:r>
+            <a:endParaRPr lang="de-DE" dirty="0"/>
+          </a:p>
+        </p:txBody>
+      </p:sp>
+      <p:sp>
+        <p:nvSpPr>
+          <p:cNvPr id="4" name="Datumsplatzhalter 3"/>
+          <p:cNvSpPr>
+            <a:spLocks noGrp="1"/>
+          </p:cNvSpPr>
+          <p:nvPr>
+            <p:ph type="dt" idx="1"/>
+          </p:nvPr>
+        </p:nvSpPr>
+        <p:spPr/>
+        <p:txBody>
+          <a:bodyPr/>
+          <a:lstStyle/>
+          <a:p>
+            <a:pPr>
+              <a:defRPr/>
+            </a:pPr>
+            <a:fld id="{23A26369-59F1-436C-8073-8CC95A6D8A0C}" type="datetime1">
+              <a:rPr lang="de-DE" smtClean="0"/>
+              <a:t>23.06.2025</a:t>
+            </a:fld>
+            <a:endParaRPr lang="de-DE" dirty="0"/>
+          </a:p>
+        </p:txBody>
+      </p:sp>
+      <p:sp>
+        <p:nvSpPr>
+          <p:cNvPr id="5" name="Foliennummernplatzhalter 4"/>
+          <p:cNvSpPr>
+            <a:spLocks noGrp="1"/>
+          </p:cNvSpPr>
+          <p:nvPr>
+            <p:ph type="sldNum" sz="quarter" idx="5"/>
+          </p:nvPr>
+        </p:nvSpPr>
+        <p:spPr/>
+        <p:txBody>
+          <a:bodyPr/>
+          <a:lstStyle/>
+          <a:p>
+            <a:pPr>
+              <a:defRPr/>
+            </a:pPr>
+            <a:fld id="{1184DDCB-7D1B-CB4F-980B-B02904018ECE}" type="slidenum">
+              <a:rPr lang="de-DE" smtClean="0"/>
+              <a:pPr>
+                <a:defRPr/>
+              </a:pPr>
+              <a:t>10</a:t>
+            </a:fld>
+            <a:endParaRPr lang="de-DE" dirty="0"/>
+          </a:p>
+        </p:txBody>
+      </p:sp>
+    </p:spTree>
+    <p:extLst>
+      <p:ext uri="{BB962C8B-B14F-4D97-AF65-F5344CB8AC3E}">
+        <p14:creationId xmlns:p14="http://schemas.microsoft.com/office/powerpoint/2010/main" val="56519040"/>
       </p:ext>
     </p:extLst>
   </p:cSld>
@@ -5189,6 +6762,3241 @@
 </p:sld>
 </file>
 
+<file path=ppt/slides/slide10.xml><?xml version="1.0" encoding="utf-8"?>
+<p:sld xmlns:a="http://schemas.openxmlformats.org/drawingml/2006/main" xmlns:r="http://schemas.openxmlformats.org/officeDocument/2006/relationships" xmlns:p="http://schemas.openxmlformats.org/presentationml/2006/main">
+  <p:cSld>
+    <p:spTree>
+      <p:nvGrpSpPr>
+        <p:cNvPr id="1" name=""/>
+        <p:cNvGrpSpPr/>
+        <p:nvPr/>
+      </p:nvGrpSpPr>
+      <p:grpSpPr>
+        <a:xfrm>
+          <a:off x="0" y="0"/>
+          <a:ext cx="0" cy="0"/>
+          <a:chOff x="0" y="0"/>
+          <a:chExt cx="0" cy="0"/>
+        </a:xfrm>
+      </p:grpSpPr>
+      <p:sp>
+        <p:nvSpPr>
+          <p:cNvPr id="4" name="Title 3">
+            <a:extLst>
+              <a:ext uri="{FF2B5EF4-FFF2-40B4-BE49-F238E27FC236}">
+                <a16:creationId xmlns:a16="http://schemas.microsoft.com/office/drawing/2014/main" id="{179FA09E-5D6A-74DE-C582-B4D74BA54348}"/>
+              </a:ext>
+            </a:extLst>
+          </p:cNvPr>
+          <p:cNvSpPr>
+            <a:spLocks noGrp="1"/>
+          </p:cNvSpPr>
+          <p:nvPr>
+            <p:ph type="title"/>
+          </p:nvPr>
+        </p:nvSpPr>
+        <p:spPr/>
+        <p:txBody>
+          <a:bodyPr/>
+          <a:lstStyle/>
+          <a:p>
+            <a:r>
+              <a:rPr lang="en-US" dirty="0"/>
+              <a:t>Running experiments – Scorer, Strategy and Feature Costs</a:t>
+            </a:r>
+            <a:endParaRPr lang="en-GB" dirty="0"/>
+          </a:p>
+        </p:txBody>
+      </p:sp>
+      <p:sp>
+        <p:nvSpPr>
+          <p:cNvPr id="9" name="Text Placeholder 8">
+            <a:extLst>
+              <a:ext uri="{FF2B5EF4-FFF2-40B4-BE49-F238E27FC236}">
+                <a16:creationId xmlns:a16="http://schemas.microsoft.com/office/drawing/2014/main" id="{0971E3A2-C782-8A8C-4D8F-B0A264A4413A}"/>
+              </a:ext>
+            </a:extLst>
+          </p:cNvPr>
+          <p:cNvSpPr>
+            <a:spLocks noGrp="1"/>
+          </p:cNvSpPr>
+          <p:nvPr>
+            <p:ph type="body" sz="half" idx="2"/>
+          </p:nvPr>
+        </p:nvSpPr>
+        <p:spPr/>
+        <p:txBody>
+          <a:bodyPr/>
+          <a:lstStyle/>
+          <a:p>
+            <a:endParaRPr lang="en-GB" dirty="0"/>
+          </a:p>
+        </p:txBody>
+      </p:sp>
+      <p:sp>
+        <p:nvSpPr>
+          <p:cNvPr id="7" name="Footer Placeholder 6">
+            <a:extLst>
+              <a:ext uri="{FF2B5EF4-FFF2-40B4-BE49-F238E27FC236}">
+                <a16:creationId xmlns:a16="http://schemas.microsoft.com/office/drawing/2014/main" id="{6103CDFC-9C78-B161-2CA0-D3757A032293}"/>
+              </a:ext>
+            </a:extLst>
+          </p:cNvPr>
+          <p:cNvSpPr>
+            <a:spLocks noGrp="1"/>
+          </p:cNvSpPr>
+          <p:nvPr>
+            <p:ph type="ftr" sz="quarter" idx="11"/>
+          </p:nvPr>
+        </p:nvSpPr>
+        <p:spPr/>
+        <p:txBody>
+          <a:bodyPr/>
+          <a:lstStyle/>
+          <a:p>
+            <a:r>
+              <a:rPr lang="it-IT"/>
+              <a:t>Tutorial @ IE2025 | christian.beyer@ovgu.de 24.06.2025</a:t>
+            </a:r>
+            <a:endParaRPr lang="en-GB" dirty="0"/>
+          </a:p>
+        </p:txBody>
+      </p:sp>
+      <p:sp>
+        <p:nvSpPr>
+          <p:cNvPr id="8" name="Slide Number Placeholder 7">
+            <a:extLst>
+              <a:ext uri="{FF2B5EF4-FFF2-40B4-BE49-F238E27FC236}">
+                <a16:creationId xmlns:a16="http://schemas.microsoft.com/office/drawing/2014/main" id="{108998B2-ABF9-888C-F918-A450C13ADB3E}"/>
+              </a:ext>
+            </a:extLst>
+          </p:cNvPr>
+          <p:cNvSpPr>
+            <a:spLocks noGrp="1"/>
+          </p:cNvSpPr>
+          <p:nvPr>
+            <p:ph type="sldNum" sz="quarter" idx="12"/>
+          </p:nvPr>
+        </p:nvSpPr>
+        <p:spPr/>
+        <p:txBody>
+          <a:bodyPr/>
+          <a:lstStyle/>
+          <a:p>
+            <a:fld id="{8E024F8E-A03E-4AAA-A06E-73FE51DB7709}" type="slidenum">
+              <a:rPr lang="en-GB" smtClean="0"/>
+              <a:t>10</a:t>
+            </a:fld>
+            <a:endParaRPr lang="en-GB"/>
+          </a:p>
+        </p:txBody>
+      </p:sp>
+      <p:pic>
+        <p:nvPicPr>
+          <p:cNvPr id="6" name="Picture 5">
+            <a:extLst>
+              <a:ext uri="{FF2B5EF4-FFF2-40B4-BE49-F238E27FC236}">
+                <a16:creationId xmlns:a16="http://schemas.microsoft.com/office/drawing/2014/main" id="{201F5C46-6930-DB06-6ACB-94CDF3D73EA8}"/>
+              </a:ext>
+            </a:extLst>
+          </p:cNvPr>
+          <p:cNvPicPr>
+            <a:picLocks noChangeAspect="1"/>
+          </p:cNvPicPr>
+          <p:nvPr/>
+        </p:nvPicPr>
+        <p:blipFill>
+          <a:blip r:embed="rId3"/>
+          <a:stretch>
+            <a:fillRect/>
+          </a:stretch>
+        </p:blipFill>
+        <p:spPr>
+          <a:xfrm>
+            <a:off x="539552" y="1152734"/>
+            <a:ext cx="5852656" cy="2399159"/>
+          </a:xfrm>
+          <a:prstGeom prst="rect">
+            <a:avLst/>
+          </a:prstGeom>
+        </p:spPr>
+      </p:pic>
+      <p:cxnSp>
+        <p:nvCxnSpPr>
+          <p:cNvPr id="13" name="Straight Arrow Connector 12">
+            <a:extLst>
+              <a:ext uri="{FF2B5EF4-FFF2-40B4-BE49-F238E27FC236}">
+                <a16:creationId xmlns:a16="http://schemas.microsoft.com/office/drawing/2014/main" id="{7BB02818-7973-3F3F-D70A-695AB5D49704}"/>
+              </a:ext>
+            </a:extLst>
+          </p:cNvPr>
+          <p:cNvCxnSpPr>
+            <a:cxnSpLocks/>
+          </p:cNvCxnSpPr>
+          <p:nvPr/>
+        </p:nvCxnSpPr>
+        <p:spPr bwMode="auto">
+          <a:xfrm>
+            <a:off x="3059832" y="1567275"/>
+            <a:ext cx="4032448" cy="0"/>
+          </a:xfrm>
+          <a:prstGeom prst="straightConnector1">
+            <a:avLst/>
+          </a:prstGeom>
+          <a:solidFill>
+            <a:srgbClr val="A33316"/>
+          </a:solidFill>
+          <a:ln w="9525" cap="flat" cmpd="sng" algn="ctr">
+            <a:solidFill>
+              <a:srgbClr val="FF0000"/>
+            </a:solidFill>
+            <a:prstDash val="solid"/>
+            <a:round/>
+            <a:headEnd type="none" w="med" len="med"/>
+            <a:tailEnd type="triangle"/>
+          </a:ln>
+          <a:effectLst/>
+        </p:spPr>
+      </p:cxnSp>
+      <p:sp>
+        <p:nvSpPr>
+          <p:cNvPr id="16" name="TextBox 15">
+            <a:extLst>
+              <a:ext uri="{FF2B5EF4-FFF2-40B4-BE49-F238E27FC236}">
+                <a16:creationId xmlns:a16="http://schemas.microsoft.com/office/drawing/2014/main" id="{F84DD26C-19F3-F2D3-D86E-8098EFE576EC}"/>
+              </a:ext>
+            </a:extLst>
+          </p:cNvPr>
+          <p:cNvSpPr txBox="1"/>
+          <p:nvPr/>
+        </p:nvSpPr>
+        <p:spPr>
+          <a:xfrm>
+            <a:off x="7020272" y="1274887"/>
+            <a:ext cx="1944216" cy="584775"/>
+          </a:xfrm>
+          <a:prstGeom prst="rect">
+            <a:avLst/>
+          </a:prstGeom>
+          <a:noFill/>
+        </p:spPr>
+        <p:txBody>
+          <a:bodyPr wrap="square" rtlCol="0">
+            <a:spAutoFit/>
+          </a:bodyPr>
+          <a:lstStyle/>
+          <a:p>
+            <a:r>
+              <a:rPr lang="en-US" sz="1600" dirty="0"/>
+              <a:t>Select feature scoring mechanism</a:t>
+            </a:r>
+          </a:p>
+        </p:txBody>
+      </p:sp>
+    </p:spTree>
+    <p:extLst>
+      <p:ext uri="{BB962C8B-B14F-4D97-AF65-F5344CB8AC3E}">
+        <p14:creationId xmlns:p14="http://schemas.microsoft.com/office/powerpoint/2010/main" val="3194870687"/>
+      </p:ext>
+    </p:extLst>
+  </p:cSld>
+  <p:clrMapOvr>
+    <a:masterClrMapping/>
+  </p:clrMapOvr>
+</p:sld>
+</file>
+
+<file path=ppt/slides/slide11.xml><?xml version="1.0" encoding="utf-8"?>
+<p:sld xmlns:a="http://schemas.openxmlformats.org/drawingml/2006/main" xmlns:r="http://schemas.openxmlformats.org/officeDocument/2006/relationships" xmlns:p="http://schemas.openxmlformats.org/presentationml/2006/main">
+  <p:cSld>
+    <p:spTree>
+      <p:nvGrpSpPr>
+        <p:cNvPr id="1" name=""/>
+        <p:cNvGrpSpPr/>
+        <p:nvPr/>
+      </p:nvGrpSpPr>
+      <p:grpSpPr>
+        <a:xfrm>
+          <a:off x="0" y="0"/>
+          <a:ext cx="0" cy="0"/>
+          <a:chOff x="0" y="0"/>
+          <a:chExt cx="0" cy="0"/>
+        </a:xfrm>
+      </p:grpSpPr>
+      <p:sp>
+        <p:nvSpPr>
+          <p:cNvPr id="4" name="Title 3">
+            <a:extLst>
+              <a:ext uri="{FF2B5EF4-FFF2-40B4-BE49-F238E27FC236}">
+                <a16:creationId xmlns:a16="http://schemas.microsoft.com/office/drawing/2014/main" id="{179FA09E-5D6A-74DE-C582-B4D74BA54348}"/>
+              </a:ext>
+            </a:extLst>
+          </p:cNvPr>
+          <p:cNvSpPr>
+            <a:spLocks noGrp="1"/>
+          </p:cNvSpPr>
+          <p:nvPr>
+            <p:ph type="title"/>
+          </p:nvPr>
+        </p:nvSpPr>
+        <p:spPr/>
+        <p:txBody>
+          <a:bodyPr/>
+          <a:lstStyle/>
+          <a:p>
+            <a:r>
+              <a:rPr lang="en-US" dirty="0"/>
+              <a:t>Running experiments – Scorer, Strategy and Feature Costs</a:t>
+            </a:r>
+            <a:endParaRPr lang="en-GB" dirty="0"/>
+          </a:p>
+        </p:txBody>
+      </p:sp>
+      <p:sp>
+        <p:nvSpPr>
+          <p:cNvPr id="9" name="Text Placeholder 8">
+            <a:extLst>
+              <a:ext uri="{FF2B5EF4-FFF2-40B4-BE49-F238E27FC236}">
+                <a16:creationId xmlns:a16="http://schemas.microsoft.com/office/drawing/2014/main" id="{0971E3A2-C782-8A8C-4D8F-B0A264A4413A}"/>
+              </a:ext>
+            </a:extLst>
+          </p:cNvPr>
+          <p:cNvSpPr>
+            <a:spLocks noGrp="1"/>
+          </p:cNvSpPr>
+          <p:nvPr>
+            <p:ph type="body" sz="half" idx="2"/>
+          </p:nvPr>
+        </p:nvSpPr>
+        <p:spPr/>
+        <p:txBody>
+          <a:bodyPr/>
+          <a:lstStyle/>
+          <a:p>
+            <a:endParaRPr lang="en-GB" dirty="0"/>
+          </a:p>
+        </p:txBody>
+      </p:sp>
+      <p:sp>
+        <p:nvSpPr>
+          <p:cNvPr id="7" name="Footer Placeholder 6">
+            <a:extLst>
+              <a:ext uri="{FF2B5EF4-FFF2-40B4-BE49-F238E27FC236}">
+                <a16:creationId xmlns:a16="http://schemas.microsoft.com/office/drawing/2014/main" id="{6103CDFC-9C78-B161-2CA0-D3757A032293}"/>
+              </a:ext>
+            </a:extLst>
+          </p:cNvPr>
+          <p:cNvSpPr>
+            <a:spLocks noGrp="1"/>
+          </p:cNvSpPr>
+          <p:nvPr>
+            <p:ph type="ftr" sz="quarter" idx="11"/>
+          </p:nvPr>
+        </p:nvSpPr>
+        <p:spPr/>
+        <p:txBody>
+          <a:bodyPr/>
+          <a:lstStyle/>
+          <a:p>
+            <a:r>
+              <a:rPr lang="it-IT"/>
+              <a:t>Tutorial @ IE2025 | christian.beyer@ovgu.de 24.06.2025</a:t>
+            </a:r>
+            <a:endParaRPr lang="en-GB" dirty="0"/>
+          </a:p>
+        </p:txBody>
+      </p:sp>
+      <p:sp>
+        <p:nvSpPr>
+          <p:cNvPr id="8" name="Slide Number Placeholder 7">
+            <a:extLst>
+              <a:ext uri="{FF2B5EF4-FFF2-40B4-BE49-F238E27FC236}">
+                <a16:creationId xmlns:a16="http://schemas.microsoft.com/office/drawing/2014/main" id="{108998B2-ABF9-888C-F918-A450C13ADB3E}"/>
+              </a:ext>
+            </a:extLst>
+          </p:cNvPr>
+          <p:cNvSpPr>
+            <a:spLocks noGrp="1"/>
+          </p:cNvSpPr>
+          <p:nvPr>
+            <p:ph type="sldNum" sz="quarter" idx="12"/>
+          </p:nvPr>
+        </p:nvSpPr>
+        <p:spPr/>
+        <p:txBody>
+          <a:bodyPr/>
+          <a:lstStyle/>
+          <a:p>
+            <a:fld id="{8E024F8E-A03E-4AAA-A06E-73FE51DB7709}" type="slidenum">
+              <a:rPr lang="en-GB" smtClean="0"/>
+              <a:t>11</a:t>
+            </a:fld>
+            <a:endParaRPr lang="en-GB"/>
+          </a:p>
+        </p:txBody>
+      </p:sp>
+      <p:pic>
+        <p:nvPicPr>
+          <p:cNvPr id="6" name="Picture 5">
+            <a:extLst>
+              <a:ext uri="{FF2B5EF4-FFF2-40B4-BE49-F238E27FC236}">
+                <a16:creationId xmlns:a16="http://schemas.microsoft.com/office/drawing/2014/main" id="{201F5C46-6930-DB06-6ACB-94CDF3D73EA8}"/>
+              </a:ext>
+            </a:extLst>
+          </p:cNvPr>
+          <p:cNvPicPr>
+            <a:picLocks noChangeAspect="1"/>
+          </p:cNvPicPr>
+          <p:nvPr/>
+        </p:nvPicPr>
+        <p:blipFill>
+          <a:blip r:embed="rId3"/>
+          <a:stretch>
+            <a:fillRect/>
+          </a:stretch>
+        </p:blipFill>
+        <p:spPr>
+          <a:xfrm>
+            <a:off x="539552" y="1152734"/>
+            <a:ext cx="5852656" cy="2399159"/>
+          </a:xfrm>
+          <a:prstGeom prst="rect">
+            <a:avLst/>
+          </a:prstGeom>
+        </p:spPr>
+      </p:pic>
+      <p:cxnSp>
+        <p:nvCxnSpPr>
+          <p:cNvPr id="13" name="Straight Arrow Connector 12">
+            <a:extLst>
+              <a:ext uri="{FF2B5EF4-FFF2-40B4-BE49-F238E27FC236}">
+                <a16:creationId xmlns:a16="http://schemas.microsoft.com/office/drawing/2014/main" id="{7BB02818-7973-3F3F-D70A-695AB5D49704}"/>
+              </a:ext>
+            </a:extLst>
+          </p:cNvPr>
+          <p:cNvCxnSpPr>
+            <a:cxnSpLocks/>
+          </p:cNvCxnSpPr>
+          <p:nvPr/>
+        </p:nvCxnSpPr>
+        <p:spPr bwMode="auto">
+          <a:xfrm flipV="1">
+            <a:off x="5652120" y="1567275"/>
+            <a:ext cx="1440160" cy="572427"/>
+          </a:xfrm>
+          <a:prstGeom prst="straightConnector1">
+            <a:avLst/>
+          </a:prstGeom>
+          <a:solidFill>
+            <a:srgbClr val="A33316"/>
+          </a:solidFill>
+          <a:ln w="9525" cap="flat" cmpd="sng" algn="ctr">
+            <a:solidFill>
+              <a:srgbClr val="FF0000"/>
+            </a:solidFill>
+            <a:prstDash val="solid"/>
+            <a:round/>
+            <a:headEnd type="none" w="med" len="med"/>
+            <a:tailEnd type="triangle"/>
+          </a:ln>
+          <a:effectLst/>
+        </p:spPr>
+      </p:cxnSp>
+      <p:sp>
+        <p:nvSpPr>
+          <p:cNvPr id="16" name="TextBox 15">
+            <a:extLst>
+              <a:ext uri="{FF2B5EF4-FFF2-40B4-BE49-F238E27FC236}">
+                <a16:creationId xmlns:a16="http://schemas.microsoft.com/office/drawing/2014/main" id="{F84DD26C-19F3-F2D3-D86E-8098EFE576EC}"/>
+              </a:ext>
+            </a:extLst>
+          </p:cNvPr>
+          <p:cNvSpPr txBox="1"/>
+          <p:nvPr/>
+        </p:nvSpPr>
+        <p:spPr>
+          <a:xfrm>
+            <a:off x="7020272" y="1274887"/>
+            <a:ext cx="1944216" cy="2062103"/>
+          </a:xfrm>
+          <a:prstGeom prst="rect">
+            <a:avLst/>
+          </a:prstGeom>
+          <a:noFill/>
+        </p:spPr>
+        <p:txBody>
+          <a:bodyPr wrap="square" rtlCol="0">
+            <a:spAutoFit/>
+          </a:bodyPr>
+          <a:lstStyle/>
+          <a:p>
+            <a:r>
+              <a:rPr lang="en-US" sz="1600" dirty="0"/>
+              <a:t>IPF buys based on quality gain (recommended).</a:t>
+            </a:r>
+            <a:br>
+              <a:rPr lang="en-US" sz="1600" dirty="0"/>
+            </a:br>
+            <a:r>
+              <a:rPr lang="en-US" sz="1600" dirty="0"/>
+              <a:t>Simple version always buys when selected features fit into current available budget.</a:t>
+            </a:r>
+          </a:p>
+        </p:txBody>
+      </p:sp>
+    </p:spTree>
+    <p:extLst>
+      <p:ext uri="{BB962C8B-B14F-4D97-AF65-F5344CB8AC3E}">
+        <p14:creationId xmlns:p14="http://schemas.microsoft.com/office/powerpoint/2010/main" val="2885902104"/>
+      </p:ext>
+    </p:extLst>
+  </p:cSld>
+  <p:clrMapOvr>
+    <a:masterClrMapping/>
+  </p:clrMapOvr>
+</p:sld>
+</file>
+
+<file path=ppt/slides/slide12.xml><?xml version="1.0" encoding="utf-8"?>
+<p:sld xmlns:a="http://schemas.openxmlformats.org/drawingml/2006/main" xmlns:r="http://schemas.openxmlformats.org/officeDocument/2006/relationships" xmlns:p="http://schemas.openxmlformats.org/presentationml/2006/main">
+  <p:cSld>
+    <p:spTree>
+      <p:nvGrpSpPr>
+        <p:cNvPr id="1" name=""/>
+        <p:cNvGrpSpPr/>
+        <p:nvPr/>
+      </p:nvGrpSpPr>
+      <p:grpSpPr>
+        <a:xfrm>
+          <a:off x="0" y="0"/>
+          <a:ext cx="0" cy="0"/>
+          <a:chOff x="0" y="0"/>
+          <a:chExt cx="0" cy="0"/>
+        </a:xfrm>
+      </p:grpSpPr>
+      <p:sp>
+        <p:nvSpPr>
+          <p:cNvPr id="4" name="Title 3">
+            <a:extLst>
+              <a:ext uri="{FF2B5EF4-FFF2-40B4-BE49-F238E27FC236}">
+                <a16:creationId xmlns:a16="http://schemas.microsoft.com/office/drawing/2014/main" id="{179FA09E-5D6A-74DE-C582-B4D74BA54348}"/>
+              </a:ext>
+            </a:extLst>
+          </p:cNvPr>
+          <p:cNvSpPr>
+            <a:spLocks noGrp="1"/>
+          </p:cNvSpPr>
+          <p:nvPr>
+            <p:ph type="title"/>
+          </p:nvPr>
+        </p:nvSpPr>
+        <p:spPr/>
+        <p:txBody>
+          <a:bodyPr/>
+          <a:lstStyle/>
+          <a:p>
+            <a:r>
+              <a:rPr lang="en-US" dirty="0"/>
+              <a:t>Running experiments – Scorer, Strategy and Feature Costs</a:t>
+            </a:r>
+            <a:endParaRPr lang="en-GB" dirty="0"/>
+          </a:p>
+        </p:txBody>
+      </p:sp>
+      <p:sp>
+        <p:nvSpPr>
+          <p:cNvPr id="9" name="Text Placeholder 8">
+            <a:extLst>
+              <a:ext uri="{FF2B5EF4-FFF2-40B4-BE49-F238E27FC236}">
+                <a16:creationId xmlns:a16="http://schemas.microsoft.com/office/drawing/2014/main" id="{0971E3A2-C782-8A8C-4D8F-B0A264A4413A}"/>
+              </a:ext>
+            </a:extLst>
+          </p:cNvPr>
+          <p:cNvSpPr>
+            <a:spLocks noGrp="1"/>
+          </p:cNvSpPr>
+          <p:nvPr>
+            <p:ph type="body" sz="half" idx="2"/>
+          </p:nvPr>
+        </p:nvSpPr>
+        <p:spPr/>
+        <p:txBody>
+          <a:bodyPr/>
+          <a:lstStyle/>
+          <a:p>
+            <a:endParaRPr lang="en-GB" dirty="0"/>
+          </a:p>
+        </p:txBody>
+      </p:sp>
+      <p:sp>
+        <p:nvSpPr>
+          <p:cNvPr id="7" name="Footer Placeholder 6">
+            <a:extLst>
+              <a:ext uri="{FF2B5EF4-FFF2-40B4-BE49-F238E27FC236}">
+                <a16:creationId xmlns:a16="http://schemas.microsoft.com/office/drawing/2014/main" id="{6103CDFC-9C78-B161-2CA0-D3757A032293}"/>
+              </a:ext>
+            </a:extLst>
+          </p:cNvPr>
+          <p:cNvSpPr>
+            <a:spLocks noGrp="1"/>
+          </p:cNvSpPr>
+          <p:nvPr>
+            <p:ph type="ftr" sz="quarter" idx="11"/>
+          </p:nvPr>
+        </p:nvSpPr>
+        <p:spPr/>
+        <p:txBody>
+          <a:bodyPr/>
+          <a:lstStyle/>
+          <a:p>
+            <a:r>
+              <a:rPr lang="it-IT"/>
+              <a:t>Tutorial @ IE2025 | christian.beyer@ovgu.de 24.06.2025</a:t>
+            </a:r>
+            <a:endParaRPr lang="en-GB" dirty="0"/>
+          </a:p>
+        </p:txBody>
+      </p:sp>
+      <p:sp>
+        <p:nvSpPr>
+          <p:cNvPr id="8" name="Slide Number Placeholder 7">
+            <a:extLst>
+              <a:ext uri="{FF2B5EF4-FFF2-40B4-BE49-F238E27FC236}">
+                <a16:creationId xmlns:a16="http://schemas.microsoft.com/office/drawing/2014/main" id="{108998B2-ABF9-888C-F918-A450C13ADB3E}"/>
+              </a:ext>
+            </a:extLst>
+          </p:cNvPr>
+          <p:cNvSpPr>
+            <a:spLocks noGrp="1"/>
+          </p:cNvSpPr>
+          <p:nvPr>
+            <p:ph type="sldNum" sz="quarter" idx="12"/>
+          </p:nvPr>
+        </p:nvSpPr>
+        <p:spPr/>
+        <p:txBody>
+          <a:bodyPr/>
+          <a:lstStyle/>
+          <a:p>
+            <a:fld id="{8E024F8E-A03E-4AAA-A06E-73FE51DB7709}" type="slidenum">
+              <a:rPr lang="en-GB" smtClean="0"/>
+              <a:t>12</a:t>
+            </a:fld>
+            <a:endParaRPr lang="en-GB"/>
+          </a:p>
+        </p:txBody>
+      </p:sp>
+      <p:pic>
+        <p:nvPicPr>
+          <p:cNvPr id="6" name="Picture 5">
+            <a:extLst>
+              <a:ext uri="{FF2B5EF4-FFF2-40B4-BE49-F238E27FC236}">
+                <a16:creationId xmlns:a16="http://schemas.microsoft.com/office/drawing/2014/main" id="{201F5C46-6930-DB06-6ACB-94CDF3D73EA8}"/>
+              </a:ext>
+            </a:extLst>
+          </p:cNvPr>
+          <p:cNvPicPr>
+            <a:picLocks noChangeAspect="1"/>
+          </p:cNvPicPr>
+          <p:nvPr/>
+        </p:nvPicPr>
+        <p:blipFill>
+          <a:blip r:embed="rId3"/>
+          <a:stretch>
+            <a:fillRect/>
+          </a:stretch>
+        </p:blipFill>
+        <p:spPr>
+          <a:xfrm>
+            <a:off x="539552" y="1152734"/>
+            <a:ext cx="5852656" cy="2399159"/>
+          </a:xfrm>
+          <a:prstGeom prst="rect">
+            <a:avLst/>
+          </a:prstGeom>
+        </p:spPr>
+      </p:pic>
+      <p:cxnSp>
+        <p:nvCxnSpPr>
+          <p:cNvPr id="13" name="Straight Arrow Connector 12">
+            <a:extLst>
+              <a:ext uri="{FF2B5EF4-FFF2-40B4-BE49-F238E27FC236}">
+                <a16:creationId xmlns:a16="http://schemas.microsoft.com/office/drawing/2014/main" id="{7BB02818-7973-3F3F-D70A-695AB5D49704}"/>
+              </a:ext>
+            </a:extLst>
+          </p:cNvPr>
+          <p:cNvCxnSpPr>
+            <a:cxnSpLocks/>
+          </p:cNvCxnSpPr>
+          <p:nvPr/>
+        </p:nvCxnSpPr>
+        <p:spPr bwMode="auto">
+          <a:xfrm flipV="1">
+            <a:off x="3465880" y="2211710"/>
+            <a:ext cx="3626400" cy="644435"/>
+          </a:xfrm>
+          <a:prstGeom prst="straightConnector1">
+            <a:avLst/>
+          </a:prstGeom>
+          <a:solidFill>
+            <a:srgbClr val="A33316"/>
+          </a:solidFill>
+          <a:ln w="9525" cap="flat" cmpd="sng" algn="ctr">
+            <a:solidFill>
+              <a:srgbClr val="FF0000"/>
+            </a:solidFill>
+            <a:prstDash val="solid"/>
+            <a:round/>
+            <a:headEnd type="none" w="med" len="med"/>
+            <a:tailEnd type="triangle"/>
+          </a:ln>
+          <a:effectLst/>
+        </p:spPr>
+      </p:cxnSp>
+      <p:sp>
+        <p:nvSpPr>
+          <p:cNvPr id="16" name="TextBox 15">
+            <a:extLst>
+              <a:ext uri="{FF2B5EF4-FFF2-40B4-BE49-F238E27FC236}">
+                <a16:creationId xmlns:a16="http://schemas.microsoft.com/office/drawing/2014/main" id="{F84DD26C-19F3-F2D3-D86E-8098EFE576EC}"/>
+              </a:ext>
+            </a:extLst>
+          </p:cNvPr>
+          <p:cNvSpPr txBox="1"/>
+          <p:nvPr/>
+        </p:nvSpPr>
+        <p:spPr>
+          <a:xfrm>
+            <a:off x="6948264" y="1067470"/>
+            <a:ext cx="1944216" cy="2554545"/>
+          </a:xfrm>
+          <a:prstGeom prst="rect">
+            <a:avLst/>
+          </a:prstGeom>
+          <a:noFill/>
+        </p:spPr>
+        <p:txBody>
+          <a:bodyPr wrap="square" rtlCol="0">
+            <a:spAutoFit/>
+          </a:bodyPr>
+          <a:lstStyle/>
+          <a:p>
+            <a:r>
+              <a:rPr lang="en-US" sz="1600" dirty="0"/>
+              <a:t>If we have </a:t>
+            </a:r>
+            <a:r>
+              <a:rPr lang="en-US" sz="1600" b="1" i="1" dirty="0"/>
+              <a:t>n</a:t>
+            </a:r>
+            <a:r>
+              <a:rPr lang="en-US" sz="1600" dirty="0"/>
+              <a:t> features.</a:t>
+            </a:r>
+            <a:br>
+              <a:rPr lang="en-US" sz="1600" dirty="0"/>
+            </a:br>
+            <a:r>
+              <a:rPr lang="en-US" sz="1600" dirty="0"/>
+              <a:t> Equal = all cost the same.</a:t>
+            </a:r>
+            <a:br>
+              <a:rPr lang="en-US" sz="1600" dirty="0"/>
+            </a:br>
+            <a:br>
+              <a:rPr lang="en-US" sz="1600" dirty="0"/>
+            </a:br>
+            <a:r>
+              <a:rPr lang="en-US" sz="1600" dirty="0"/>
+              <a:t> Increasing = first costs 1, last cost </a:t>
+            </a:r>
+            <a:r>
+              <a:rPr lang="en-US" sz="1600" b="1" i="1" dirty="0"/>
+              <a:t>n</a:t>
+            </a:r>
+            <a:r>
+              <a:rPr lang="en-US" sz="1600" i="1" dirty="0"/>
+              <a:t>.</a:t>
+            </a:r>
+            <a:br>
+              <a:rPr lang="en-US" sz="1600" i="1" dirty="0"/>
+            </a:br>
+            <a:br>
+              <a:rPr lang="en-US" sz="1600" i="1" dirty="0"/>
+            </a:br>
+            <a:r>
+              <a:rPr lang="en-US" sz="1600" i="1" dirty="0"/>
+              <a:t>Decreasing = first cost </a:t>
+            </a:r>
+            <a:r>
+              <a:rPr lang="en-US" sz="1600" b="1" i="1" dirty="0"/>
+              <a:t>n </a:t>
+            </a:r>
+            <a:r>
+              <a:rPr lang="en-US" sz="1600" i="1" dirty="0"/>
+              <a:t>, last costs 1.</a:t>
+            </a:r>
+          </a:p>
+        </p:txBody>
+      </p:sp>
+    </p:spTree>
+    <p:extLst>
+      <p:ext uri="{BB962C8B-B14F-4D97-AF65-F5344CB8AC3E}">
+        <p14:creationId xmlns:p14="http://schemas.microsoft.com/office/powerpoint/2010/main" val="3277500996"/>
+      </p:ext>
+    </p:extLst>
+  </p:cSld>
+  <p:clrMapOvr>
+    <a:masterClrMapping/>
+  </p:clrMapOvr>
+</p:sld>
+</file>
+
+<file path=ppt/slides/slide13.xml><?xml version="1.0" encoding="utf-8"?>
+<p:sld xmlns:a="http://schemas.openxmlformats.org/drawingml/2006/main" xmlns:r="http://schemas.openxmlformats.org/officeDocument/2006/relationships" xmlns:p="http://schemas.openxmlformats.org/presentationml/2006/main">
+  <p:cSld>
+    <p:spTree>
+      <p:nvGrpSpPr>
+        <p:cNvPr id="1" name=""/>
+        <p:cNvGrpSpPr/>
+        <p:nvPr/>
+      </p:nvGrpSpPr>
+      <p:grpSpPr>
+        <a:xfrm>
+          <a:off x="0" y="0"/>
+          <a:ext cx="0" cy="0"/>
+          <a:chOff x="0" y="0"/>
+          <a:chExt cx="0" cy="0"/>
+        </a:xfrm>
+      </p:grpSpPr>
+      <p:sp>
+        <p:nvSpPr>
+          <p:cNvPr id="4" name="Title 3">
+            <a:extLst>
+              <a:ext uri="{FF2B5EF4-FFF2-40B4-BE49-F238E27FC236}">
+                <a16:creationId xmlns:a16="http://schemas.microsoft.com/office/drawing/2014/main" id="{179FA09E-5D6A-74DE-C582-B4D74BA54348}"/>
+              </a:ext>
+            </a:extLst>
+          </p:cNvPr>
+          <p:cNvSpPr>
+            <a:spLocks noGrp="1"/>
+          </p:cNvSpPr>
+          <p:nvPr>
+            <p:ph type="title"/>
+          </p:nvPr>
+        </p:nvSpPr>
+        <p:spPr/>
+        <p:txBody>
+          <a:bodyPr/>
+          <a:lstStyle/>
+          <a:p>
+            <a:r>
+              <a:rPr lang="en-US" dirty="0"/>
+              <a:t>Running experiments – Scorer, Strategy and Feature Costs</a:t>
+            </a:r>
+            <a:endParaRPr lang="en-GB" dirty="0"/>
+          </a:p>
+        </p:txBody>
+      </p:sp>
+      <p:sp>
+        <p:nvSpPr>
+          <p:cNvPr id="7" name="Footer Placeholder 6">
+            <a:extLst>
+              <a:ext uri="{FF2B5EF4-FFF2-40B4-BE49-F238E27FC236}">
+                <a16:creationId xmlns:a16="http://schemas.microsoft.com/office/drawing/2014/main" id="{6103CDFC-9C78-B161-2CA0-D3757A032293}"/>
+              </a:ext>
+            </a:extLst>
+          </p:cNvPr>
+          <p:cNvSpPr>
+            <a:spLocks noGrp="1"/>
+          </p:cNvSpPr>
+          <p:nvPr>
+            <p:ph type="ftr" sz="quarter" idx="11"/>
+          </p:nvPr>
+        </p:nvSpPr>
+        <p:spPr/>
+        <p:txBody>
+          <a:bodyPr/>
+          <a:lstStyle/>
+          <a:p>
+            <a:r>
+              <a:rPr lang="it-IT"/>
+              <a:t>Tutorial @ IE2025 | christian.beyer@ovgu.de 24.06.2025</a:t>
+            </a:r>
+            <a:endParaRPr lang="en-GB" dirty="0"/>
+          </a:p>
+        </p:txBody>
+      </p:sp>
+      <p:sp>
+        <p:nvSpPr>
+          <p:cNvPr id="8" name="Slide Number Placeholder 7">
+            <a:extLst>
+              <a:ext uri="{FF2B5EF4-FFF2-40B4-BE49-F238E27FC236}">
+                <a16:creationId xmlns:a16="http://schemas.microsoft.com/office/drawing/2014/main" id="{108998B2-ABF9-888C-F918-A450C13ADB3E}"/>
+              </a:ext>
+            </a:extLst>
+          </p:cNvPr>
+          <p:cNvSpPr>
+            <a:spLocks noGrp="1"/>
+          </p:cNvSpPr>
+          <p:nvPr>
+            <p:ph type="sldNum" sz="quarter" idx="12"/>
+          </p:nvPr>
+        </p:nvSpPr>
+        <p:spPr/>
+        <p:txBody>
+          <a:bodyPr/>
+          <a:lstStyle/>
+          <a:p>
+            <a:fld id="{8E024F8E-A03E-4AAA-A06E-73FE51DB7709}" type="slidenum">
+              <a:rPr lang="en-GB" smtClean="0"/>
+              <a:t>13</a:t>
+            </a:fld>
+            <a:endParaRPr lang="en-GB"/>
+          </a:p>
+        </p:txBody>
+      </p:sp>
+      <p:pic>
+        <p:nvPicPr>
+          <p:cNvPr id="6" name="Picture 5">
+            <a:extLst>
+              <a:ext uri="{FF2B5EF4-FFF2-40B4-BE49-F238E27FC236}">
+                <a16:creationId xmlns:a16="http://schemas.microsoft.com/office/drawing/2014/main" id="{201F5C46-6930-DB06-6ACB-94CDF3D73EA8}"/>
+              </a:ext>
+            </a:extLst>
+          </p:cNvPr>
+          <p:cNvPicPr>
+            <a:picLocks noChangeAspect="1"/>
+          </p:cNvPicPr>
+          <p:nvPr/>
+        </p:nvPicPr>
+        <p:blipFill>
+          <a:blip r:embed="rId3"/>
+          <a:stretch>
+            <a:fillRect/>
+          </a:stretch>
+        </p:blipFill>
+        <p:spPr>
+          <a:xfrm>
+            <a:off x="539552" y="1152734"/>
+            <a:ext cx="5852656" cy="2399159"/>
+          </a:xfrm>
+          <a:prstGeom prst="rect">
+            <a:avLst/>
+          </a:prstGeom>
+        </p:spPr>
+      </p:pic>
+      <p:cxnSp>
+        <p:nvCxnSpPr>
+          <p:cNvPr id="13" name="Straight Arrow Connector 12">
+            <a:extLst>
+              <a:ext uri="{FF2B5EF4-FFF2-40B4-BE49-F238E27FC236}">
+                <a16:creationId xmlns:a16="http://schemas.microsoft.com/office/drawing/2014/main" id="{7BB02818-7973-3F3F-D70A-695AB5D49704}"/>
+              </a:ext>
+            </a:extLst>
+          </p:cNvPr>
+          <p:cNvCxnSpPr>
+            <a:cxnSpLocks/>
+          </p:cNvCxnSpPr>
+          <p:nvPr/>
+        </p:nvCxnSpPr>
+        <p:spPr bwMode="auto">
+          <a:xfrm flipV="1">
+            <a:off x="5076056" y="2787774"/>
+            <a:ext cx="1728192" cy="504056"/>
+          </a:xfrm>
+          <a:prstGeom prst="straightConnector1">
+            <a:avLst/>
+          </a:prstGeom>
+          <a:solidFill>
+            <a:srgbClr val="A33316"/>
+          </a:solidFill>
+          <a:ln w="9525" cap="flat" cmpd="sng" algn="ctr">
+            <a:solidFill>
+              <a:srgbClr val="FF0000"/>
+            </a:solidFill>
+            <a:prstDash val="solid"/>
+            <a:round/>
+            <a:headEnd type="none" w="med" len="med"/>
+            <a:tailEnd type="triangle"/>
+          </a:ln>
+          <a:effectLst/>
+        </p:spPr>
+      </p:cxnSp>
+      <p:sp>
+        <p:nvSpPr>
+          <p:cNvPr id="16" name="TextBox 15">
+            <a:extLst>
+              <a:ext uri="{FF2B5EF4-FFF2-40B4-BE49-F238E27FC236}">
+                <a16:creationId xmlns:a16="http://schemas.microsoft.com/office/drawing/2014/main" id="{F84DD26C-19F3-F2D3-D86E-8098EFE576EC}"/>
+              </a:ext>
+            </a:extLst>
+          </p:cNvPr>
+          <p:cNvSpPr txBox="1"/>
+          <p:nvPr/>
+        </p:nvSpPr>
+        <p:spPr>
+          <a:xfrm>
+            <a:off x="6735108" y="797329"/>
+            <a:ext cx="2122687" cy="4031873"/>
+          </a:xfrm>
+          <a:prstGeom prst="rect">
+            <a:avLst/>
+          </a:prstGeom>
+          <a:noFill/>
+        </p:spPr>
+        <p:txBody>
+          <a:bodyPr wrap="square" rtlCol="0">
+            <a:spAutoFit/>
+          </a:bodyPr>
+          <a:lstStyle/>
+          <a:p>
+            <a:r>
+              <a:rPr lang="en-US" sz="1600" b="1" i="1" dirty="0"/>
+              <a:t>k</a:t>
+            </a:r>
+            <a:r>
+              <a:rPr lang="en-US" sz="1600" dirty="0"/>
+              <a:t>-best: buy </a:t>
+            </a:r>
+            <a:r>
+              <a:rPr lang="en-US" sz="1600" b="1" i="1" dirty="0"/>
+              <a:t>k</a:t>
+            </a:r>
+            <a:r>
+              <a:rPr lang="en-US" sz="1600" dirty="0"/>
+              <a:t> of missing features with highest merit</a:t>
+            </a:r>
+            <a:br>
+              <a:rPr lang="en-US" sz="1600" dirty="0"/>
+            </a:br>
+            <a:br>
+              <a:rPr lang="en-US" sz="1600" dirty="0"/>
+            </a:br>
+            <a:r>
+              <a:rPr lang="en-US" sz="1600" b="1" i="1" dirty="0"/>
+              <a:t>k</a:t>
+            </a:r>
+            <a:r>
+              <a:rPr lang="en-US" sz="1600" dirty="0"/>
+              <a:t>-global-best: rank all features according to merit buy up to </a:t>
+            </a:r>
+            <a:r>
+              <a:rPr lang="en-US" sz="1600" b="1" i="1" dirty="0"/>
+              <a:t>k</a:t>
+            </a:r>
+            <a:r>
+              <a:rPr lang="en-US" sz="1600" dirty="0"/>
+              <a:t> missing features if they are among the top </a:t>
+            </a:r>
+            <a:r>
+              <a:rPr lang="en-US" sz="1600" b="1" i="1" dirty="0"/>
+              <a:t>k</a:t>
+            </a:r>
+            <a:r>
+              <a:rPr lang="en-US" sz="1600" dirty="0"/>
+              <a:t> globally</a:t>
+            </a:r>
+            <a:br>
+              <a:rPr lang="en-US" sz="1600" dirty="0"/>
+            </a:br>
+            <a:br>
+              <a:rPr lang="en-US" sz="1600" dirty="0"/>
+            </a:br>
+            <a:r>
+              <a:rPr lang="en-US" sz="1600" b="1" i="1" dirty="0"/>
+              <a:t>k</a:t>
+            </a:r>
+            <a:r>
+              <a:rPr lang="en-US" sz="1600" dirty="0"/>
+              <a:t>-max-mean: add missing feature with highest merit if it improves instance quality (up to </a:t>
+            </a:r>
+            <a:r>
+              <a:rPr lang="en-US" sz="1600" b="1" i="1" dirty="0"/>
+              <a:t>k</a:t>
+            </a:r>
+            <a:r>
+              <a:rPr lang="en-US" sz="1600" dirty="0"/>
+              <a:t>)</a:t>
+            </a:r>
+          </a:p>
+        </p:txBody>
+      </p:sp>
+    </p:spTree>
+    <p:extLst>
+      <p:ext uri="{BB962C8B-B14F-4D97-AF65-F5344CB8AC3E}">
+        <p14:creationId xmlns:p14="http://schemas.microsoft.com/office/powerpoint/2010/main" val="2912028004"/>
+      </p:ext>
+    </p:extLst>
+  </p:cSld>
+  <p:clrMapOvr>
+    <a:masterClrMapping/>
+  </p:clrMapOvr>
+</p:sld>
+</file>
+
+<file path=ppt/slides/slide14.xml><?xml version="1.0" encoding="utf-8"?>
+<p:sld xmlns:a="http://schemas.openxmlformats.org/drawingml/2006/main" xmlns:r="http://schemas.openxmlformats.org/officeDocument/2006/relationships" xmlns:p="http://schemas.openxmlformats.org/presentationml/2006/main">
+  <p:cSld>
+    <p:spTree>
+      <p:nvGrpSpPr>
+        <p:cNvPr id="1" name=""/>
+        <p:cNvGrpSpPr/>
+        <p:nvPr/>
+      </p:nvGrpSpPr>
+      <p:grpSpPr>
+        <a:xfrm>
+          <a:off x="0" y="0"/>
+          <a:ext cx="0" cy="0"/>
+          <a:chOff x="0" y="0"/>
+          <a:chExt cx="0" cy="0"/>
+        </a:xfrm>
+      </p:grpSpPr>
+      <p:sp>
+        <p:nvSpPr>
+          <p:cNvPr id="4" name="Title 3">
+            <a:extLst>
+              <a:ext uri="{FF2B5EF4-FFF2-40B4-BE49-F238E27FC236}">
+                <a16:creationId xmlns:a16="http://schemas.microsoft.com/office/drawing/2014/main" id="{179FA09E-5D6A-74DE-C582-B4D74BA54348}"/>
+              </a:ext>
+            </a:extLst>
+          </p:cNvPr>
+          <p:cNvSpPr>
+            <a:spLocks noGrp="1"/>
+          </p:cNvSpPr>
+          <p:nvPr>
+            <p:ph type="title"/>
+          </p:nvPr>
+        </p:nvSpPr>
+        <p:spPr/>
+        <p:txBody>
+          <a:bodyPr/>
+          <a:lstStyle/>
+          <a:p>
+            <a:r>
+              <a:rPr lang="en-US" dirty="0"/>
+              <a:t>Running experiments – Strategy Example</a:t>
+            </a:r>
+            <a:endParaRPr lang="en-GB" dirty="0"/>
+          </a:p>
+        </p:txBody>
+      </p:sp>
+      <p:sp>
+        <p:nvSpPr>
+          <p:cNvPr id="7" name="Footer Placeholder 6">
+            <a:extLst>
+              <a:ext uri="{FF2B5EF4-FFF2-40B4-BE49-F238E27FC236}">
+                <a16:creationId xmlns:a16="http://schemas.microsoft.com/office/drawing/2014/main" id="{6103CDFC-9C78-B161-2CA0-D3757A032293}"/>
+              </a:ext>
+            </a:extLst>
+          </p:cNvPr>
+          <p:cNvSpPr>
+            <a:spLocks noGrp="1"/>
+          </p:cNvSpPr>
+          <p:nvPr>
+            <p:ph type="ftr" sz="quarter" idx="11"/>
+          </p:nvPr>
+        </p:nvSpPr>
+        <p:spPr/>
+        <p:txBody>
+          <a:bodyPr/>
+          <a:lstStyle/>
+          <a:p>
+            <a:r>
+              <a:rPr lang="it-IT"/>
+              <a:t>Tutorial @ IE2025 | christian.beyer@ovgu.de 24.06.2025</a:t>
+            </a:r>
+            <a:endParaRPr lang="en-GB" dirty="0"/>
+          </a:p>
+        </p:txBody>
+      </p:sp>
+      <p:sp>
+        <p:nvSpPr>
+          <p:cNvPr id="8" name="Slide Number Placeholder 7">
+            <a:extLst>
+              <a:ext uri="{FF2B5EF4-FFF2-40B4-BE49-F238E27FC236}">
+                <a16:creationId xmlns:a16="http://schemas.microsoft.com/office/drawing/2014/main" id="{108998B2-ABF9-888C-F918-A450C13ADB3E}"/>
+              </a:ext>
+            </a:extLst>
+          </p:cNvPr>
+          <p:cNvSpPr>
+            <a:spLocks noGrp="1"/>
+          </p:cNvSpPr>
+          <p:nvPr>
+            <p:ph type="sldNum" sz="quarter" idx="12"/>
+          </p:nvPr>
+        </p:nvSpPr>
+        <p:spPr/>
+        <p:txBody>
+          <a:bodyPr/>
+          <a:lstStyle/>
+          <a:p>
+            <a:fld id="{8E024F8E-A03E-4AAA-A06E-73FE51DB7709}" type="slidenum">
+              <a:rPr lang="en-GB" smtClean="0"/>
+              <a:t>14</a:t>
+            </a:fld>
+            <a:endParaRPr lang="en-GB"/>
+          </a:p>
+        </p:txBody>
+      </p:sp>
+      <p:pic>
+        <p:nvPicPr>
+          <p:cNvPr id="2" name="Grafik 4">
+            <a:extLst>
+              <a:ext uri="{FF2B5EF4-FFF2-40B4-BE49-F238E27FC236}">
+                <a16:creationId xmlns:a16="http://schemas.microsoft.com/office/drawing/2014/main" id="{3299B5D0-36EA-E1D4-5ACE-D39A5DAABB4B}"/>
+              </a:ext>
+            </a:extLst>
+          </p:cNvPr>
+          <p:cNvPicPr>
+            <a:picLocks noChangeAspect="1"/>
+          </p:cNvPicPr>
+          <p:nvPr/>
+        </p:nvPicPr>
+        <p:blipFill>
+          <a:blip r:embed="rId3"/>
+          <a:stretch>
+            <a:fillRect/>
+          </a:stretch>
+        </p:blipFill>
+        <p:spPr>
+          <a:xfrm>
+            <a:off x="2843808" y="843558"/>
+            <a:ext cx="3144671" cy="3584484"/>
+          </a:xfrm>
+          <a:prstGeom prst="rect">
+            <a:avLst/>
+          </a:prstGeom>
+        </p:spPr>
+      </p:pic>
+    </p:spTree>
+    <p:extLst>
+      <p:ext uri="{BB962C8B-B14F-4D97-AF65-F5344CB8AC3E}">
+        <p14:creationId xmlns:p14="http://schemas.microsoft.com/office/powerpoint/2010/main" val="3344602797"/>
+      </p:ext>
+    </p:extLst>
+  </p:cSld>
+  <p:clrMapOvr>
+    <a:masterClrMapping/>
+  </p:clrMapOvr>
+</p:sld>
+</file>
+
+<file path=ppt/slides/slide15.xml><?xml version="1.0" encoding="utf-8"?>
+<p:sld xmlns:a="http://schemas.openxmlformats.org/drawingml/2006/main" xmlns:r="http://schemas.openxmlformats.org/officeDocument/2006/relationships" xmlns:p="http://schemas.openxmlformats.org/presentationml/2006/main">
+  <p:cSld>
+    <p:spTree>
+      <p:nvGrpSpPr>
+        <p:cNvPr id="1" name=""/>
+        <p:cNvGrpSpPr/>
+        <p:nvPr/>
+      </p:nvGrpSpPr>
+      <p:grpSpPr>
+        <a:xfrm>
+          <a:off x="0" y="0"/>
+          <a:ext cx="0" cy="0"/>
+          <a:chOff x="0" y="0"/>
+          <a:chExt cx="0" cy="0"/>
+        </a:xfrm>
+      </p:grpSpPr>
+      <p:sp>
+        <p:nvSpPr>
+          <p:cNvPr id="4" name="Title 3">
+            <a:extLst>
+              <a:ext uri="{FF2B5EF4-FFF2-40B4-BE49-F238E27FC236}">
+                <a16:creationId xmlns:a16="http://schemas.microsoft.com/office/drawing/2014/main" id="{179FA09E-5D6A-74DE-C582-B4D74BA54348}"/>
+              </a:ext>
+            </a:extLst>
+          </p:cNvPr>
+          <p:cNvSpPr>
+            <a:spLocks noGrp="1"/>
+          </p:cNvSpPr>
+          <p:nvPr>
+            <p:ph type="title"/>
+          </p:nvPr>
+        </p:nvSpPr>
+        <p:spPr/>
+        <p:txBody>
+          <a:bodyPr/>
+          <a:lstStyle/>
+          <a:p>
+            <a:r>
+              <a:rPr lang="en-US" dirty="0"/>
+              <a:t>Running experiments – Normalization in run() function</a:t>
+            </a:r>
+            <a:endParaRPr lang="en-GB" dirty="0"/>
+          </a:p>
+        </p:txBody>
+      </p:sp>
+      <p:sp>
+        <p:nvSpPr>
+          <p:cNvPr id="9" name="Text Placeholder 8">
+            <a:extLst>
+              <a:ext uri="{FF2B5EF4-FFF2-40B4-BE49-F238E27FC236}">
+                <a16:creationId xmlns:a16="http://schemas.microsoft.com/office/drawing/2014/main" id="{0971E3A2-C782-8A8C-4D8F-B0A264A4413A}"/>
+              </a:ext>
+            </a:extLst>
+          </p:cNvPr>
+          <p:cNvSpPr>
+            <a:spLocks noGrp="1"/>
+          </p:cNvSpPr>
+          <p:nvPr>
+            <p:ph type="body" sz="half" idx="2"/>
+          </p:nvPr>
+        </p:nvSpPr>
+        <p:spPr/>
+        <p:txBody>
+          <a:bodyPr/>
+          <a:lstStyle/>
+          <a:p>
+            <a:endParaRPr lang="en-GB" dirty="0"/>
+          </a:p>
+        </p:txBody>
+      </p:sp>
+      <p:sp>
+        <p:nvSpPr>
+          <p:cNvPr id="7" name="Footer Placeholder 6">
+            <a:extLst>
+              <a:ext uri="{FF2B5EF4-FFF2-40B4-BE49-F238E27FC236}">
+                <a16:creationId xmlns:a16="http://schemas.microsoft.com/office/drawing/2014/main" id="{6103CDFC-9C78-B161-2CA0-D3757A032293}"/>
+              </a:ext>
+            </a:extLst>
+          </p:cNvPr>
+          <p:cNvSpPr>
+            <a:spLocks noGrp="1"/>
+          </p:cNvSpPr>
+          <p:nvPr>
+            <p:ph type="ftr" sz="quarter" idx="11"/>
+          </p:nvPr>
+        </p:nvSpPr>
+        <p:spPr/>
+        <p:txBody>
+          <a:bodyPr/>
+          <a:lstStyle/>
+          <a:p>
+            <a:r>
+              <a:rPr lang="it-IT"/>
+              <a:t>Tutorial @ IE2025 | christian.beyer@ovgu.de 24.06.2025</a:t>
+            </a:r>
+            <a:endParaRPr lang="en-GB" dirty="0"/>
+          </a:p>
+        </p:txBody>
+      </p:sp>
+      <p:sp>
+        <p:nvSpPr>
+          <p:cNvPr id="8" name="Slide Number Placeholder 7">
+            <a:extLst>
+              <a:ext uri="{FF2B5EF4-FFF2-40B4-BE49-F238E27FC236}">
+                <a16:creationId xmlns:a16="http://schemas.microsoft.com/office/drawing/2014/main" id="{108998B2-ABF9-888C-F918-A450C13ADB3E}"/>
+              </a:ext>
+            </a:extLst>
+          </p:cNvPr>
+          <p:cNvSpPr>
+            <a:spLocks noGrp="1"/>
+          </p:cNvSpPr>
+          <p:nvPr>
+            <p:ph type="sldNum" sz="quarter" idx="12"/>
+          </p:nvPr>
+        </p:nvSpPr>
+        <p:spPr/>
+        <p:txBody>
+          <a:bodyPr/>
+          <a:lstStyle/>
+          <a:p>
+            <a:fld id="{8E024F8E-A03E-4AAA-A06E-73FE51DB7709}" type="slidenum">
+              <a:rPr lang="en-GB" smtClean="0"/>
+              <a:t>15</a:t>
+            </a:fld>
+            <a:endParaRPr lang="en-GB"/>
+          </a:p>
+        </p:txBody>
+      </p:sp>
+      <p:sp>
+        <p:nvSpPr>
+          <p:cNvPr id="5" name="Text Placeholder 4">
+            <a:extLst>
+              <a:ext uri="{FF2B5EF4-FFF2-40B4-BE49-F238E27FC236}">
+                <a16:creationId xmlns:a16="http://schemas.microsoft.com/office/drawing/2014/main" id="{32EE807A-A4A2-9202-177D-F59D493ACF4E}"/>
+              </a:ext>
+            </a:extLst>
+          </p:cNvPr>
+          <p:cNvSpPr>
+            <a:spLocks noGrp="1"/>
+          </p:cNvSpPr>
+          <p:nvPr>
+            <p:ph type="body" sz="quarter" idx="10"/>
+          </p:nvPr>
+        </p:nvSpPr>
+        <p:spPr>
+          <a:xfrm>
+            <a:off x="606424" y="915566"/>
+            <a:ext cx="6269831" cy="3096344"/>
+          </a:xfrm>
+        </p:spPr>
+        <p:txBody>
+          <a:bodyPr/>
+          <a:lstStyle/>
+          <a:p>
+            <a:r>
+              <a:rPr lang="en-US" dirty="0"/>
+              <a:t>Framework tries to identify numerical and categorical features automatically and applies Min-Max-Scaling on </a:t>
+            </a:r>
+            <a:r>
+              <a:rPr lang="en-US" dirty="0" err="1"/>
+              <a:t>numberical</a:t>
+            </a:r>
+            <a:r>
+              <a:rPr lang="en-US" dirty="0"/>
+              <a:t> features while leaving categorical features as they are (</a:t>
+            </a:r>
+            <a:r>
+              <a:rPr lang="en-US" b="1" dirty="0"/>
+              <a:t>run() </a:t>
+            </a:r>
+            <a:r>
+              <a:rPr lang="en-US" dirty="0"/>
+              <a:t>function)</a:t>
+            </a:r>
+            <a:br>
+              <a:rPr lang="en-US" b="1" dirty="0"/>
+            </a:br>
+            <a:endParaRPr lang="en-US" b="1" dirty="0"/>
+          </a:p>
+        </p:txBody>
+      </p:sp>
+      <p:pic>
+        <p:nvPicPr>
+          <p:cNvPr id="10" name="Picture 9">
+            <a:extLst>
+              <a:ext uri="{FF2B5EF4-FFF2-40B4-BE49-F238E27FC236}">
+                <a16:creationId xmlns:a16="http://schemas.microsoft.com/office/drawing/2014/main" id="{06DD3265-7285-F097-5D18-13C0B5DD6465}"/>
+              </a:ext>
+            </a:extLst>
+          </p:cNvPr>
+          <p:cNvPicPr>
+            <a:picLocks noChangeAspect="1"/>
+          </p:cNvPicPr>
+          <p:nvPr/>
+        </p:nvPicPr>
+        <p:blipFill>
+          <a:blip r:embed="rId3"/>
+          <a:stretch>
+            <a:fillRect/>
+          </a:stretch>
+        </p:blipFill>
+        <p:spPr>
+          <a:xfrm>
+            <a:off x="1115616" y="1801149"/>
+            <a:ext cx="6269831" cy="2589008"/>
+          </a:xfrm>
+          <a:prstGeom prst="rect">
+            <a:avLst/>
+          </a:prstGeom>
+        </p:spPr>
+      </p:pic>
+    </p:spTree>
+    <p:extLst>
+      <p:ext uri="{BB962C8B-B14F-4D97-AF65-F5344CB8AC3E}">
+        <p14:creationId xmlns:p14="http://schemas.microsoft.com/office/powerpoint/2010/main" val="3570110278"/>
+      </p:ext>
+    </p:extLst>
+  </p:cSld>
+  <p:clrMapOvr>
+    <a:masterClrMapping/>
+  </p:clrMapOvr>
+</p:sld>
+</file>
+
+<file path=ppt/slides/slide16.xml><?xml version="1.0" encoding="utf-8"?>
+<p:sld xmlns:a="http://schemas.openxmlformats.org/drawingml/2006/main" xmlns:r="http://schemas.openxmlformats.org/officeDocument/2006/relationships" xmlns:p="http://schemas.openxmlformats.org/presentationml/2006/main">
+  <p:cSld>
+    <p:spTree>
+      <p:nvGrpSpPr>
+        <p:cNvPr id="1" name=""/>
+        <p:cNvGrpSpPr/>
+        <p:nvPr/>
+      </p:nvGrpSpPr>
+      <p:grpSpPr>
+        <a:xfrm>
+          <a:off x="0" y="0"/>
+          <a:ext cx="0" cy="0"/>
+          <a:chOff x="0" y="0"/>
+          <a:chExt cx="0" cy="0"/>
+        </a:xfrm>
+      </p:grpSpPr>
+      <p:sp>
+        <p:nvSpPr>
+          <p:cNvPr id="4" name="Title 3">
+            <a:extLst>
+              <a:ext uri="{FF2B5EF4-FFF2-40B4-BE49-F238E27FC236}">
+                <a16:creationId xmlns:a16="http://schemas.microsoft.com/office/drawing/2014/main" id="{179FA09E-5D6A-74DE-C582-B4D74BA54348}"/>
+              </a:ext>
+            </a:extLst>
+          </p:cNvPr>
+          <p:cNvSpPr>
+            <a:spLocks noGrp="1"/>
+          </p:cNvSpPr>
+          <p:nvPr>
+            <p:ph type="title"/>
+          </p:nvPr>
+        </p:nvSpPr>
+        <p:spPr/>
+        <p:txBody>
+          <a:bodyPr/>
+          <a:lstStyle/>
+          <a:p>
+            <a:r>
+              <a:rPr lang="en-US" dirty="0"/>
+              <a:t>Running experiments – run() function Overview</a:t>
+            </a:r>
+            <a:endParaRPr lang="en-GB" dirty="0"/>
+          </a:p>
+        </p:txBody>
+      </p:sp>
+      <p:sp>
+        <p:nvSpPr>
+          <p:cNvPr id="9" name="Text Placeholder 8">
+            <a:extLst>
+              <a:ext uri="{FF2B5EF4-FFF2-40B4-BE49-F238E27FC236}">
+                <a16:creationId xmlns:a16="http://schemas.microsoft.com/office/drawing/2014/main" id="{0971E3A2-C782-8A8C-4D8F-B0A264A4413A}"/>
+              </a:ext>
+            </a:extLst>
+          </p:cNvPr>
+          <p:cNvSpPr>
+            <a:spLocks noGrp="1"/>
+          </p:cNvSpPr>
+          <p:nvPr>
+            <p:ph type="body" sz="half" idx="2"/>
+          </p:nvPr>
+        </p:nvSpPr>
+        <p:spPr/>
+        <p:txBody>
+          <a:bodyPr/>
+          <a:lstStyle/>
+          <a:p>
+            <a:endParaRPr lang="en-GB" dirty="0"/>
+          </a:p>
+        </p:txBody>
+      </p:sp>
+      <p:sp>
+        <p:nvSpPr>
+          <p:cNvPr id="7" name="Footer Placeholder 6">
+            <a:extLst>
+              <a:ext uri="{FF2B5EF4-FFF2-40B4-BE49-F238E27FC236}">
+                <a16:creationId xmlns:a16="http://schemas.microsoft.com/office/drawing/2014/main" id="{6103CDFC-9C78-B161-2CA0-D3757A032293}"/>
+              </a:ext>
+            </a:extLst>
+          </p:cNvPr>
+          <p:cNvSpPr>
+            <a:spLocks noGrp="1"/>
+          </p:cNvSpPr>
+          <p:nvPr>
+            <p:ph type="ftr" sz="quarter" idx="11"/>
+          </p:nvPr>
+        </p:nvSpPr>
+        <p:spPr/>
+        <p:txBody>
+          <a:bodyPr/>
+          <a:lstStyle/>
+          <a:p>
+            <a:r>
+              <a:rPr lang="it-IT"/>
+              <a:t>Tutorial @ IE2025 | christian.beyer@ovgu.de 24.06.2025</a:t>
+            </a:r>
+            <a:endParaRPr lang="en-GB" dirty="0"/>
+          </a:p>
+        </p:txBody>
+      </p:sp>
+      <p:sp>
+        <p:nvSpPr>
+          <p:cNvPr id="8" name="Slide Number Placeholder 7">
+            <a:extLst>
+              <a:ext uri="{FF2B5EF4-FFF2-40B4-BE49-F238E27FC236}">
+                <a16:creationId xmlns:a16="http://schemas.microsoft.com/office/drawing/2014/main" id="{108998B2-ABF9-888C-F918-A450C13ADB3E}"/>
+              </a:ext>
+            </a:extLst>
+          </p:cNvPr>
+          <p:cNvSpPr>
+            <a:spLocks noGrp="1"/>
+          </p:cNvSpPr>
+          <p:nvPr>
+            <p:ph type="sldNum" sz="quarter" idx="12"/>
+          </p:nvPr>
+        </p:nvSpPr>
+        <p:spPr/>
+        <p:txBody>
+          <a:bodyPr/>
+          <a:lstStyle/>
+          <a:p>
+            <a:fld id="{8E024F8E-A03E-4AAA-A06E-73FE51DB7709}" type="slidenum">
+              <a:rPr lang="en-GB" smtClean="0"/>
+              <a:t>16</a:t>
+            </a:fld>
+            <a:endParaRPr lang="en-GB"/>
+          </a:p>
+        </p:txBody>
+      </p:sp>
+      <p:sp>
+        <p:nvSpPr>
+          <p:cNvPr id="5" name="Text Placeholder 4">
+            <a:extLst>
+              <a:ext uri="{FF2B5EF4-FFF2-40B4-BE49-F238E27FC236}">
+                <a16:creationId xmlns:a16="http://schemas.microsoft.com/office/drawing/2014/main" id="{32EE807A-A4A2-9202-177D-F59D493ACF4E}"/>
+              </a:ext>
+            </a:extLst>
+          </p:cNvPr>
+          <p:cNvSpPr>
+            <a:spLocks noGrp="1"/>
+          </p:cNvSpPr>
+          <p:nvPr>
+            <p:ph type="body" sz="quarter" idx="10"/>
+          </p:nvPr>
+        </p:nvSpPr>
+        <p:spPr>
+          <a:xfrm>
+            <a:off x="606424" y="915566"/>
+            <a:ext cx="6269831" cy="3096344"/>
+          </a:xfrm>
+        </p:spPr>
+        <p:txBody>
+          <a:bodyPr/>
+          <a:lstStyle/>
+          <a:p>
+            <a:br>
+              <a:rPr lang="en-US" b="1" dirty="0"/>
+            </a:br>
+            <a:endParaRPr lang="en-US" b="1" dirty="0"/>
+          </a:p>
+        </p:txBody>
+      </p:sp>
+      <p:pic>
+        <p:nvPicPr>
+          <p:cNvPr id="3" name="Picture 2">
+            <a:extLst>
+              <a:ext uri="{FF2B5EF4-FFF2-40B4-BE49-F238E27FC236}">
+                <a16:creationId xmlns:a16="http://schemas.microsoft.com/office/drawing/2014/main" id="{33E0FEE5-4F52-93C1-D2AC-48A856D6240A}"/>
+              </a:ext>
+            </a:extLst>
+          </p:cNvPr>
+          <p:cNvPicPr>
+            <a:picLocks noChangeAspect="1"/>
+          </p:cNvPicPr>
+          <p:nvPr/>
+        </p:nvPicPr>
+        <p:blipFill>
+          <a:blip r:embed="rId3"/>
+          <a:stretch>
+            <a:fillRect/>
+          </a:stretch>
+        </p:blipFill>
+        <p:spPr>
+          <a:xfrm>
+            <a:off x="755576" y="766446"/>
+            <a:ext cx="3816424" cy="3561995"/>
+          </a:xfrm>
+          <a:prstGeom prst="rect">
+            <a:avLst/>
+          </a:prstGeom>
+        </p:spPr>
+      </p:pic>
+      <p:cxnSp>
+        <p:nvCxnSpPr>
+          <p:cNvPr id="11" name="Straight Arrow Connector 10">
+            <a:extLst>
+              <a:ext uri="{FF2B5EF4-FFF2-40B4-BE49-F238E27FC236}">
+                <a16:creationId xmlns:a16="http://schemas.microsoft.com/office/drawing/2014/main" id="{A168B5E5-11F3-ECE2-54AE-FC80E7597C32}"/>
+              </a:ext>
+            </a:extLst>
+          </p:cNvPr>
+          <p:cNvCxnSpPr>
+            <a:cxnSpLocks/>
+          </p:cNvCxnSpPr>
+          <p:nvPr/>
+        </p:nvCxnSpPr>
+        <p:spPr bwMode="auto">
+          <a:xfrm flipV="1">
+            <a:off x="3028950" y="1131590"/>
+            <a:ext cx="2119114" cy="216024"/>
+          </a:xfrm>
+          <a:prstGeom prst="straightConnector1">
+            <a:avLst/>
+          </a:prstGeom>
+          <a:solidFill>
+            <a:srgbClr val="A33316"/>
+          </a:solidFill>
+          <a:ln w="9525" cap="flat" cmpd="sng" algn="ctr">
+            <a:solidFill>
+              <a:srgbClr val="FF0000"/>
+            </a:solidFill>
+            <a:prstDash val="solid"/>
+            <a:round/>
+            <a:headEnd type="none" w="med" len="med"/>
+            <a:tailEnd type="triangle"/>
+          </a:ln>
+          <a:effectLst/>
+        </p:spPr>
+      </p:cxnSp>
+      <p:sp>
+        <p:nvSpPr>
+          <p:cNvPr id="13" name="TextBox 12">
+            <a:extLst>
+              <a:ext uri="{FF2B5EF4-FFF2-40B4-BE49-F238E27FC236}">
+                <a16:creationId xmlns:a16="http://schemas.microsoft.com/office/drawing/2014/main" id="{1FE5B6AF-B8A3-1B74-76AB-93D1DF7AD4C7}"/>
+              </a:ext>
+            </a:extLst>
+          </p:cNvPr>
+          <p:cNvSpPr txBox="1"/>
+          <p:nvPr/>
+        </p:nvSpPr>
+        <p:spPr>
+          <a:xfrm>
+            <a:off x="5364088" y="915566"/>
+            <a:ext cx="2057350" cy="1077218"/>
+          </a:xfrm>
+          <a:prstGeom prst="rect">
+            <a:avLst/>
+          </a:prstGeom>
+          <a:noFill/>
+        </p:spPr>
+        <p:txBody>
+          <a:bodyPr wrap="square" rtlCol="0">
+            <a:spAutoFit/>
+          </a:bodyPr>
+          <a:lstStyle/>
+          <a:p>
+            <a:r>
+              <a:rPr lang="en-US" sz="1600" dirty="0"/>
+              <a:t>Updates Min-Max-Scaler based on instance that has missing features</a:t>
+            </a:r>
+          </a:p>
+        </p:txBody>
+      </p:sp>
+    </p:spTree>
+    <p:extLst>
+      <p:ext uri="{BB962C8B-B14F-4D97-AF65-F5344CB8AC3E}">
+        <p14:creationId xmlns:p14="http://schemas.microsoft.com/office/powerpoint/2010/main" val="1948930944"/>
+      </p:ext>
+    </p:extLst>
+  </p:cSld>
+  <p:clrMapOvr>
+    <a:masterClrMapping/>
+  </p:clrMapOvr>
+</p:sld>
+</file>
+
+<file path=ppt/slides/slide17.xml><?xml version="1.0" encoding="utf-8"?>
+<p:sld xmlns:a="http://schemas.openxmlformats.org/drawingml/2006/main" xmlns:r="http://schemas.openxmlformats.org/officeDocument/2006/relationships" xmlns:p="http://schemas.openxmlformats.org/presentationml/2006/main">
+  <p:cSld>
+    <p:spTree>
+      <p:nvGrpSpPr>
+        <p:cNvPr id="1" name=""/>
+        <p:cNvGrpSpPr/>
+        <p:nvPr/>
+      </p:nvGrpSpPr>
+      <p:grpSpPr>
+        <a:xfrm>
+          <a:off x="0" y="0"/>
+          <a:ext cx="0" cy="0"/>
+          <a:chOff x="0" y="0"/>
+          <a:chExt cx="0" cy="0"/>
+        </a:xfrm>
+      </p:grpSpPr>
+      <p:sp>
+        <p:nvSpPr>
+          <p:cNvPr id="4" name="Title 3">
+            <a:extLst>
+              <a:ext uri="{FF2B5EF4-FFF2-40B4-BE49-F238E27FC236}">
+                <a16:creationId xmlns:a16="http://schemas.microsoft.com/office/drawing/2014/main" id="{179FA09E-5D6A-74DE-C582-B4D74BA54348}"/>
+              </a:ext>
+            </a:extLst>
+          </p:cNvPr>
+          <p:cNvSpPr>
+            <a:spLocks noGrp="1"/>
+          </p:cNvSpPr>
+          <p:nvPr>
+            <p:ph type="title"/>
+          </p:nvPr>
+        </p:nvSpPr>
+        <p:spPr/>
+        <p:txBody>
+          <a:bodyPr/>
+          <a:lstStyle/>
+          <a:p>
+            <a:r>
+              <a:rPr lang="en-US" dirty="0"/>
+              <a:t>Running experiments – run() function Overview</a:t>
+            </a:r>
+            <a:endParaRPr lang="en-GB" dirty="0"/>
+          </a:p>
+        </p:txBody>
+      </p:sp>
+      <p:sp>
+        <p:nvSpPr>
+          <p:cNvPr id="9" name="Text Placeholder 8">
+            <a:extLst>
+              <a:ext uri="{FF2B5EF4-FFF2-40B4-BE49-F238E27FC236}">
+                <a16:creationId xmlns:a16="http://schemas.microsoft.com/office/drawing/2014/main" id="{0971E3A2-C782-8A8C-4D8F-B0A264A4413A}"/>
+              </a:ext>
+            </a:extLst>
+          </p:cNvPr>
+          <p:cNvSpPr>
+            <a:spLocks noGrp="1"/>
+          </p:cNvSpPr>
+          <p:nvPr>
+            <p:ph type="body" sz="half" idx="2"/>
+          </p:nvPr>
+        </p:nvSpPr>
+        <p:spPr/>
+        <p:txBody>
+          <a:bodyPr/>
+          <a:lstStyle/>
+          <a:p>
+            <a:endParaRPr lang="en-GB" dirty="0"/>
+          </a:p>
+        </p:txBody>
+      </p:sp>
+      <p:sp>
+        <p:nvSpPr>
+          <p:cNvPr id="7" name="Footer Placeholder 6">
+            <a:extLst>
+              <a:ext uri="{FF2B5EF4-FFF2-40B4-BE49-F238E27FC236}">
+                <a16:creationId xmlns:a16="http://schemas.microsoft.com/office/drawing/2014/main" id="{6103CDFC-9C78-B161-2CA0-D3757A032293}"/>
+              </a:ext>
+            </a:extLst>
+          </p:cNvPr>
+          <p:cNvSpPr>
+            <a:spLocks noGrp="1"/>
+          </p:cNvSpPr>
+          <p:nvPr>
+            <p:ph type="ftr" sz="quarter" idx="11"/>
+          </p:nvPr>
+        </p:nvSpPr>
+        <p:spPr/>
+        <p:txBody>
+          <a:bodyPr/>
+          <a:lstStyle/>
+          <a:p>
+            <a:r>
+              <a:rPr lang="it-IT"/>
+              <a:t>Tutorial @ IE2025 | christian.beyer@ovgu.de 24.06.2025</a:t>
+            </a:r>
+            <a:endParaRPr lang="en-GB" dirty="0"/>
+          </a:p>
+        </p:txBody>
+      </p:sp>
+      <p:sp>
+        <p:nvSpPr>
+          <p:cNvPr id="8" name="Slide Number Placeholder 7">
+            <a:extLst>
+              <a:ext uri="{FF2B5EF4-FFF2-40B4-BE49-F238E27FC236}">
+                <a16:creationId xmlns:a16="http://schemas.microsoft.com/office/drawing/2014/main" id="{108998B2-ABF9-888C-F918-A450C13ADB3E}"/>
+              </a:ext>
+            </a:extLst>
+          </p:cNvPr>
+          <p:cNvSpPr>
+            <a:spLocks noGrp="1"/>
+          </p:cNvSpPr>
+          <p:nvPr>
+            <p:ph type="sldNum" sz="quarter" idx="12"/>
+          </p:nvPr>
+        </p:nvSpPr>
+        <p:spPr/>
+        <p:txBody>
+          <a:bodyPr/>
+          <a:lstStyle/>
+          <a:p>
+            <a:fld id="{8E024F8E-A03E-4AAA-A06E-73FE51DB7709}" type="slidenum">
+              <a:rPr lang="en-GB" smtClean="0"/>
+              <a:t>17</a:t>
+            </a:fld>
+            <a:endParaRPr lang="en-GB"/>
+          </a:p>
+        </p:txBody>
+      </p:sp>
+      <p:sp>
+        <p:nvSpPr>
+          <p:cNvPr id="5" name="Text Placeholder 4">
+            <a:extLst>
+              <a:ext uri="{FF2B5EF4-FFF2-40B4-BE49-F238E27FC236}">
+                <a16:creationId xmlns:a16="http://schemas.microsoft.com/office/drawing/2014/main" id="{32EE807A-A4A2-9202-177D-F59D493ACF4E}"/>
+              </a:ext>
+            </a:extLst>
+          </p:cNvPr>
+          <p:cNvSpPr>
+            <a:spLocks noGrp="1"/>
+          </p:cNvSpPr>
+          <p:nvPr>
+            <p:ph type="body" sz="quarter" idx="10"/>
+          </p:nvPr>
+        </p:nvSpPr>
+        <p:spPr>
+          <a:xfrm>
+            <a:off x="606424" y="915566"/>
+            <a:ext cx="6269831" cy="3096344"/>
+          </a:xfrm>
+        </p:spPr>
+        <p:txBody>
+          <a:bodyPr/>
+          <a:lstStyle/>
+          <a:p>
+            <a:br>
+              <a:rPr lang="en-US" b="1" dirty="0"/>
+            </a:br>
+            <a:endParaRPr lang="en-US" b="1" dirty="0"/>
+          </a:p>
+        </p:txBody>
+      </p:sp>
+      <p:pic>
+        <p:nvPicPr>
+          <p:cNvPr id="3" name="Picture 2">
+            <a:extLst>
+              <a:ext uri="{FF2B5EF4-FFF2-40B4-BE49-F238E27FC236}">
+                <a16:creationId xmlns:a16="http://schemas.microsoft.com/office/drawing/2014/main" id="{33E0FEE5-4F52-93C1-D2AC-48A856D6240A}"/>
+              </a:ext>
+            </a:extLst>
+          </p:cNvPr>
+          <p:cNvPicPr>
+            <a:picLocks noChangeAspect="1"/>
+          </p:cNvPicPr>
+          <p:nvPr/>
+        </p:nvPicPr>
+        <p:blipFill>
+          <a:blip r:embed="rId3"/>
+          <a:stretch>
+            <a:fillRect/>
+          </a:stretch>
+        </p:blipFill>
+        <p:spPr>
+          <a:xfrm>
+            <a:off x="755576" y="766446"/>
+            <a:ext cx="3816424" cy="3561995"/>
+          </a:xfrm>
+          <a:prstGeom prst="rect">
+            <a:avLst/>
+          </a:prstGeom>
+        </p:spPr>
+      </p:pic>
+      <p:cxnSp>
+        <p:nvCxnSpPr>
+          <p:cNvPr id="11" name="Straight Arrow Connector 10">
+            <a:extLst>
+              <a:ext uri="{FF2B5EF4-FFF2-40B4-BE49-F238E27FC236}">
+                <a16:creationId xmlns:a16="http://schemas.microsoft.com/office/drawing/2014/main" id="{A168B5E5-11F3-ECE2-54AE-FC80E7597C32}"/>
+              </a:ext>
+            </a:extLst>
+          </p:cNvPr>
+          <p:cNvCxnSpPr>
+            <a:cxnSpLocks/>
+          </p:cNvCxnSpPr>
+          <p:nvPr/>
+        </p:nvCxnSpPr>
+        <p:spPr bwMode="auto">
+          <a:xfrm flipV="1">
+            <a:off x="4109145" y="1419622"/>
+            <a:ext cx="1374973" cy="27092"/>
+          </a:xfrm>
+          <a:prstGeom prst="straightConnector1">
+            <a:avLst/>
+          </a:prstGeom>
+          <a:solidFill>
+            <a:srgbClr val="A33316"/>
+          </a:solidFill>
+          <a:ln w="9525" cap="flat" cmpd="sng" algn="ctr">
+            <a:solidFill>
+              <a:srgbClr val="FF0000"/>
+            </a:solidFill>
+            <a:prstDash val="solid"/>
+            <a:round/>
+            <a:headEnd type="none" w="med" len="med"/>
+            <a:tailEnd type="triangle"/>
+          </a:ln>
+          <a:effectLst/>
+        </p:spPr>
+      </p:cxnSp>
+      <p:sp>
+        <p:nvSpPr>
+          <p:cNvPr id="13" name="TextBox 12">
+            <a:extLst>
+              <a:ext uri="{FF2B5EF4-FFF2-40B4-BE49-F238E27FC236}">
+                <a16:creationId xmlns:a16="http://schemas.microsoft.com/office/drawing/2014/main" id="{1FE5B6AF-B8A3-1B74-76AB-93D1DF7AD4C7}"/>
+              </a:ext>
+            </a:extLst>
+          </p:cNvPr>
+          <p:cNvSpPr txBox="1"/>
+          <p:nvPr/>
+        </p:nvSpPr>
+        <p:spPr>
+          <a:xfrm>
+            <a:off x="5364088" y="915566"/>
+            <a:ext cx="2057350" cy="1077218"/>
+          </a:xfrm>
+          <a:prstGeom prst="rect">
+            <a:avLst/>
+          </a:prstGeom>
+          <a:noFill/>
+        </p:spPr>
+        <p:txBody>
+          <a:bodyPr wrap="square" rtlCol="0">
+            <a:spAutoFit/>
+          </a:bodyPr>
+          <a:lstStyle/>
+          <a:p>
+            <a:r>
+              <a:rPr lang="en-US" sz="1600" dirty="0"/>
+              <a:t>Normalizes instance with missing features and instance with all features available</a:t>
+            </a:r>
+          </a:p>
+        </p:txBody>
+      </p:sp>
+      <p:cxnSp>
+        <p:nvCxnSpPr>
+          <p:cNvPr id="2" name="Straight Arrow Connector 1">
+            <a:extLst>
+              <a:ext uri="{FF2B5EF4-FFF2-40B4-BE49-F238E27FC236}">
+                <a16:creationId xmlns:a16="http://schemas.microsoft.com/office/drawing/2014/main" id="{59B5F601-F768-B88E-D98C-836861791524}"/>
+              </a:ext>
+            </a:extLst>
+          </p:cNvPr>
+          <p:cNvCxnSpPr>
+            <a:cxnSpLocks/>
+          </p:cNvCxnSpPr>
+          <p:nvPr/>
+        </p:nvCxnSpPr>
+        <p:spPr bwMode="auto">
+          <a:xfrm flipV="1">
+            <a:off x="4093628" y="1496733"/>
+            <a:ext cx="1405930" cy="85629"/>
+          </a:xfrm>
+          <a:prstGeom prst="straightConnector1">
+            <a:avLst/>
+          </a:prstGeom>
+          <a:solidFill>
+            <a:srgbClr val="A33316"/>
+          </a:solidFill>
+          <a:ln w="9525" cap="flat" cmpd="sng" algn="ctr">
+            <a:solidFill>
+              <a:srgbClr val="FF0000"/>
+            </a:solidFill>
+            <a:prstDash val="solid"/>
+            <a:round/>
+            <a:headEnd type="none" w="med" len="med"/>
+            <a:tailEnd type="triangle"/>
+          </a:ln>
+          <a:effectLst/>
+        </p:spPr>
+      </p:cxnSp>
+      <p:sp>
+        <p:nvSpPr>
+          <p:cNvPr id="12" name="Text Placeholder 4">
+            <a:extLst>
+              <a:ext uri="{FF2B5EF4-FFF2-40B4-BE49-F238E27FC236}">
+                <a16:creationId xmlns:a16="http://schemas.microsoft.com/office/drawing/2014/main" id="{621F7FFF-5B36-8E7A-8067-391C97AA7393}"/>
+              </a:ext>
+            </a:extLst>
+          </p:cNvPr>
+          <p:cNvSpPr txBox="1">
+            <a:spLocks/>
+          </p:cNvSpPr>
+          <p:nvPr/>
+        </p:nvSpPr>
+        <p:spPr>
+          <a:xfrm>
+            <a:off x="758824" y="1067966"/>
+            <a:ext cx="6269831" cy="3096344"/>
+          </a:xfrm>
+          <a:prstGeom prst="rect">
+            <a:avLst/>
+          </a:prstGeom>
+        </p:spPr>
+        <p:txBody>
+          <a:bodyPr lIns="0"/>
+          <a:lstStyle>
+            <a:lvl1pPr marL="503634" indent="-285750" algn="l" defTabSz="628650" rtl="0" eaLnBrk="1" fontAlgn="base" hangingPunct="1">
+              <a:spcBef>
+                <a:spcPct val="0"/>
+              </a:spcBef>
+              <a:spcAft>
+                <a:spcPct val="0"/>
+              </a:spcAft>
+              <a:buSzPct val="130000"/>
+              <a:buFont typeface="Arial" panose="020B0604020202020204" pitchFamily="34" charset="0"/>
+              <a:buChar char="•"/>
+              <a:defRPr lang="en-GB" sz="1600" noProof="0" dirty="0" smtClean="0">
+                <a:solidFill>
+                  <a:schemeClr val="tx1"/>
+                </a:solidFill>
+                <a:latin typeface="Calibri Light" panose="020F0302020204030204" pitchFamily="34" charset="0"/>
+                <a:ea typeface="Calibri Light" panose="020F0302020204030204" pitchFamily="34" charset="0"/>
+                <a:cs typeface="Calibri Light" panose="020F0302020204030204" pitchFamily="34" charset="0"/>
+                <a:sym typeface="Lucida Grande" charset="0"/>
+              </a:defRPr>
+            </a:lvl1pPr>
+            <a:lvl2pPr marL="863204" indent="-339329" algn="l" defTabSz="628650" rtl="0" eaLnBrk="1" fontAlgn="base" hangingPunct="1">
+              <a:spcBef>
+                <a:spcPct val="0"/>
+              </a:spcBef>
+              <a:spcAft>
+                <a:spcPct val="0"/>
+              </a:spcAft>
+              <a:buSzPct val="100000"/>
+              <a:buFont typeface="Arial" panose="020B0604020202020204" pitchFamily="34" charset="0"/>
+              <a:buChar char="•"/>
+              <a:defRPr lang="en-GB" sz="1600" noProof="0" dirty="0" smtClean="0">
+                <a:solidFill>
+                  <a:schemeClr val="tx1"/>
+                </a:solidFill>
+                <a:latin typeface="Calibri Light" panose="020F0302020204030204" pitchFamily="34" charset="0"/>
+                <a:ea typeface="Calibri Light" panose="020F0302020204030204" pitchFamily="34" charset="0"/>
+                <a:cs typeface="Calibri Light" panose="020F0302020204030204" pitchFamily="34" charset="0"/>
+                <a:sym typeface="Lucida Grande" charset="0"/>
+              </a:defRPr>
+            </a:lvl2pPr>
+            <a:lvl3pPr marL="1169194" indent="-339329" algn="l" defTabSz="628650" rtl="0" eaLnBrk="1" fontAlgn="base" hangingPunct="1">
+              <a:spcBef>
+                <a:spcPct val="0"/>
+              </a:spcBef>
+              <a:spcAft>
+                <a:spcPct val="0"/>
+              </a:spcAft>
+              <a:buSzPct val="100000"/>
+              <a:buFont typeface="Arial" panose="020B0604020202020204" pitchFamily="34" charset="0"/>
+              <a:buChar char="•"/>
+              <a:defRPr lang="en-GB" sz="1600" noProof="0" dirty="0">
+                <a:solidFill>
+                  <a:schemeClr val="tx1"/>
+                </a:solidFill>
+                <a:latin typeface="Calibri Light" panose="020F0302020204030204" pitchFamily="34" charset="0"/>
+                <a:ea typeface="Calibri Light" panose="020F0302020204030204" pitchFamily="34" charset="0"/>
+                <a:cs typeface="Calibri Light" panose="020F0302020204030204" pitchFamily="34" charset="0"/>
+                <a:sym typeface="Lucida Grande" charset="0"/>
+              </a:defRPr>
+            </a:lvl3pPr>
+            <a:lvl4pPr marL="1473994" indent="-339329" algn="l" defTabSz="628650" rtl="0" eaLnBrk="1" fontAlgn="base" hangingPunct="1">
+              <a:spcBef>
+                <a:spcPct val="0"/>
+              </a:spcBef>
+              <a:spcAft>
+                <a:spcPct val="0"/>
+              </a:spcAft>
+              <a:buSzPct val="171000"/>
+              <a:buFont typeface="Lucida Grande" charset="0"/>
+              <a:buChar char="•"/>
+              <a:defRPr sz="975">
+                <a:solidFill>
+                  <a:schemeClr val="bg1"/>
+                </a:solidFill>
+                <a:latin typeface="+mn-lt"/>
+                <a:ea typeface="+mn-ea"/>
+                <a:cs typeface="+mn-cs"/>
+                <a:sym typeface="Lucida Grande" charset="0"/>
+              </a:defRPr>
+            </a:lvl4pPr>
+            <a:lvl5pPr marL="1779985" indent="-339329" algn="l" defTabSz="628650" rtl="0" eaLnBrk="1" fontAlgn="base" hangingPunct="1">
+              <a:spcBef>
+                <a:spcPct val="0"/>
+              </a:spcBef>
+              <a:spcAft>
+                <a:spcPct val="0"/>
+              </a:spcAft>
+              <a:buSzPct val="171000"/>
+              <a:buFont typeface="Lucida Grande" charset="0"/>
+              <a:buChar char="•"/>
+              <a:defRPr sz="975">
+                <a:solidFill>
+                  <a:schemeClr val="bg1"/>
+                </a:solidFill>
+                <a:latin typeface="+mn-lt"/>
+                <a:ea typeface="+mn-ea"/>
+                <a:cs typeface="+mn-cs"/>
+                <a:sym typeface="Lucida Grande" charset="0"/>
+              </a:defRPr>
+            </a:lvl5pPr>
+            <a:lvl6pPr marL="2122885" indent="-339329" algn="l" defTabSz="628650" rtl="0" eaLnBrk="1" fontAlgn="base" hangingPunct="1">
+              <a:spcBef>
+                <a:spcPct val="0"/>
+              </a:spcBef>
+              <a:spcAft>
+                <a:spcPct val="0"/>
+              </a:spcAft>
+              <a:buSzPct val="171000"/>
+              <a:buFont typeface="Lucida Grande" pitchFamily="-111" charset="0"/>
+              <a:buChar char="•"/>
+              <a:defRPr sz="975">
+                <a:solidFill>
+                  <a:schemeClr val="bg1"/>
+                </a:solidFill>
+                <a:latin typeface="+mn-lt"/>
+                <a:ea typeface="+mn-ea"/>
+                <a:cs typeface="+mn-cs"/>
+                <a:sym typeface="Lucida Grande" pitchFamily="-111" charset="0"/>
+              </a:defRPr>
+            </a:lvl6pPr>
+            <a:lvl7pPr marL="2465785" indent="-339329" algn="l" defTabSz="628650" rtl="0" eaLnBrk="1" fontAlgn="base" hangingPunct="1">
+              <a:spcBef>
+                <a:spcPct val="0"/>
+              </a:spcBef>
+              <a:spcAft>
+                <a:spcPct val="0"/>
+              </a:spcAft>
+              <a:buSzPct val="171000"/>
+              <a:buFont typeface="Lucida Grande" pitchFamily="-111" charset="0"/>
+              <a:buChar char="•"/>
+              <a:defRPr sz="975">
+                <a:solidFill>
+                  <a:schemeClr val="bg1"/>
+                </a:solidFill>
+                <a:latin typeface="+mn-lt"/>
+                <a:ea typeface="+mn-ea"/>
+                <a:cs typeface="+mn-cs"/>
+                <a:sym typeface="Lucida Grande" pitchFamily="-111" charset="0"/>
+              </a:defRPr>
+            </a:lvl7pPr>
+            <a:lvl8pPr marL="2808685" indent="-339329" algn="l" defTabSz="628650" rtl="0" eaLnBrk="1" fontAlgn="base" hangingPunct="1">
+              <a:spcBef>
+                <a:spcPct val="0"/>
+              </a:spcBef>
+              <a:spcAft>
+                <a:spcPct val="0"/>
+              </a:spcAft>
+              <a:buSzPct val="171000"/>
+              <a:buFont typeface="Lucida Grande" pitchFamily="-111" charset="0"/>
+              <a:buChar char="•"/>
+              <a:defRPr sz="975">
+                <a:solidFill>
+                  <a:schemeClr val="bg1"/>
+                </a:solidFill>
+                <a:latin typeface="+mn-lt"/>
+                <a:ea typeface="+mn-ea"/>
+                <a:cs typeface="+mn-cs"/>
+                <a:sym typeface="Lucida Grande" pitchFamily="-111" charset="0"/>
+              </a:defRPr>
+            </a:lvl8pPr>
+            <a:lvl9pPr marL="3151585" indent="-339329" algn="l" defTabSz="628650" rtl="0" eaLnBrk="1" fontAlgn="base" hangingPunct="1">
+              <a:spcBef>
+                <a:spcPct val="0"/>
+              </a:spcBef>
+              <a:spcAft>
+                <a:spcPct val="0"/>
+              </a:spcAft>
+              <a:buSzPct val="171000"/>
+              <a:buFont typeface="Lucida Grande" pitchFamily="-111" charset="0"/>
+              <a:buChar char="•"/>
+              <a:defRPr sz="975">
+                <a:solidFill>
+                  <a:schemeClr val="bg1"/>
+                </a:solidFill>
+                <a:latin typeface="+mn-lt"/>
+                <a:ea typeface="+mn-ea"/>
+                <a:cs typeface="+mn-cs"/>
+                <a:sym typeface="Lucida Grande" pitchFamily="-111" charset="0"/>
+              </a:defRPr>
+            </a:lvl9pPr>
+          </a:lstStyle>
+          <a:p>
+            <a:br>
+              <a:rPr lang="en-US" b="1" kern="0"/>
+            </a:br>
+            <a:endParaRPr lang="en-US" b="1" kern="0"/>
+          </a:p>
+        </p:txBody>
+      </p:sp>
+    </p:spTree>
+    <p:extLst>
+      <p:ext uri="{BB962C8B-B14F-4D97-AF65-F5344CB8AC3E}">
+        <p14:creationId xmlns:p14="http://schemas.microsoft.com/office/powerpoint/2010/main" val="2010170379"/>
+      </p:ext>
+    </p:extLst>
+  </p:cSld>
+  <p:clrMapOvr>
+    <a:masterClrMapping/>
+  </p:clrMapOvr>
+</p:sld>
+</file>
+
+<file path=ppt/slides/slide18.xml><?xml version="1.0" encoding="utf-8"?>
+<p:sld xmlns:a="http://schemas.openxmlformats.org/drawingml/2006/main" xmlns:r="http://schemas.openxmlformats.org/officeDocument/2006/relationships" xmlns:p="http://schemas.openxmlformats.org/presentationml/2006/main">
+  <p:cSld>
+    <p:spTree>
+      <p:nvGrpSpPr>
+        <p:cNvPr id="1" name=""/>
+        <p:cNvGrpSpPr/>
+        <p:nvPr/>
+      </p:nvGrpSpPr>
+      <p:grpSpPr>
+        <a:xfrm>
+          <a:off x="0" y="0"/>
+          <a:ext cx="0" cy="0"/>
+          <a:chOff x="0" y="0"/>
+          <a:chExt cx="0" cy="0"/>
+        </a:xfrm>
+      </p:grpSpPr>
+      <p:sp>
+        <p:nvSpPr>
+          <p:cNvPr id="4" name="Title 3">
+            <a:extLst>
+              <a:ext uri="{FF2B5EF4-FFF2-40B4-BE49-F238E27FC236}">
+                <a16:creationId xmlns:a16="http://schemas.microsoft.com/office/drawing/2014/main" id="{179FA09E-5D6A-74DE-C582-B4D74BA54348}"/>
+              </a:ext>
+            </a:extLst>
+          </p:cNvPr>
+          <p:cNvSpPr>
+            <a:spLocks noGrp="1"/>
+          </p:cNvSpPr>
+          <p:nvPr>
+            <p:ph type="title"/>
+          </p:nvPr>
+        </p:nvSpPr>
+        <p:spPr/>
+        <p:txBody>
+          <a:bodyPr/>
+          <a:lstStyle/>
+          <a:p>
+            <a:r>
+              <a:rPr lang="en-US" dirty="0"/>
+              <a:t>Running experiments – run() function Overview</a:t>
+            </a:r>
+            <a:endParaRPr lang="en-GB" dirty="0"/>
+          </a:p>
+        </p:txBody>
+      </p:sp>
+      <p:sp>
+        <p:nvSpPr>
+          <p:cNvPr id="9" name="Text Placeholder 8">
+            <a:extLst>
+              <a:ext uri="{FF2B5EF4-FFF2-40B4-BE49-F238E27FC236}">
+                <a16:creationId xmlns:a16="http://schemas.microsoft.com/office/drawing/2014/main" id="{0971E3A2-C782-8A8C-4D8F-B0A264A4413A}"/>
+              </a:ext>
+            </a:extLst>
+          </p:cNvPr>
+          <p:cNvSpPr>
+            <a:spLocks noGrp="1"/>
+          </p:cNvSpPr>
+          <p:nvPr>
+            <p:ph type="body" sz="half" idx="2"/>
+          </p:nvPr>
+        </p:nvSpPr>
+        <p:spPr/>
+        <p:txBody>
+          <a:bodyPr/>
+          <a:lstStyle/>
+          <a:p>
+            <a:endParaRPr lang="en-GB" dirty="0"/>
+          </a:p>
+        </p:txBody>
+      </p:sp>
+      <p:sp>
+        <p:nvSpPr>
+          <p:cNvPr id="7" name="Footer Placeholder 6">
+            <a:extLst>
+              <a:ext uri="{FF2B5EF4-FFF2-40B4-BE49-F238E27FC236}">
+                <a16:creationId xmlns:a16="http://schemas.microsoft.com/office/drawing/2014/main" id="{6103CDFC-9C78-B161-2CA0-D3757A032293}"/>
+              </a:ext>
+            </a:extLst>
+          </p:cNvPr>
+          <p:cNvSpPr>
+            <a:spLocks noGrp="1"/>
+          </p:cNvSpPr>
+          <p:nvPr>
+            <p:ph type="ftr" sz="quarter" idx="11"/>
+          </p:nvPr>
+        </p:nvSpPr>
+        <p:spPr/>
+        <p:txBody>
+          <a:bodyPr/>
+          <a:lstStyle/>
+          <a:p>
+            <a:r>
+              <a:rPr lang="it-IT"/>
+              <a:t>Tutorial @ IE2025 | christian.beyer@ovgu.de 24.06.2025</a:t>
+            </a:r>
+            <a:endParaRPr lang="en-GB" dirty="0"/>
+          </a:p>
+        </p:txBody>
+      </p:sp>
+      <p:sp>
+        <p:nvSpPr>
+          <p:cNvPr id="8" name="Slide Number Placeholder 7">
+            <a:extLst>
+              <a:ext uri="{FF2B5EF4-FFF2-40B4-BE49-F238E27FC236}">
+                <a16:creationId xmlns:a16="http://schemas.microsoft.com/office/drawing/2014/main" id="{108998B2-ABF9-888C-F918-A450C13ADB3E}"/>
+              </a:ext>
+            </a:extLst>
+          </p:cNvPr>
+          <p:cNvSpPr>
+            <a:spLocks noGrp="1"/>
+          </p:cNvSpPr>
+          <p:nvPr>
+            <p:ph type="sldNum" sz="quarter" idx="12"/>
+          </p:nvPr>
+        </p:nvSpPr>
+        <p:spPr/>
+        <p:txBody>
+          <a:bodyPr/>
+          <a:lstStyle/>
+          <a:p>
+            <a:fld id="{8E024F8E-A03E-4AAA-A06E-73FE51DB7709}" type="slidenum">
+              <a:rPr lang="en-GB" smtClean="0"/>
+              <a:t>18</a:t>
+            </a:fld>
+            <a:endParaRPr lang="en-GB"/>
+          </a:p>
+        </p:txBody>
+      </p:sp>
+      <p:sp>
+        <p:nvSpPr>
+          <p:cNvPr id="5" name="Text Placeholder 4">
+            <a:extLst>
+              <a:ext uri="{FF2B5EF4-FFF2-40B4-BE49-F238E27FC236}">
+                <a16:creationId xmlns:a16="http://schemas.microsoft.com/office/drawing/2014/main" id="{32EE807A-A4A2-9202-177D-F59D493ACF4E}"/>
+              </a:ext>
+            </a:extLst>
+          </p:cNvPr>
+          <p:cNvSpPr>
+            <a:spLocks noGrp="1"/>
+          </p:cNvSpPr>
+          <p:nvPr>
+            <p:ph type="body" sz="quarter" idx="10"/>
+          </p:nvPr>
+        </p:nvSpPr>
+        <p:spPr>
+          <a:xfrm>
+            <a:off x="606424" y="915566"/>
+            <a:ext cx="6269831" cy="3096344"/>
+          </a:xfrm>
+        </p:spPr>
+        <p:txBody>
+          <a:bodyPr/>
+          <a:lstStyle/>
+          <a:p>
+            <a:br>
+              <a:rPr lang="en-US" b="1" dirty="0"/>
+            </a:br>
+            <a:endParaRPr lang="en-US" b="1" dirty="0"/>
+          </a:p>
+        </p:txBody>
+      </p:sp>
+      <p:pic>
+        <p:nvPicPr>
+          <p:cNvPr id="3" name="Picture 2">
+            <a:extLst>
+              <a:ext uri="{FF2B5EF4-FFF2-40B4-BE49-F238E27FC236}">
+                <a16:creationId xmlns:a16="http://schemas.microsoft.com/office/drawing/2014/main" id="{33E0FEE5-4F52-93C1-D2AC-48A856D6240A}"/>
+              </a:ext>
+            </a:extLst>
+          </p:cNvPr>
+          <p:cNvPicPr>
+            <a:picLocks noChangeAspect="1"/>
+          </p:cNvPicPr>
+          <p:nvPr/>
+        </p:nvPicPr>
+        <p:blipFill>
+          <a:blip r:embed="rId3"/>
+          <a:stretch>
+            <a:fillRect/>
+          </a:stretch>
+        </p:blipFill>
+        <p:spPr>
+          <a:xfrm>
+            <a:off x="755576" y="766446"/>
+            <a:ext cx="3816424" cy="3561995"/>
+          </a:xfrm>
+          <a:prstGeom prst="rect">
+            <a:avLst/>
+          </a:prstGeom>
+        </p:spPr>
+      </p:pic>
+      <p:cxnSp>
+        <p:nvCxnSpPr>
+          <p:cNvPr id="11" name="Straight Arrow Connector 10">
+            <a:extLst>
+              <a:ext uri="{FF2B5EF4-FFF2-40B4-BE49-F238E27FC236}">
+                <a16:creationId xmlns:a16="http://schemas.microsoft.com/office/drawing/2014/main" id="{A168B5E5-11F3-ECE2-54AE-FC80E7597C32}"/>
+              </a:ext>
+            </a:extLst>
+          </p:cNvPr>
+          <p:cNvCxnSpPr>
+            <a:cxnSpLocks/>
+          </p:cNvCxnSpPr>
+          <p:nvPr/>
+        </p:nvCxnSpPr>
+        <p:spPr bwMode="auto">
+          <a:xfrm flipV="1">
+            <a:off x="4349154" y="1645016"/>
+            <a:ext cx="1014934" cy="38226"/>
+          </a:xfrm>
+          <a:prstGeom prst="straightConnector1">
+            <a:avLst/>
+          </a:prstGeom>
+          <a:solidFill>
+            <a:srgbClr val="A33316"/>
+          </a:solidFill>
+          <a:ln w="9525" cap="flat" cmpd="sng" algn="ctr">
+            <a:solidFill>
+              <a:srgbClr val="FF0000"/>
+            </a:solidFill>
+            <a:prstDash val="solid"/>
+            <a:round/>
+            <a:headEnd type="none" w="med" len="med"/>
+            <a:tailEnd type="triangle"/>
+          </a:ln>
+          <a:effectLst/>
+        </p:spPr>
+      </p:cxnSp>
+      <p:sp>
+        <p:nvSpPr>
+          <p:cNvPr id="13" name="TextBox 12">
+            <a:extLst>
+              <a:ext uri="{FF2B5EF4-FFF2-40B4-BE49-F238E27FC236}">
+                <a16:creationId xmlns:a16="http://schemas.microsoft.com/office/drawing/2014/main" id="{1FE5B6AF-B8A3-1B74-76AB-93D1DF7AD4C7}"/>
+              </a:ext>
+            </a:extLst>
+          </p:cNvPr>
+          <p:cNvSpPr txBox="1"/>
+          <p:nvPr/>
+        </p:nvSpPr>
+        <p:spPr>
+          <a:xfrm>
+            <a:off x="5353135" y="1229517"/>
+            <a:ext cx="2057350" cy="830997"/>
+          </a:xfrm>
+          <a:prstGeom prst="rect">
+            <a:avLst/>
+          </a:prstGeom>
+          <a:noFill/>
+        </p:spPr>
+        <p:txBody>
+          <a:bodyPr wrap="square" rtlCol="0">
+            <a:spAutoFit/>
+          </a:bodyPr>
+          <a:lstStyle/>
+          <a:p>
+            <a:r>
+              <a:rPr lang="en-US" sz="1600" dirty="0"/>
+              <a:t>Applies AFA strategies and returns instance with acquired features</a:t>
+            </a:r>
+          </a:p>
+        </p:txBody>
+      </p:sp>
+      <p:sp>
+        <p:nvSpPr>
+          <p:cNvPr id="12" name="Text Placeholder 4">
+            <a:extLst>
+              <a:ext uri="{FF2B5EF4-FFF2-40B4-BE49-F238E27FC236}">
+                <a16:creationId xmlns:a16="http://schemas.microsoft.com/office/drawing/2014/main" id="{621F7FFF-5B36-8E7A-8067-391C97AA7393}"/>
+              </a:ext>
+            </a:extLst>
+          </p:cNvPr>
+          <p:cNvSpPr txBox="1">
+            <a:spLocks/>
+          </p:cNvSpPr>
+          <p:nvPr/>
+        </p:nvSpPr>
+        <p:spPr>
+          <a:xfrm>
+            <a:off x="758824" y="1067966"/>
+            <a:ext cx="6269831" cy="3096344"/>
+          </a:xfrm>
+          <a:prstGeom prst="rect">
+            <a:avLst/>
+          </a:prstGeom>
+        </p:spPr>
+        <p:txBody>
+          <a:bodyPr lIns="0"/>
+          <a:lstStyle>
+            <a:lvl1pPr marL="503634" indent="-285750" algn="l" defTabSz="628650" rtl="0" eaLnBrk="1" fontAlgn="base" hangingPunct="1">
+              <a:spcBef>
+                <a:spcPct val="0"/>
+              </a:spcBef>
+              <a:spcAft>
+                <a:spcPct val="0"/>
+              </a:spcAft>
+              <a:buSzPct val="130000"/>
+              <a:buFont typeface="Arial" panose="020B0604020202020204" pitchFamily="34" charset="0"/>
+              <a:buChar char="•"/>
+              <a:defRPr lang="en-GB" sz="1600" noProof="0" dirty="0" smtClean="0">
+                <a:solidFill>
+                  <a:schemeClr val="tx1"/>
+                </a:solidFill>
+                <a:latin typeface="Calibri Light" panose="020F0302020204030204" pitchFamily="34" charset="0"/>
+                <a:ea typeface="Calibri Light" panose="020F0302020204030204" pitchFamily="34" charset="0"/>
+                <a:cs typeface="Calibri Light" panose="020F0302020204030204" pitchFamily="34" charset="0"/>
+                <a:sym typeface="Lucida Grande" charset="0"/>
+              </a:defRPr>
+            </a:lvl1pPr>
+            <a:lvl2pPr marL="863204" indent="-339329" algn="l" defTabSz="628650" rtl="0" eaLnBrk="1" fontAlgn="base" hangingPunct="1">
+              <a:spcBef>
+                <a:spcPct val="0"/>
+              </a:spcBef>
+              <a:spcAft>
+                <a:spcPct val="0"/>
+              </a:spcAft>
+              <a:buSzPct val="100000"/>
+              <a:buFont typeface="Arial" panose="020B0604020202020204" pitchFamily="34" charset="0"/>
+              <a:buChar char="•"/>
+              <a:defRPr lang="en-GB" sz="1600" noProof="0" dirty="0" smtClean="0">
+                <a:solidFill>
+                  <a:schemeClr val="tx1"/>
+                </a:solidFill>
+                <a:latin typeface="Calibri Light" panose="020F0302020204030204" pitchFamily="34" charset="0"/>
+                <a:ea typeface="Calibri Light" panose="020F0302020204030204" pitchFamily="34" charset="0"/>
+                <a:cs typeface="Calibri Light" panose="020F0302020204030204" pitchFamily="34" charset="0"/>
+                <a:sym typeface="Lucida Grande" charset="0"/>
+              </a:defRPr>
+            </a:lvl2pPr>
+            <a:lvl3pPr marL="1169194" indent="-339329" algn="l" defTabSz="628650" rtl="0" eaLnBrk="1" fontAlgn="base" hangingPunct="1">
+              <a:spcBef>
+                <a:spcPct val="0"/>
+              </a:spcBef>
+              <a:spcAft>
+                <a:spcPct val="0"/>
+              </a:spcAft>
+              <a:buSzPct val="100000"/>
+              <a:buFont typeface="Arial" panose="020B0604020202020204" pitchFamily="34" charset="0"/>
+              <a:buChar char="•"/>
+              <a:defRPr lang="en-GB" sz="1600" noProof="0" dirty="0">
+                <a:solidFill>
+                  <a:schemeClr val="tx1"/>
+                </a:solidFill>
+                <a:latin typeface="Calibri Light" panose="020F0302020204030204" pitchFamily="34" charset="0"/>
+                <a:ea typeface="Calibri Light" panose="020F0302020204030204" pitchFamily="34" charset="0"/>
+                <a:cs typeface="Calibri Light" panose="020F0302020204030204" pitchFamily="34" charset="0"/>
+                <a:sym typeface="Lucida Grande" charset="0"/>
+              </a:defRPr>
+            </a:lvl3pPr>
+            <a:lvl4pPr marL="1473994" indent="-339329" algn="l" defTabSz="628650" rtl="0" eaLnBrk="1" fontAlgn="base" hangingPunct="1">
+              <a:spcBef>
+                <a:spcPct val="0"/>
+              </a:spcBef>
+              <a:spcAft>
+                <a:spcPct val="0"/>
+              </a:spcAft>
+              <a:buSzPct val="171000"/>
+              <a:buFont typeface="Lucida Grande" charset="0"/>
+              <a:buChar char="•"/>
+              <a:defRPr sz="975">
+                <a:solidFill>
+                  <a:schemeClr val="bg1"/>
+                </a:solidFill>
+                <a:latin typeface="+mn-lt"/>
+                <a:ea typeface="+mn-ea"/>
+                <a:cs typeface="+mn-cs"/>
+                <a:sym typeface="Lucida Grande" charset="0"/>
+              </a:defRPr>
+            </a:lvl4pPr>
+            <a:lvl5pPr marL="1779985" indent="-339329" algn="l" defTabSz="628650" rtl="0" eaLnBrk="1" fontAlgn="base" hangingPunct="1">
+              <a:spcBef>
+                <a:spcPct val="0"/>
+              </a:spcBef>
+              <a:spcAft>
+                <a:spcPct val="0"/>
+              </a:spcAft>
+              <a:buSzPct val="171000"/>
+              <a:buFont typeface="Lucida Grande" charset="0"/>
+              <a:buChar char="•"/>
+              <a:defRPr sz="975">
+                <a:solidFill>
+                  <a:schemeClr val="bg1"/>
+                </a:solidFill>
+                <a:latin typeface="+mn-lt"/>
+                <a:ea typeface="+mn-ea"/>
+                <a:cs typeface="+mn-cs"/>
+                <a:sym typeface="Lucida Grande" charset="0"/>
+              </a:defRPr>
+            </a:lvl5pPr>
+            <a:lvl6pPr marL="2122885" indent="-339329" algn="l" defTabSz="628650" rtl="0" eaLnBrk="1" fontAlgn="base" hangingPunct="1">
+              <a:spcBef>
+                <a:spcPct val="0"/>
+              </a:spcBef>
+              <a:spcAft>
+                <a:spcPct val="0"/>
+              </a:spcAft>
+              <a:buSzPct val="171000"/>
+              <a:buFont typeface="Lucida Grande" pitchFamily="-111" charset="0"/>
+              <a:buChar char="•"/>
+              <a:defRPr sz="975">
+                <a:solidFill>
+                  <a:schemeClr val="bg1"/>
+                </a:solidFill>
+                <a:latin typeface="+mn-lt"/>
+                <a:ea typeface="+mn-ea"/>
+                <a:cs typeface="+mn-cs"/>
+                <a:sym typeface="Lucida Grande" pitchFamily="-111" charset="0"/>
+              </a:defRPr>
+            </a:lvl6pPr>
+            <a:lvl7pPr marL="2465785" indent="-339329" algn="l" defTabSz="628650" rtl="0" eaLnBrk="1" fontAlgn="base" hangingPunct="1">
+              <a:spcBef>
+                <a:spcPct val="0"/>
+              </a:spcBef>
+              <a:spcAft>
+                <a:spcPct val="0"/>
+              </a:spcAft>
+              <a:buSzPct val="171000"/>
+              <a:buFont typeface="Lucida Grande" pitchFamily="-111" charset="0"/>
+              <a:buChar char="•"/>
+              <a:defRPr sz="975">
+                <a:solidFill>
+                  <a:schemeClr val="bg1"/>
+                </a:solidFill>
+                <a:latin typeface="+mn-lt"/>
+                <a:ea typeface="+mn-ea"/>
+                <a:cs typeface="+mn-cs"/>
+                <a:sym typeface="Lucida Grande" pitchFamily="-111" charset="0"/>
+              </a:defRPr>
+            </a:lvl7pPr>
+            <a:lvl8pPr marL="2808685" indent="-339329" algn="l" defTabSz="628650" rtl="0" eaLnBrk="1" fontAlgn="base" hangingPunct="1">
+              <a:spcBef>
+                <a:spcPct val="0"/>
+              </a:spcBef>
+              <a:spcAft>
+                <a:spcPct val="0"/>
+              </a:spcAft>
+              <a:buSzPct val="171000"/>
+              <a:buFont typeface="Lucida Grande" pitchFamily="-111" charset="0"/>
+              <a:buChar char="•"/>
+              <a:defRPr sz="975">
+                <a:solidFill>
+                  <a:schemeClr val="bg1"/>
+                </a:solidFill>
+                <a:latin typeface="+mn-lt"/>
+                <a:ea typeface="+mn-ea"/>
+                <a:cs typeface="+mn-cs"/>
+                <a:sym typeface="Lucida Grande" pitchFamily="-111" charset="0"/>
+              </a:defRPr>
+            </a:lvl8pPr>
+            <a:lvl9pPr marL="3151585" indent="-339329" algn="l" defTabSz="628650" rtl="0" eaLnBrk="1" fontAlgn="base" hangingPunct="1">
+              <a:spcBef>
+                <a:spcPct val="0"/>
+              </a:spcBef>
+              <a:spcAft>
+                <a:spcPct val="0"/>
+              </a:spcAft>
+              <a:buSzPct val="171000"/>
+              <a:buFont typeface="Lucida Grande" pitchFamily="-111" charset="0"/>
+              <a:buChar char="•"/>
+              <a:defRPr sz="975">
+                <a:solidFill>
+                  <a:schemeClr val="bg1"/>
+                </a:solidFill>
+                <a:latin typeface="+mn-lt"/>
+                <a:ea typeface="+mn-ea"/>
+                <a:cs typeface="+mn-cs"/>
+                <a:sym typeface="Lucida Grande" pitchFamily="-111" charset="0"/>
+              </a:defRPr>
+            </a:lvl9pPr>
+          </a:lstStyle>
+          <a:p>
+            <a:br>
+              <a:rPr lang="en-US" b="1" kern="0"/>
+            </a:br>
+            <a:endParaRPr lang="en-US" b="1" kern="0"/>
+          </a:p>
+        </p:txBody>
+      </p:sp>
+    </p:spTree>
+    <p:extLst>
+      <p:ext uri="{BB962C8B-B14F-4D97-AF65-F5344CB8AC3E}">
+        <p14:creationId xmlns:p14="http://schemas.microsoft.com/office/powerpoint/2010/main" val="4191762132"/>
+      </p:ext>
+    </p:extLst>
+  </p:cSld>
+  <p:clrMapOvr>
+    <a:masterClrMapping/>
+  </p:clrMapOvr>
+</p:sld>
+</file>
+
+<file path=ppt/slides/slide19.xml><?xml version="1.0" encoding="utf-8"?>
+<p:sld xmlns:a="http://schemas.openxmlformats.org/drawingml/2006/main" xmlns:r="http://schemas.openxmlformats.org/officeDocument/2006/relationships" xmlns:p="http://schemas.openxmlformats.org/presentationml/2006/main">
+  <p:cSld>
+    <p:spTree>
+      <p:nvGrpSpPr>
+        <p:cNvPr id="1" name=""/>
+        <p:cNvGrpSpPr/>
+        <p:nvPr/>
+      </p:nvGrpSpPr>
+      <p:grpSpPr>
+        <a:xfrm>
+          <a:off x="0" y="0"/>
+          <a:ext cx="0" cy="0"/>
+          <a:chOff x="0" y="0"/>
+          <a:chExt cx="0" cy="0"/>
+        </a:xfrm>
+      </p:grpSpPr>
+      <p:sp>
+        <p:nvSpPr>
+          <p:cNvPr id="4" name="Title 3">
+            <a:extLst>
+              <a:ext uri="{FF2B5EF4-FFF2-40B4-BE49-F238E27FC236}">
+                <a16:creationId xmlns:a16="http://schemas.microsoft.com/office/drawing/2014/main" id="{179FA09E-5D6A-74DE-C582-B4D74BA54348}"/>
+              </a:ext>
+            </a:extLst>
+          </p:cNvPr>
+          <p:cNvSpPr>
+            <a:spLocks noGrp="1"/>
+          </p:cNvSpPr>
+          <p:nvPr>
+            <p:ph type="title"/>
+          </p:nvPr>
+        </p:nvSpPr>
+        <p:spPr/>
+        <p:txBody>
+          <a:bodyPr/>
+          <a:lstStyle/>
+          <a:p>
+            <a:r>
+              <a:rPr lang="en-US" dirty="0"/>
+              <a:t>Running experiments – run() function Overview</a:t>
+            </a:r>
+            <a:endParaRPr lang="en-GB" dirty="0"/>
+          </a:p>
+        </p:txBody>
+      </p:sp>
+      <p:sp>
+        <p:nvSpPr>
+          <p:cNvPr id="9" name="Text Placeholder 8">
+            <a:extLst>
+              <a:ext uri="{FF2B5EF4-FFF2-40B4-BE49-F238E27FC236}">
+                <a16:creationId xmlns:a16="http://schemas.microsoft.com/office/drawing/2014/main" id="{0971E3A2-C782-8A8C-4D8F-B0A264A4413A}"/>
+              </a:ext>
+            </a:extLst>
+          </p:cNvPr>
+          <p:cNvSpPr>
+            <a:spLocks noGrp="1"/>
+          </p:cNvSpPr>
+          <p:nvPr>
+            <p:ph type="body" sz="half" idx="2"/>
+          </p:nvPr>
+        </p:nvSpPr>
+        <p:spPr/>
+        <p:txBody>
+          <a:bodyPr/>
+          <a:lstStyle/>
+          <a:p>
+            <a:endParaRPr lang="en-GB" dirty="0"/>
+          </a:p>
+        </p:txBody>
+      </p:sp>
+      <p:sp>
+        <p:nvSpPr>
+          <p:cNvPr id="7" name="Footer Placeholder 6">
+            <a:extLst>
+              <a:ext uri="{FF2B5EF4-FFF2-40B4-BE49-F238E27FC236}">
+                <a16:creationId xmlns:a16="http://schemas.microsoft.com/office/drawing/2014/main" id="{6103CDFC-9C78-B161-2CA0-D3757A032293}"/>
+              </a:ext>
+            </a:extLst>
+          </p:cNvPr>
+          <p:cNvSpPr>
+            <a:spLocks noGrp="1"/>
+          </p:cNvSpPr>
+          <p:nvPr>
+            <p:ph type="ftr" sz="quarter" idx="11"/>
+          </p:nvPr>
+        </p:nvSpPr>
+        <p:spPr/>
+        <p:txBody>
+          <a:bodyPr/>
+          <a:lstStyle/>
+          <a:p>
+            <a:r>
+              <a:rPr lang="it-IT"/>
+              <a:t>Tutorial @ IE2025 | christian.beyer@ovgu.de 24.06.2025</a:t>
+            </a:r>
+            <a:endParaRPr lang="en-GB" dirty="0"/>
+          </a:p>
+        </p:txBody>
+      </p:sp>
+      <p:sp>
+        <p:nvSpPr>
+          <p:cNvPr id="8" name="Slide Number Placeholder 7">
+            <a:extLst>
+              <a:ext uri="{FF2B5EF4-FFF2-40B4-BE49-F238E27FC236}">
+                <a16:creationId xmlns:a16="http://schemas.microsoft.com/office/drawing/2014/main" id="{108998B2-ABF9-888C-F918-A450C13ADB3E}"/>
+              </a:ext>
+            </a:extLst>
+          </p:cNvPr>
+          <p:cNvSpPr>
+            <a:spLocks noGrp="1"/>
+          </p:cNvSpPr>
+          <p:nvPr>
+            <p:ph type="sldNum" sz="quarter" idx="12"/>
+          </p:nvPr>
+        </p:nvSpPr>
+        <p:spPr/>
+        <p:txBody>
+          <a:bodyPr/>
+          <a:lstStyle/>
+          <a:p>
+            <a:fld id="{8E024F8E-A03E-4AAA-A06E-73FE51DB7709}" type="slidenum">
+              <a:rPr lang="en-GB" smtClean="0"/>
+              <a:t>19</a:t>
+            </a:fld>
+            <a:endParaRPr lang="en-GB"/>
+          </a:p>
+        </p:txBody>
+      </p:sp>
+      <p:sp>
+        <p:nvSpPr>
+          <p:cNvPr id="5" name="Text Placeholder 4">
+            <a:extLst>
+              <a:ext uri="{FF2B5EF4-FFF2-40B4-BE49-F238E27FC236}">
+                <a16:creationId xmlns:a16="http://schemas.microsoft.com/office/drawing/2014/main" id="{32EE807A-A4A2-9202-177D-F59D493ACF4E}"/>
+              </a:ext>
+            </a:extLst>
+          </p:cNvPr>
+          <p:cNvSpPr>
+            <a:spLocks noGrp="1"/>
+          </p:cNvSpPr>
+          <p:nvPr>
+            <p:ph type="body" sz="quarter" idx="10"/>
+          </p:nvPr>
+        </p:nvSpPr>
+        <p:spPr>
+          <a:xfrm>
+            <a:off x="606424" y="915566"/>
+            <a:ext cx="6269831" cy="3096344"/>
+          </a:xfrm>
+        </p:spPr>
+        <p:txBody>
+          <a:bodyPr/>
+          <a:lstStyle/>
+          <a:p>
+            <a:br>
+              <a:rPr lang="en-US" b="1" dirty="0"/>
+            </a:br>
+            <a:endParaRPr lang="en-US" b="1" dirty="0"/>
+          </a:p>
+        </p:txBody>
+      </p:sp>
+      <p:pic>
+        <p:nvPicPr>
+          <p:cNvPr id="3" name="Picture 2">
+            <a:extLst>
+              <a:ext uri="{FF2B5EF4-FFF2-40B4-BE49-F238E27FC236}">
+                <a16:creationId xmlns:a16="http://schemas.microsoft.com/office/drawing/2014/main" id="{33E0FEE5-4F52-93C1-D2AC-48A856D6240A}"/>
+              </a:ext>
+            </a:extLst>
+          </p:cNvPr>
+          <p:cNvPicPr>
+            <a:picLocks noChangeAspect="1"/>
+          </p:cNvPicPr>
+          <p:nvPr/>
+        </p:nvPicPr>
+        <p:blipFill>
+          <a:blip r:embed="rId3"/>
+          <a:stretch>
+            <a:fillRect/>
+          </a:stretch>
+        </p:blipFill>
+        <p:spPr>
+          <a:xfrm>
+            <a:off x="755576" y="766446"/>
+            <a:ext cx="3816424" cy="3561995"/>
+          </a:xfrm>
+          <a:prstGeom prst="rect">
+            <a:avLst/>
+          </a:prstGeom>
+        </p:spPr>
+      </p:pic>
+      <p:cxnSp>
+        <p:nvCxnSpPr>
+          <p:cNvPr id="11" name="Straight Arrow Connector 10">
+            <a:extLst>
+              <a:ext uri="{FF2B5EF4-FFF2-40B4-BE49-F238E27FC236}">
+                <a16:creationId xmlns:a16="http://schemas.microsoft.com/office/drawing/2014/main" id="{A168B5E5-11F3-ECE2-54AE-FC80E7597C32}"/>
+              </a:ext>
+            </a:extLst>
+          </p:cNvPr>
+          <p:cNvCxnSpPr>
+            <a:cxnSpLocks/>
+          </p:cNvCxnSpPr>
+          <p:nvPr/>
+        </p:nvCxnSpPr>
+        <p:spPr bwMode="auto">
+          <a:xfrm flipV="1">
+            <a:off x="3275856" y="2715766"/>
+            <a:ext cx="1885596" cy="792088"/>
+          </a:xfrm>
+          <a:prstGeom prst="straightConnector1">
+            <a:avLst/>
+          </a:prstGeom>
+          <a:solidFill>
+            <a:srgbClr val="A33316"/>
+          </a:solidFill>
+          <a:ln w="9525" cap="flat" cmpd="sng" algn="ctr">
+            <a:solidFill>
+              <a:srgbClr val="FF0000"/>
+            </a:solidFill>
+            <a:prstDash val="solid"/>
+            <a:round/>
+            <a:headEnd type="none" w="med" len="med"/>
+            <a:tailEnd type="triangle"/>
+          </a:ln>
+          <a:effectLst/>
+        </p:spPr>
+      </p:cxnSp>
+      <p:sp>
+        <p:nvSpPr>
+          <p:cNvPr id="13" name="TextBox 12">
+            <a:extLst>
+              <a:ext uri="{FF2B5EF4-FFF2-40B4-BE49-F238E27FC236}">
+                <a16:creationId xmlns:a16="http://schemas.microsoft.com/office/drawing/2014/main" id="{1FE5B6AF-B8A3-1B74-76AB-93D1DF7AD4C7}"/>
+              </a:ext>
+            </a:extLst>
+          </p:cNvPr>
+          <p:cNvSpPr txBox="1"/>
+          <p:nvPr/>
+        </p:nvSpPr>
+        <p:spPr>
+          <a:xfrm>
+            <a:off x="5086375" y="2300267"/>
+            <a:ext cx="2057350" cy="584775"/>
+          </a:xfrm>
+          <a:prstGeom prst="rect">
+            <a:avLst/>
+          </a:prstGeom>
+          <a:noFill/>
+        </p:spPr>
+        <p:txBody>
+          <a:bodyPr wrap="square" rtlCol="0">
+            <a:spAutoFit/>
+          </a:bodyPr>
+          <a:lstStyle/>
+          <a:p>
+            <a:r>
+              <a:rPr lang="en-US" sz="1600" dirty="0"/>
+              <a:t>Updates budgeting and feature merits</a:t>
+            </a:r>
+          </a:p>
+        </p:txBody>
+      </p:sp>
+      <p:sp>
+        <p:nvSpPr>
+          <p:cNvPr id="12" name="Text Placeholder 4">
+            <a:extLst>
+              <a:ext uri="{FF2B5EF4-FFF2-40B4-BE49-F238E27FC236}">
+                <a16:creationId xmlns:a16="http://schemas.microsoft.com/office/drawing/2014/main" id="{621F7FFF-5B36-8E7A-8067-391C97AA7393}"/>
+              </a:ext>
+            </a:extLst>
+          </p:cNvPr>
+          <p:cNvSpPr txBox="1">
+            <a:spLocks/>
+          </p:cNvSpPr>
+          <p:nvPr/>
+        </p:nvSpPr>
+        <p:spPr>
+          <a:xfrm>
+            <a:off x="758824" y="1067966"/>
+            <a:ext cx="6269831" cy="3096344"/>
+          </a:xfrm>
+          <a:prstGeom prst="rect">
+            <a:avLst/>
+          </a:prstGeom>
+        </p:spPr>
+        <p:txBody>
+          <a:bodyPr lIns="0"/>
+          <a:lstStyle>
+            <a:lvl1pPr marL="503634" indent="-285750" algn="l" defTabSz="628650" rtl="0" eaLnBrk="1" fontAlgn="base" hangingPunct="1">
+              <a:spcBef>
+                <a:spcPct val="0"/>
+              </a:spcBef>
+              <a:spcAft>
+                <a:spcPct val="0"/>
+              </a:spcAft>
+              <a:buSzPct val="130000"/>
+              <a:buFont typeface="Arial" panose="020B0604020202020204" pitchFamily="34" charset="0"/>
+              <a:buChar char="•"/>
+              <a:defRPr lang="en-GB" sz="1600" noProof="0" dirty="0" smtClean="0">
+                <a:solidFill>
+                  <a:schemeClr val="tx1"/>
+                </a:solidFill>
+                <a:latin typeface="Calibri Light" panose="020F0302020204030204" pitchFamily="34" charset="0"/>
+                <a:ea typeface="Calibri Light" panose="020F0302020204030204" pitchFamily="34" charset="0"/>
+                <a:cs typeface="Calibri Light" panose="020F0302020204030204" pitchFamily="34" charset="0"/>
+                <a:sym typeface="Lucida Grande" charset="0"/>
+              </a:defRPr>
+            </a:lvl1pPr>
+            <a:lvl2pPr marL="863204" indent="-339329" algn="l" defTabSz="628650" rtl="0" eaLnBrk="1" fontAlgn="base" hangingPunct="1">
+              <a:spcBef>
+                <a:spcPct val="0"/>
+              </a:spcBef>
+              <a:spcAft>
+                <a:spcPct val="0"/>
+              </a:spcAft>
+              <a:buSzPct val="100000"/>
+              <a:buFont typeface="Arial" panose="020B0604020202020204" pitchFamily="34" charset="0"/>
+              <a:buChar char="•"/>
+              <a:defRPr lang="en-GB" sz="1600" noProof="0" dirty="0" smtClean="0">
+                <a:solidFill>
+                  <a:schemeClr val="tx1"/>
+                </a:solidFill>
+                <a:latin typeface="Calibri Light" panose="020F0302020204030204" pitchFamily="34" charset="0"/>
+                <a:ea typeface="Calibri Light" panose="020F0302020204030204" pitchFamily="34" charset="0"/>
+                <a:cs typeface="Calibri Light" panose="020F0302020204030204" pitchFamily="34" charset="0"/>
+                <a:sym typeface="Lucida Grande" charset="0"/>
+              </a:defRPr>
+            </a:lvl2pPr>
+            <a:lvl3pPr marL="1169194" indent="-339329" algn="l" defTabSz="628650" rtl="0" eaLnBrk="1" fontAlgn="base" hangingPunct="1">
+              <a:spcBef>
+                <a:spcPct val="0"/>
+              </a:spcBef>
+              <a:spcAft>
+                <a:spcPct val="0"/>
+              </a:spcAft>
+              <a:buSzPct val="100000"/>
+              <a:buFont typeface="Arial" panose="020B0604020202020204" pitchFamily="34" charset="0"/>
+              <a:buChar char="•"/>
+              <a:defRPr lang="en-GB" sz="1600" noProof="0" dirty="0">
+                <a:solidFill>
+                  <a:schemeClr val="tx1"/>
+                </a:solidFill>
+                <a:latin typeface="Calibri Light" panose="020F0302020204030204" pitchFamily="34" charset="0"/>
+                <a:ea typeface="Calibri Light" panose="020F0302020204030204" pitchFamily="34" charset="0"/>
+                <a:cs typeface="Calibri Light" panose="020F0302020204030204" pitchFamily="34" charset="0"/>
+                <a:sym typeface="Lucida Grande" charset="0"/>
+              </a:defRPr>
+            </a:lvl3pPr>
+            <a:lvl4pPr marL="1473994" indent="-339329" algn="l" defTabSz="628650" rtl="0" eaLnBrk="1" fontAlgn="base" hangingPunct="1">
+              <a:spcBef>
+                <a:spcPct val="0"/>
+              </a:spcBef>
+              <a:spcAft>
+                <a:spcPct val="0"/>
+              </a:spcAft>
+              <a:buSzPct val="171000"/>
+              <a:buFont typeface="Lucida Grande" charset="0"/>
+              <a:buChar char="•"/>
+              <a:defRPr sz="975">
+                <a:solidFill>
+                  <a:schemeClr val="bg1"/>
+                </a:solidFill>
+                <a:latin typeface="+mn-lt"/>
+                <a:ea typeface="+mn-ea"/>
+                <a:cs typeface="+mn-cs"/>
+                <a:sym typeface="Lucida Grande" charset="0"/>
+              </a:defRPr>
+            </a:lvl4pPr>
+            <a:lvl5pPr marL="1779985" indent="-339329" algn="l" defTabSz="628650" rtl="0" eaLnBrk="1" fontAlgn="base" hangingPunct="1">
+              <a:spcBef>
+                <a:spcPct val="0"/>
+              </a:spcBef>
+              <a:spcAft>
+                <a:spcPct val="0"/>
+              </a:spcAft>
+              <a:buSzPct val="171000"/>
+              <a:buFont typeface="Lucida Grande" charset="0"/>
+              <a:buChar char="•"/>
+              <a:defRPr sz="975">
+                <a:solidFill>
+                  <a:schemeClr val="bg1"/>
+                </a:solidFill>
+                <a:latin typeface="+mn-lt"/>
+                <a:ea typeface="+mn-ea"/>
+                <a:cs typeface="+mn-cs"/>
+                <a:sym typeface="Lucida Grande" charset="0"/>
+              </a:defRPr>
+            </a:lvl5pPr>
+            <a:lvl6pPr marL="2122885" indent="-339329" algn="l" defTabSz="628650" rtl="0" eaLnBrk="1" fontAlgn="base" hangingPunct="1">
+              <a:spcBef>
+                <a:spcPct val="0"/>
+              </a:spcBef>
+              <a:spcAft>
+                <a:spcPct val="0"/>
+              </a:spcAft>
+              <a:buSzPct val="171000"/>
+              <a:buFont typeface="Lucida Grande" pitchFamily="-111" charset="0"/>
+              <a:buChar char="•"/>
+              <a:defRPr sz="975">
+                <a:solidFill>
+                  <a:schemeClr val="bg1"/>
+                </a:solidFill>
+                <a:latin typeface="+mn-lt"/>
+                <a:ea typeface="+mn-ea"/>
+                <a:cs typeface="+mn-cs"/>
+                <a:sym typeface="Lucida Grande" pitchFamily="-111" charset="0"/>
+              </a:defRPr>
+            </a:lvl6pPr>
+            <a:lvl7pPr marL="2465785" indent="-339329" algn="l" defTabSz="628650" rtl="0" eaLnBrk="1" fontAlgn="base" hangingPunct="1">
+              <a:spcBef>
+                <a:spcPct val="0"/>
+              </a:spcBef>
+              <a:spcAft>
+                <a:spcPct val="0"/>
+              </a:spcAft>
+              <a:buSzPct val="171000"/>
+              <a:buFont typeface="Lucida Grande" pitchFamily="-111" charset="0"/>
+              <a:buChar char="•"/>
+              <a:defRPr sz="975">
+                <a:solidFill>
+                  <a:schemeClr val="bg1"/>
+                </a:solidFill>
+                <a:latin typeface="+mn-lt"/>
+                <a:ea typeface="+mn-ea"/>
+                <a:cs typeface="+mn-cs"/>
+                <a:sym typeface="Lucida Grande" pitchFamily="-111" charset="0"/>
+              </a:defRPr>
+            </a:lvl7pPr>
+            <a:lvl8pPr marL="2808685" indent="-339329" algn="l" defTabSz="628650" rtl="0" eaLnBrk="1" fontAlgn="base" hangingPunct="1">
+              <a:spcBef>
+                <a:spcPct val="0"/>
+              </a:spcBef>
+              <a:spcAft>
+                <a:spcPct val="0"/>
+              </a:spcAft>
+              <a:buSzPct val="171000"/>
+              <a:buFont typeface="Lucida Grande" pitchFamily="-111" charset="0"/>
+              <a:buChar char="•"/>
+              <a:defRPr sz="975">
+                <a:solidFill>
+                  <a:schemeClr val="bg1"/>
+                </a:solidFill>
+                <a:latin typeface="+mn-lt"/>
+                <a:ea typeface="+mn-ea"/>
+                <a:cs typeface="+mn-cs"/>
+                <a:sym typeface="Lucida Grande" pitchFamily="-111" charset="0"/>
+              </a:defRPr>
+            </a:lvl8pPr>
+            <a:lvl9pPr marL="3151585" indent="-339329" algn="l" defTabSz="628650" rtl="0" eaLnBrk="1" fontAlgn="base" hangingPunct="1">
+              <a:spcBef>
+                <a:spcPct val="0"/>
+              </a:spcBef>
+              <a:spcAft>
+                <a:spcPct val="0"/>
+              </a:spcAft>
+              <a:buSzPct val="171000"/>
+              <a:buFont typeface="Lucida Grande" pitchFamily="-111" charset="0"/>
+              <a:buChar char="•"/>
+              <a:defRPr sz="975">
+                <a:solidFill>
+                  <a:schemeClr val="bg1"/>
+                </a:solidFill>
+                <a:latin typeface="+mn-lt"/>
+                <a:ea typeface="+mn-ea"/>
+                <a:cs typeface="+mn-cs"/>
+                <a:sym typeface="Lucida Grande" pitchFamily="-111" charset="0"/>
+              </a:defRPr>
+            </a:lvl9pPr>
+          </a:lstStyle>
+          <a:p>
+            <a:br>
+              <a:rPr lang="en-US" b="1" kern="0"/>
+            </a:br>
+            <a:endParaRPr lang="en-US" b="1" kern="0"/>
+          </a:p>
+        </p:txBody>
+      </p:sp>
+    </p:spTree>
+    <p:extLst>
+      <p:ext uri="{BB962C8B-B14F-4D97-AF65-F5344CB8AC3E}">
+        <p14:creationId xmlns:p14="http://schemas.microsoft.com/office/powerpoint/2010/main" val="987654966"/>
+      </p:ext>
+    </p:extLst>
+  </p:cSld>
+  <p:clrMapOvr>
+    <a:masterClrMapping/>
+  </p:clrMapOvr>
+</p:sld>
+</file>
+
 <file path=ppt/slides/slide2.xml><?xml version="1.0" encoding="utf-8"?>
 <p:sld xmlns:a="http://schemas.openxmlformats.org/drawingml/2006/main" xmlns:r="http://schemas.openxmlformats.org/officeDocument/2006/relationships" xmlns:p="http://schemas.openxmlformats.org/presentationml/2006/main">
   <p:cSld>
@@ -6220,7 +11028,15 @@
           <a:p>
             <a:r>
               <a:rPr lang="en-US" dirty="0"/>
-              <a:t>Open the framework.py and run it </a:t>
+              <a:t>Open the </a:t>
+            </a:r>
+            <a:r>
+              <a:rPr lang="en-US" b="1" dirty="0"/>
+              <a:t>framework.py </a:t>
+            </a:r>
+            <a:r>
+              <a:rPr lang="en-US" dirty="0"/>
+              <a:t>and run it which should give you these plots</a:t>
             </a:r>
             <a:br>
               <a:rPr lang="en-US" b="1" dirty="0"/>
@@ -6251,8 +11067,38 @@
         </p:blipFill>
         <p:spPr>
           <a:xfrm>
-            <a:off x="1115616" y="1203598"/>
+            <a:off x="3310186" y="1278289"/>
             <a:ext cx="4176464" cy="3248361"/>
+          </a:xfrm>
+          <a:prstGeom prst="rect">
+            <a:avLst/>
+          </a:prstGeom>
+        </p:spPr>
+      </p:pic>
+      <p:pic>
+        <p:nvPicPr>
+          <p:cNvPr id="6" name="Picture 5">
+            <a:extLst>
+              <a:ext uri="{FF2B5EF4-FFF2-40B4-BE49-F238E27FC236}">
+                <a16:creationId xmlns:a16="http://schemas.microsoft.com/office/drawing/2014/main" id="{107AFA15-3B25-A5C2-AFE3-B6575658F320}"/>
+              </a:ext>
+            </a:extLst>
+          </p:cNvPr>
+          <p:cNvPicPr>
+            <a:picLocks noChangeAspect="1"/>
+          </p:cNvPicPr>
+          <p:nvPr/>
+        </p:nvPicPr>
+        <p:blipFill>
+          <a:blip r:embed="rId4"/>
+          <a:stretch>
+            <a:fillRect/>
+          </a:stretch>
+        </p:blipFill>
+        <p:spPr>
+          <a:xfrm>
+            <a:off x="1187624" y="1385805"/>
+            <a:ext cx="1924622" cy="2643758"/>
           </a:xfrm>
           <a:prstGeom prst="rect">
             <a:avLst/>
@@ -6263,6 +11109,1160 @@
     <p:extLst>
       <p:ext uri="{BB962C8B-B14F-4D97-AF65-F5344CB8AC3E}">
         <p14:creationId xmlns:p14="http://schemas.microsoft.com/office/powerpoint/2010/main" val="2608516312"/>
+      </p:ext>
+    </p:extLst>
+  </p:cSld>
+  <p:clrMapOvr>
+    <a:masterClrMapping/>
+  </p:clrMapOvr>
+</p:sld>
+</file>
+
+<file path=ppt/slides/slide7.xml><?xml version="1.0" encoding="utf-8"?>
+<p:sld xmlns:a="http://schemas.openxmlformats.org/drawingml/2006/main" xmlns:r="http://schemas.openxmlformats.org/officeDocument/2006/relationships" xmlns:p="http://schemas.openxmlformats.org/presentationml/2006/main">
+  <p:cSld>
+    <p:spTree>
+      <p:nvGrpSpPr>
+        <p:cNvPr id="1" name=""/>
+        <p:cNvGrpSpPr/>
+        <p:nvPr/>
+      </p:nvGrpSpPr>
+      <p:grpSpPr>
+        <a:xfrm>
+          <a:off x="0" y="0"/>
+          <a:ext cx="0" cy="0"/>
+          <a:chOff x="0" y="0"/>
+          <a:chExt cx="0" cy="0"/>
+        </a:xfrm>
+      </p:grpSpPr>
+      <p:sp>
+        <p:nvSpPr>
+          <p:cNvPr id="4" name="Title 3">
+            <a:extLst>
+              <a:ext uri="{FF2B5EF4-FFF2-40B4-BE49-F238E27FC236}">
+                <a16:creationId xmlns:a16="http://schemas.microsoft.com/office/drawing/2014/main" id="{179FA09E-5D6A-74DE-C582-B4D74BA54348}"/>
+              </a:ext>
+            </a:extLst>
+          </p:cNvPr>
+          <p:cNvSpPr>
+            <a:spLocks noGrp="1"/>
+          </p:cNvSpPr>
+          <p:nvPr>
+            <p:ph type="title"/>
+          </p:nvPr>
+        </p:nvSpPr>
+        <p:spPr/>
+        <p:txBody>
+          <a:bodyPr/>
+          <a:lstStyle/>
+          <a:p>
+            <a:r>
+              <a:rPr lang="en-US" dirty="0"/>
+              <a:t>Running experiments – Base Settings</a:t>
+            </a:r>
+            <a:endParaRPr lang="en-GB" dirty="0"/>
+          </a:p>
+        </p:txBody>
+      </p:sp>
+      <p:sp>
+        <p:nvSpPr>
+          <p:cNvPr id="9" name="Text Placeholder 8">
+            <a:extLst>
+              <a:ext uri="{FF2B5EF4-FFF2-40B4-BE49-F238E27FC236}">
+                <a16:creationId xmlns:a16="http://schemas.microsoft.com/office/drawing/2014/main" id="{0971E3A2-C782-8A8C-4D8F-B0A264A4413A}"/>
+              </a:ext>
+            </a:extLst>
+          </p:cNvPr>
+          <p:cNvSpPr>
+            <a:spLocks noGrp="1"/>
+          </p:cNvSpPr>
+          <p:nvPr>
+            <p:ph type="body" sz="half" idx="2"/>
+          </p:nvPr>
+        </p:nvSpPr>
+        <p:spPr/>
+        <p:txBody>
+          <a:bodyPr/>
+          <a:lstStyle/>
+          <a:p>
+            <a:endParaRPr lang="en-GB" dirty="0"/>
+          </a:p>
+        </p:txBody>
+      </p:sp>
+      <p:sp>
+        <p:nvSpPr>
+          <p:cNvPr id="7" name="Footer Placeholder 6">
+            <a:extLst>
+              <a:ext uri="{FF2B5EF4-FFF2-40B4-BE49-F238E27FC236}">
+                <a16:creationId xmlns:a16="http://schemas.microsoft.com/office/drawing/2014/main" id="{6103CDFC-9C78-B161-2CA0-D3757A032293}"/>
+              </a:ext>
+            </a:extLst>
+          </p:cNvPr>
+          <p:cNvSpPr>
+            <a:spLocks noGrp="1"/>
+          </p:cNvSpPr>
+          <p:nvPr>
+            <p:ph type="ftr" sz="quarter" idx="11"/>
+          </p:nvPr>
+        </p:nvSpPr>
+        <p:spPr/>
+        <p:txBody>
+          <a:bodyPr/>
+          <a:lstStyle/>
+          <a:p>
+            <a:r>
+              <a:rPr lang="it-IT"/>
+              <a:t>Tutorial @ IE2025 | christian.beyer@ovgu.de 24.06.2025</a:t>
+            </a:r>
+            <a:endParaRPr lang="en-GB" dirty="0"/>
+          </a:p>
+        </p:txBody>
+      </p:sp>
+      <p:sp>
+        <p:nvSpPr>
+          <p:cNvPr id="8" name="Slide Number Placeholder 7">
+            <a:extLst>
+              <a:ext uri="{FF2B5EF4-FFF2-40B4-BE49-F238E27FC236}">
+                <a16:creationId xmlns:a16="http://schemas.microsoft.com/office/drawing/2014/main" id="{108998B2-ABF9-888C-F918-A450C13ADB3E}"/>
+              </a:ext>
+            </a:extLst>
+          </p:cNvPr>
+          <p:cNvSpPr>
+            <a:spLocks noGrp="1"/>
+          </p:cNvSpPr>
+          <p:nvPr>
+            <p:ph type="sldNum" sz="quarter" idx="12"/>
+          </p:nvPr>
+        </p:nvSpPr>
+        <p:spPr/>
+        <p:txBody>
+          <a:bodyPr/>
+          <a:lstStyle/>
+          <a:p>
+            <a:fld id="{8E024F8E-A03E-4AAA-A06E-73FE51DB7709}" type="slidenum">
+              <a:rPr lang="en-GB" smtClean="0"/>
+              <a:t>7</a:t>
+            </a:fld>
+            <a:endParaRPr lang="en-GB"/>
+          </a:p>
+        </p:txBody>
+      </p:sp>
+      <p:sp>
+        <p:nvSpPr>
+          <p:cNvPr id="5" name="Text Placeholder 4">
+            <a:extLst>
+              <a:ext uri="{FF2B5EF4-FFF2-40B4-BE49-F238E27FC236}">
+                <a16:creationId xmlns:a16="http://schemas.microsoft.com/office/drawing/2014/main" id="{32EE807A-A4A2-9202-177D-F59D493ACF4E}"/>
+              </a:ext>
+            </a:extLst>
+          </p:cNvPr>
+          <p:cNvSpPr>
+            <a:spLocks noGrp="1"/>
+          </p:cNvSpPr>
+          <p:nvPr>
+            <p:ph type="body" sz="quarter" idx="10"/>
+          </p:nvPr>
+        </p:nvSpPr>
+        <p:spPr>
+          <a:xfrm>
+            <a:off x="606424" y="915566"/>
+            <a:ext cx="6269831" cy="3096344"/>
+          </a:xfrm>
+        </p:spPr>
+        <p:txBody>
+          <a:bodyPr/>
+          <a:lstStyle/>
+          <a:p>
+            <a:r>
+              <a:rPr lang="en-US" dirty="0"/>
+              <a:t>Open the </a:t>
+            </a:r>
+            <a:r>
+              <a:rPr lang="en-US" b="1" dirty="0"/>
+              <a:t>framework.py </a:t>
+            </a:r>
+            <a:r>
+              <a:rPr lang="en-US" dirty="0"/>
+              <a:t>and scroll down to the </a:t>
+            </a:r>
+            <a:r>
+              <a:rPr lang="en-US" b="1" dirty="0"/>
+              <a:t>main</a:t>
+            </a:r>
+            <a:r>
+              <a:rPr lang="en-US" dirty="0"/>
+              <a:t> function</a:t>
+            </a:r>
+            <a:br>
+              <a:rPr lang="en-US" dirty="0"/>
+            </a:br>
+            <a:br>
+              <a:rPr lang="en-US" dirty="0"/>
+            </a:br>
+            <a:endParaRPr lang="en-US" dirty="0"/>
+          </a:p>
+          <a:p>
+            <a:r>
+              <a:rPr lang="en-US" dirty="0"/>
+              <a:t>Here you can set the parameters of an experiment</a:t>
+            </a:r>
+            <a:br>
+              <a:rPr lang="en-US" b="1" dirty="0"/>
+            </a:br>
+            <a:endParaRPr lang="en-US" b="1" dirty="0"/>
+          </a:p>
+        </p:txBody>
+      </p:sp>
+      <p:pic>
+        <p:nvPicPr>
+          <p:cNvPr id="10" name="Picture 9">
+            <a:extLst>
+              <a:ext uri="{FF2B5EF4-FFF2-40B4-BE49-F238E27FC236}">
+                <a16:creationId xmlns:a16="http://schemas.microsoft.com/office/drawing/2014/main" id="{B01AA2AB-2F39-F87A-47F9-757225B494A2}"/>
+              </a:ext>
+            </a:extLst>
+          </p:cNvPr>
+          <p:cNvPicPr>
+            <a:picLocks noChangeAspect="1"/>
+          </p:cNvPicPr>
+          <p:nvPr/>
+        </p:nvPicPr>
+        <p:blipFill>
+          <a:blip r:embed="rId3"/>
+          <a:stretch>
+            <a:fillRect/>
+          </a:stretch>
+        </p:blipFill>
+        <p:spPr>
+          <a:xfrm>
+            <a:off x="1043608" y="1229308"/>
+            <a:ext cx="3595756" cy="334330"/>
+          </a:xfrm>
+          <a:prstGeom prst="rect">
+            <a:avLst/>
+          </a:prstGeom>
+        </p:spPr>
+      </p:pic>
+      <p:pic>
+        <p:nvPicPr>
+          <p:cNvPr id="12" name="Picture 11">
+            <a:extLst>
+              <a:ext uri="{FF2B5EF4-FFF2-40B4-BE49-F238E27FC236}">
+                <a16:creationId xmlns:a16="http://schemas.microsoft.com/office/drawing/2014/main" id="{5A511152-3EF8-593A-022C-16AB57B7D296}"/>
+              </a:ext>
+            </a:extLst>
+          </p:cNvPr>
+          <p:cNvPicPr>
+            <a:picLocks noChangeAspect="1"/>
+          </p:cNvPicPr>
+          <p:nvPr/>
+        </p:nvPicPr>
+        <p:blipFill>
+          <a:blip r:embed="rId4"/>
+          <a:stretch>
+            <a:fillRect/>
+          </a:stretch>
+        </p:blipFill>
+        <p:spPr>
+          <a:xfrm>
+            <a:off x="1258227" y="2200206"/>
+            <a:ext cx="3791479" cy="1324160"/>
+          </a:xfrm>
+          <a:prstGeom prst="rect">
+            <a:avLst/>
+          </a:prstGeom>
+        </p:spPr>
+      </p:pic>
+      <p:cxnSp>
+        <p:nvCxnSpPr>
+          <p:cNvPr id="14" name="Straight Arrow Connector 13">
+            <a:extLst>
+              <a:ext uri="{FF2B5EF4-FFF2-40B4-BE49-F238E27FC236}">
+                <a16:creationId xmlns:a16="http://schemas.microsoft.com/office/drawing/2014/main" id="{6AB0DC4D-7386-3EBB-125C-FD77A70AC8B4}"/>
+              </a:ext>
+            </a:extLst>
+          </p:cNvPr>
+          <p:cNvCxnSpPr/>
+          <p:nvPr/>
+        </p:nvCxnSpPr>
+        <p:spPr bwMode="auto">
+          <a:xfrm flipV="1">
+            <a:off x="3444618" y="1933673"/>
+            <a:ext cx="2304256" cy="360040"/>
+          </a:xfrm>
+          <a:prstGeom prst="straightConnector1">
+            <a:avLst/>
+          </a:prstGeom>
+          <a:solidFill>
+            <a:srgbClr val="A33316"/>
+          </a:solidFill>
+          <a:ln w="9525" cap="flat" cmpd="sng" algn="ctr">
+            <a:solidFill>
+              <a:srgbClr val="FF0000"/>
+            </a:solidFill>
+            <a:prstDash val="solid"/>
+            <a:round/>
+            <a:headEnd type="none" w="med" len="med"/>
+            <a:tailEnd type="triangle"/>
+          </a:ln>
+          <a:effectLst/>
+        </p:spPr>
+      </p:cxnSp>
+      <p:cxnSp>
+        <p:nvCxnSpPr>
+          <p:cNvPr id="15" name="Straight Arrow Connector 14">
+            <a:extLst>
+              <a:ext uri="{FF2B5EF4-FFF2-40B4-BE49-F238E27FC236}">
+                <a16:creationId xmlns:a16="http://schemas.microsoft.com/office/drawing/2014/main" id="{91A21251-6B3D-F52B-B480-D7FF445F4C9E}"/>
+              </a:ext>
+            </a:extLst>
+          </p:cNvPr>
+          <p:cNvCxnSpPr>
+            <a:cxnSpLocks/>
+          </p:cNvCxnSpPr>
+          <p:nvPr/>
+        </p:nvCxnSpPr>
+        <p:spPr bwMode="auto">
+          <a:xfrm flipV="1">
+            <a:off x="4274489" y="2454434"/>
+            <a:ext cx="2317998" cy="183301"/>
+          </a:xfrm>
+          <a:prstGeom prst="straightConnector1">
+            <a:avLst/>
+          </a:prstGeom>
+          <a:solidFill>
+            <a:srgbClr val="A33316"/>
+          </a:solidFill>
+          <a:ln w="9525" cap="flat" cmpd="sng" algn="ctr">
+            <a:solidFill>
+              <a:srgbClr val="FF0000"/>
+            </a:solidFill>
+            <a:prstDash val="solid"/>
+            <a:round/>
+            <a:headEnd type="none" w="med" len="med"/>
+            <a:tailEnd type="triangle"/>
+          </a:ln>
+          <a:effectLst/>
+        </p:spPr>
+      </p:cxnSp>
+      <p:cxnSp>
+        <p:nvCxnSpPr>
+          <p:cNvPr id="17" name="Straight Arrow Connector 16">
+            <a:extLst>
+              <a:ext uri="{FF2B5EF4-FFF2-40B4-BE49-F238E27FC236}">
+                <a16:creationId xmlns:a16="http://schemas.microsoft.com/office/drawing/2014/main" id="{AAAECE80-5F98-8D7F-8709-F73D0AA0E2DC}"/>
+              </a:ext>
+            </a:extLst>
+          </p:cNvPr>
+          <p:cNvCxnSpPr>
+            <a:cxnSpLocks/>
+          </p:cNvCxnSpPr>
+          <p:nvPr/>
+        </p:nvCxnSpPr>
+        <p:spPr bwMode="auto">
+          <a:xfrm flipV="1">
+            <a:off x="3397253" y="2901030"/>
+            <a:ext cx="2902939" cy="65844"/>
+          </a:xfrm>
+          <a:prstGeom prst="straightConnector1">
+            <a:avLst/>
+          </a:prstGeom>
+          <a:solidFill>
+            <a:srgbClr val="A33316"/>
+          </a:solidFill>
+          <a:ln w="9525" cap="flat" cmpd="sng" algn="ctr">
+            <a:solidFill>
+              <a:srgbClr val="FF0000"/>
+            </a:solidFill>
+            <a:prstDash val="solid"/>
+            <a:round/>
+            <a:headEnd type="none" w="med" len="med"/>
+            <a:tailEnd type="triangle"/>
+          </a:ln>
+          <a:effectLst/>
+        </p:spPr>
+      </p:cxnSp>
+      <p:cxnSp>
+        <p:nvCxnSpPr>
+          <p:cNvPr id="19" name="Straight Arrow Connector 18">
+            <a:extLst>
+              <a:ext uri="{FF2B5EF4-FFF2-40B4-BE49-F238E27FC236}">
+                <a16:creationId xmlns:a16="http://schemas.microsoft.com/office/drawing/2014/main" id="{BA5B711C-64B9-5FD3-9601-C004F0934A90}"/>
+              </a:ext>
+            </a:extLst>
+          </p:cNvPr>
+          <p:cNvCxnSpPr>
+            <a:cxnSpLocks/>
+          </p:cNvCxnSpPr>
+          <p:nvPr/>
+        </p:nvCxnSpPr>
+        <p:spPr bwMode="auto">
+          <a:xfrm>
+            <a:off x="2745450" y="3400409"/>
+            <a:ext cx="2834662" cy="284678"/>
+          </a:xfrm>
+          <a:prstGeom prst="straightConnector1">
+            <a:avLst/>
+          </a:prstGeom>
+          <a:solidFill>
+            <a:srgbClr val="A33316"/>
+          </a:solidFill>
+          <a:ln w="9525" cap="flat" cmpd="sng" algn="ctr">
+            <a:solidFill>
+              <a:srgbClr val="FF0000"/>
+            </a:solidFill>
+            <a:prstDash val="solid"/>
+            <a:round/>
+            <a:headEnd type="none" w="med" len="med"/>
+            <a:tailEnd type="triangle"/>
+          </a:ln>
+          <a:effectLst/>
+        </p:spPr>
+      </p:cxnSp>
+      <p:sp>
+        <p:nvSpPr>
+          <p:cNvPr id="21" name="TextBox 20">
+            <a:extLst>
+              <a:ext uri="{FF2B5EF4-FFF2-40B4-BE49-F238E27FC236}">
+                <a16:creationId xmlns:a16="http://schemas.microsoft.com/office/drawing/2014/main" id="{AF48A0AE-923B-CDE4-0F33-5AC589828ACA}"/>
+              </a:ext>
+            </a:extLst>
+          </p:cNvPr>
+          <p:cNvSpPr txBox="1"/>
+          <p:nvPr/>
+        </p:nvSpPr>
+        <p:spPr>
+          <a:xfrm>
+            <a:off x="5607803" y="1555143"/>
+            <a:ext cx="2160240" cy="584775"/>
+          </a:xfrm>
+          <a:prstGeom prst="rect">
+            <a:avLst/>
+          </a:prstGeom>
+          <a:noFill/>
+        </p:spPr>
+        <p:txBody>
+          <a:bodyPr wrap="square" rtlCol="0">
+            <a:spAutoFit/>
+          </a:bodyPr>
+          <a:lstStyle/>
+          <a:p>
+            <a:r>
+              <a:rPr lang="en-US" sz="1600" dirty="0"/>
+              <a:t>Maximum number of instances per stream</a:t>
+            </a:r>
+          </a:p>
+        </p:txBody>
+      </p:sp>
+      <p:sp>
+        <p:nvSpPr>
+          <p:cNvPr id="22" name="TextBox 21">
+            <a:extLst>
+              <a:ext uri="{FF2B5EF4-FFF2-40B4-BE49-F238E27FC236}">
+                <a16:creationId xmlns:a16="http://schemas.microsoft.com/office/drawing/2014/main" id="{F7330559-2FF5-56C8-4BC7-AC095C4E7A11}"/>
+              </a:ext>
+            </a:extLst>
+          </p:cNvPr>
+          <p:cNvSpPr txBox="1"/>
+          <p:nvPr/>
+        </p:nvSpPr>
+        <p:spPr>
+          <a:xfrm>
+            <a:off x="6047895" y="2259024"/>
+            <a:ext cx="1837878" cy="338554"/>
+          </a:xfrm>
+          <a:prstGeom prst="rect">
+            <a:avLst/>
+          </a:prstGeom>
+          <a:noFill/>
+        </p:spPr>
+        <p:txBody>
+          <a:bodyPr wrap="square" rtlCol="0">
+            <a:spAutoFit/>
+          </a:bodyPr>
+          <a:lstStyle/>
+          <a:p>
+            <a:r>
+              <a:rPr lang="en-US" sz="1600" dirty="0" err="1"/>
+              <a:t>B_gain</a:t>
+            </a:r>
+            <a:r>
+              <a:rPr lang="en-US" sz="1600" dirty="0"/>
+              <a:t> </a:t>
+            </a:r>
+          </a:p>
+        </p:txBody>
+      </p:sp>
+      <p:sp>
+        <p:nvSpPr>
+          <p:cNvPr id="23" name="TextBox 22">
+            <a:extLst>
+              <a:ext uri="{FF2B5EF4-FFF2-40B4-BE49-F238E27FC236}">
+                <a16:creationId xmlns:a16="http://schemas.microsoft.com/office/drawing/2014/main" id="{04C6728D-92DE-240C-8A92-5A6039ECC4F0}"/>
+              </a:ext>
+            </a:extLst>
+          </p:cNvPr>
+          <p:cNvSpPr txBox="1"/>
+          <p:nvPr/>
+        </p:nvSpPr>
+        <p:spPr>
+          <a:xfrm>
+            <a:off x="6148910" y="2659350"/>
+            <a:ext cx="2160240" cy="584775"/>
+          </a:xfrm>
+          <a:prstGeom prst="rect">
+            <a:avLst/>
+          </a:prstGeom>
+          <a:noFill/>
+        </p:spPr>
+        <p:txBody>
+          <a:bodyPr wrap="square" rtlCol="0">
+            <a:spAutoFit/>
+          </a:bodyPr>
+          <a:lstStyle/>
+          <a:p>
+            <a:r>
+              <a:rPr lang="en-US" sz="1600" dirty="0"/>
+              <a:t>Percentage of missing features (MCAR)</a:t>
+            </a:r>
+          </a:p>
+        </p:txBody>
+      </p:sp>
+      <p:sp>
+        <p:nvSpPr>
+          <p:cNvPr id="24" name="TextBox 23">
+            <a:extLst>
+              <a:ext uri="{FF2B5EF4-FFF2-40B4-BE49-F238E27FC236}">
+                <a16:creationId xmlns:a16="http://schemas.microsoft.com/office/drawing/2014/main" id="{0ED0DC1E-1F64-5E3C-3BB2-51D34F06DE18}"/>
+              </a:ext>
+            </a:extLst>
+          </p:cNvPr>
+          <p:cNvSpPr txBox="1"/>
+          <p:nvPr/>
+        </p:nvSpPr>
+        <p:spPr>
+          <a:xfrm>
+            <a:off x="5263600" y="3521732"/>
+            <a:ext cx="3045550" cy="338554"/>
+          </a:xfrm>
+          <a:prstGeom prst="rect">
+            <a:avLst/>
+          </a:prstGeom>
+          <a:noFill/>
+        </p:spPr>
+        <p:txBody>
+          <a:bodyPr wrap="square" rtlCol="0">
+            <a:spAutoFit/>
+          </a:bodyPr>
+          <a:lstStyle/>
+          <a:p>
+            <a:r>
+              <a:rPr lang="en-US" sz="1600" i="1" dirty="0"/>
+              <a:t>k</a:t>
+            </a:r>
+            <a:r>
+              <a:rPr lang="en-US" sz="1600" dirty="0"/>
+              <a:t> of AFA strategy </a:t>
+            </a:r>
+            <a:r>
+              <a:rPr lang="en-US" sz="1600" dirty="0" err="1"/>
+              <a:t>e.g.</a:t>
+            </a:r>
+            <a:r>
+              <a:rPr lang="en-US" sz="1600" i="1" dirty="0" err="1"/>
+              <a:t>k</a:t>
+            </a:r>
+            <a:r>
+              <a:rPr lang="en-US" sz="1600" dirty="0"/>
+              <a:t>-best</a:t>
+            </a:r>
+          </a:p>
+        </p:txBody>
+      </p:sp>
+    </p:spTree>
+    <p:extLst>
+      <p:ext uri="{BB962C8B-B14F-4D97-AF65-F5344CB8AC3E}">
+        <p14:creationId xmlns:p14="http://schemas.microsoft.com/office/powerpoint/2010/main" val="2717342639"/>
+      </p:ext>
+    </p:extLst>
+  </p:cSld>
+  <p:clrMapOvr>
+    <a:masterClrMapping/>
+  </p:clrMapOvr>
+</p:sld>
+</file>
+
+<file path=ppt/slides/slide8.xml><?xml version="1.0" encoding="utf-8"?>
+<p:sld xmlns:a="http://schemas.openxmlformats.org/drawingml/2006/main" xmlns:r="http://schemas.openxmlformats.org/officeDocument/2006/relationships" xmlns:p="http://schemas.openxmlformats.org/presentationml/2006/main">
+  <p:cSld>
+    <p:spTree>
+      <p:nvGrpSpPr>
+        <p:cNvPr id="1" name=""/>
+        <p:cNvGrpSpPr/>
+        <p:nvPr/>
+      </p:nvGrpSpPr>
+      <p:grpSpPr>
+        <a:xfrm>
+          <a:off x="0" y="0"/>
+          <a:ext cx="0" cy="0"/>
+          <a:chOff x="0" y="0"/>
+          <a:chExt cx="0" cy="0"/>
+        </a:xfrm>
+      </p:grpSpPr>
+      <p:sp>
+        <p:nvSpPr>
+          <p:cNvPr id="4" name="Title 3">
+            <a:extLst>
+              <a:ext uri="{FF2B5EF4-FFF2-40B4-BE49-F238E27FC236}">
+                <a16:creationId xmlns:a16="http://schemas.microsoft.com/office/drawing/2014/main" id="{179FA09E-5D6A-74DE-C582-B4D74BA54348}"/>
+              </a:ext>
+            </a:extLst>
+          </p:cNvPr>
+          <p:cNvSpPr>
+            <a:spLocks noGrp="1"/>
+          </p:cNvSpPr>
+          <p:nvPr>
+            <p:ph type="title"/>
+          </p:nvPr>
+        </p:nvSpPr>
+        <p:spPr/>
+        <p:txBody>
+          <a:bodyPr/>
+          <a:lstStyle/>
+          <a:p>
+            <a:r>
+              <a:rPr lang="en-US" dirty="0"/>
+              <a:t>Running experiments – Datasets</a:t>
+            </a:r>
+            <a:endParaRPr lang="en-GB" dirty="0"/>
+          </a:p>
+        </p:txBody>
+      </p:sp>
+      <p:sp>
+        <p:nvSpPr>
+          <p:cNvPr id="9" name="Text Placeholder 8">
+            <a:extLst>
+              <a:ext uri="{FF2B5EF4-FFF2-40B4-BE49-F238E27FC236}">
+                <a16:creationId xmlns:a16="http://schemas.microsoft.com/office/drawing/2014/main" id="{0971E3A2-C782-8A8C-4D8F-B0A264A4413A}"/>
+              </a:ext>
+            </a:extLst>
+          </p:cNvPr>
+          <p:cNvSpPr>
+            <a:spLocks noGrp="1"/>
+          </p:cNvSpPr>
+          <p:nvPr>
+            <p:ph type="body" sz="half" idx="2"/>
+          </p:nvPr>
+        </p:nvSpPr>
+        <p:spPr/>
+        <p:txBody>
+          <a:bodyPr/>
+          <a:lstStyle/>
+          <a:p>
+            <a:endParaRPr lang="en-GB" dirty="0"/>
+          </a:p>
+        </p:txBody>
+      </p:sp>
+      <p:sp>
+        <p:nvSpPr>
+          <p:cNvPr id="7" name="Footer Placeholder 6">
+            <a:extLst>
+              <a:ext uri="{FF2B5EF4-FFF2-40B4-BE49-F238E27FC236}">
+                <a16:creationId xmlns:a16="http://schemas.microsoft.com/office/drawing/2014/main" id="{6103CDFC-9C78-B161-2CA0-D3757A032293}"/>
+              </a:ext>
+            </a:extLst>
+          </p:cNvPr>
+          <p:cNvSpPr>
+            <a:spLocks noGrp="1"/>
+          </p:cNvSpPr>
+          <p:nvPr>
+            <p:ph type="ftr" sz="quarter" idx="11"/>
+          </p:nvPr>
+        </p:nvSpPr>
+        <p:spPr/>
+        <p:txBody>
+          <a:bodyPr/>
+          <a:lstStyle/>
+          <a:p>
+            <a:r>
+              <a:rPr lang="it-IT"/>
+              <a:t>Tutorial @ IE2025 | christian.beyer@ovgu.de 24.06.2025</a:t>
+            </a:r>
+            <a:endParaRPr lang="en-GB" dirty="0"/>
+          </a:p>
+        </p:txBody>
+      </p:sp>
+      <p:sp>
+        <p:nvSpPr>
+          <p:cNvPr id="8" name="Slide Number Placeholder 7">
+            <a:extLst>
+              <a:ext uri="{FF2B5EF4-FFF2-40B4-BE49-F238E27FC236}">
+                <a16:creationId xmlns:a16="http://schemas.microsoft.com/office/drawing/2014/main" id="{108998B2-ABF9-888C-F918-A450C13ADB3E}"/>
+              </a:ext>
+            </a:extLst>
+          </p:cNvPr>
+          <p:cNvSpPr>
+            <a:spLocks noGrp="1"/>
+          </p:cNvSpPr>
+          <p:nvPr>
+            <p:ph type="sldNum" sz="quarter" idx="12"/>
+          </p:nvPr>
+        </p:nvSpPr>
+        <p:spPr/>
+        <p:txBody>
+          <a:bodyPr/>
+          <a:lstStyle/>
+          <a:p>
+            <a:fld id="{8E024F8E-A03E-4AAA-A06E-73FE51DB7709}" type="slidenum">
+              <a:rPr lang="en-GB" smtClean="0"/>
+              <a:t>8</a:t>
+            </a:fld>
+            <a:endParaRPr lang="en-GB"/>
+          </a:p>
+        </p:txBody>
+      </p:sp>
+      <p:sp>
+        <p:nvSpPr>
+          <p:cNvPr id="5" name="Text Placeholder 4">
+            <a:extLst>
+              <a:ext uri="{FF2B5EF4-FFF2-40B4-BE49-F238E27FC236}">
+                <a16:creationId xmlns:a16="http://schemas.microsoft.com/office/drawing/2014/main" id="{32EE807A-A4A2-9202-177D-F59D493ACF4E}"/>
+              </a:ext>
+            </a:extLst>
+          </p:cNvPr>
+          <p:cNvSpPr>
+            <a:spLocks noGrp="1"/>
+          </p:cNvSpPr>
+          <p:nvPr>
+            <p:ph type="body" sz="quarter" idx="10"/>
+          </p:nvPr>
+        </p:nvSpPr>
+        <p:spPr>
+          <a:xfrm>
+            <a:off x="606424" y="915566"/>
+            <a:ext cx="2957464" cy="3096344"/>
+          </a:xfrm>
+        </p:spPr>
+        <p:txBody>
+          <a:bodyPr/>
+          <a:lstStyle/>
+          <a:p>
+            <a:r>
+              <a:rPr lang="en-US" dirty="0"/>
+              <a:t>If you want to try different standard </a:t>
+            </a:r>
+            <a:r>
+              <a:rPr lang="en-US" dirty="0">
+                <a:hlinkClick r:id="rId3"/>
+              </a:rPr>
+              <a:t>datasets</a:t>
+            </a:r>
+            <a:r>
+              <a:rPr lang="en-US" dirty="0"/>
+              <a:t> from </a:t>
+            </a:r>
+            <a:r>
+              <a:rPr lang="en-US" dirty="0" err="1"/>
+              <a:t>riverml</a:t>
+            </a:r>
+            <a:br>
+              <a:rPr lang="en-US" dirty="0"/>
+            </a:br>
+            <a:r>
+              <a:rPr lang="en-US" dirty="0"/>
+              <a:t>set </a:t>
+            </a:r>
+            <a:r>
+              <a:rPr lang="en-US" b="1" dirty="0"/>
+              <a:t>USE_PANDAS_DF </a:t>
+            </a:r>
+            <a:r>
+              <a:rPr lang="en-US" dirty="0"/>
+              <a:t>to </a:t>
+            </a:r>
+            <a:r>
+              <a:rPr lang="en-US" b="1" dirty="0"/>
+              <a:t>False </a:t>
+            </a:r>
+            <a:r>
+              <a:rPr lang="en-US" dirty="0"/>
+              <a:t>and change the </a:t>
+            </a:r>
+            <a:r>
+              <a:rPr lang="en-US" b="1" dirty="0"/>
+              <a:t>TARGET </a:t>
+            </a:r>
+            <a:r>
+              <a:rPr lang="en-US" dirty="0"/>
+              <a:t>variable</a:t>
+            </a:r>
+            <a:br>
+              <a:rPr lang="en-US" dirty="0"/>
+            </a:br>
+            <a:r>
+              <a:rPr lang="en-US" dirty="0"/>
+              <a:t>according to your dataset (e.g. Elec2)</a:t>
+            </a:r>
+          </a:p>
+          <a:p>
+            <a:r>
+              <a:rPr lang="en-US" dirty="0"/>
+              <a:t>Otherwise leave it on </a:t>
+            </a:r>
+            <a:r>
+              <a:rPr lang="en-US" b="1" dirty="0"/>
+              <a:t>True</a:t>
+            </a:r>
+            <a:r>
+              <a:rPr lang="en-US" dirty="0"/>
+              <a:t> and change the path to your </a:t>
+            </a:r>
+            <a:r>
+              <a:rPr lang="en-US" b="1" dirty="0"/>
+              <a:t>CSV</a:t>
+            </a:r>
+            <a:r>
+              <a:rPr lang="en-US" dirty="0"/>
+              <a:t> and adjust the </a:t>
+            </a:r>
+            <a:r>
+              <a:rPr lang="en-US" b="1" dirty="0"/>
+              <a:t>TARGET</a:t>
+            </a:r>
+            <a:br>
+              <a:rPr lang="en-US" dirty="0"/>
+            </a:br>
+            <a:br>
+              <a:rPr lang="en-US" dirty="0"/>
+            </a:br>
+            <a:br>
+              <a:rPr lang="en-US" dirty="0"/>
+            </a:br>
+            <a:br>
+              <a:rPr lang="en-US" dirty="0"/>
+            </a:br>
+            <a:br>
+              <a:rPr lang="en-US" dirty="0"/>
+            </a:br>
+            <a:br>
+              <a:rPr lang="en-US" dirty="0"/>
+            </a:br>
+            <a:br>
+              <a:rPr lang="en-US" b="1" dirty="0"/>
+            </a:br>
+            <a:endParaRPr lang="en-US" b="1" dirty="0"/>
+          </a:p>
+        </p:txBody>
+      </p:sp>
+      <p:pic>
+        <p:nvPicPr>
+          <p:cNvPr id="12" name="Picture 11">
+            <a:extLst>
+              <a:ext uri="{FF2B5EF4-FFF2-40B4-BE49-F238E27FC236}">
+                <a16:creationId xmlns:a16="http://schemas.microsoft.com/office/drawing/2014/main" id="{C6494D2C-990C-F958-F5C0-D533E97BB3C5}"/>
+              </a:ext>
+            </a:extLst>
+          </p:cNvPr>
+          <p:cNvPicPr>
+            <a:picLocks noChangeAspect="1"/>
+          </p:cNvPicPr>
+          <p:nvPr/>
+        </p:nvPicPr>
+        <p:blipFill>
+          <a:blip r:embed="rId4"/>
+          <a:stretch>
+            <a:fillRect/>
+          </a:stretch>
+        </p:blipFill>
+        <p:spPr>
+          <a:xfrm>
+            <a:off x="3574740" y="961839"/>
+            <a:ext cx="4252609" cy="3003798"/>
+          </a:xfrm>
+          <a:prstGeom prst="rect">
+            <a:avLst/>
+          </a:prstGeom>
+        </p:spPr>
+      </p:pic>
+    </p:spTree>
+    <p:extLst>
+      <p:ext uri="{BB962C8B-B14F-4D97-AF65-F5344CB8AC3E}">
+        <p14:creationId xmlns:p14="http://schemas.microsoft.com/office/powerpoint/2010/main" val="4283668591"/>
+      </p:ext>
+    </p:extLst>
+  </p:cSld>
+  <p:clrMapOvr>
+    <a:masterClrMapping/>
+  </p:clrMapOvr>
+</p:sld>
+</file>
+
+<file path=ppt/slides/slide9.xml><?xml version="1.0" encoding="utf-8"?>
+<p:sld xmlns:a="http://schemas.openxmlformats.org/drawingml/2006/main" xmlns:r="http://schemas.openxmlformats.org/officeDocument/2006/relationships" xmlns:p="http://schemas.openxmlformats.org/presentationml/2006/main">
+  <p:cSld>
+    <p:spTree>
+      <p:nvGrpSpPr>
+        <p:cNvPr id="1" name=""/>
+        <p:cNvGrpSpPr/>
+        <p:nvPr/>
+      </p:nvGrpSpPr>
+      <p:grpSpPr>
+        <a:xfrm>
+          <a:off x="0" y="0"/>
+          <a:ext cx="0" cy="0"/>
+          <a:chOff x="0" y="0"/>
+          <a:chExt cx="0" cy="0"/>
+        </a:xfrm>
+      </p:grpSpPr>
+      <p:sp>
+        <p:nvSpPr>
+          <p:cNvPr id="4" name="Title 3">
+            <a:extLst>
+              <a:ext uri="{FF2B5EF4-FFF2-40B4-BE49-F238E27FC236}">
+                <a16:creationId xmlns:a16="http://schemas.microsoft.com/office/drawing/2014/main" id="{179FA09E-5D6A-74DE-C582-B4D74BA54348}"/>
+              </a:ext>
+            </a:extLst>
+          </p:cNvPr>
+          <p:cNvSpPr>
+            <a:spLocks noGrp="1"/>
+          </p:cNvSpPr>
+          <p:nvPr>
+            <p:ph type="title"/>
+          </p:nvPr>
+        </p:nvSpPr>
+        <p:spPr/>
+        <p:txBody>
+          <a:bodyPr/>
+          <a:lstStyle/>
+          <a:p>
+            <a:r>
+              <a:rPr lang="en-US" dirty="0"/>
+              <a:t>Running experiments – Classifiers</a:t>
+            </a:r>
+            <a:endParaRPr lang="en-GB" dirty="0"/>
+          </a:p>
+        </p:txBody>
+      </p:sp>
+      <p:sp>
+        <p:nvSpPr>
+          <p:cNvPr id="9" name="Text Placeholder 8">
+            <a:extLst>
+              <a:ext uri="{FF2B5EF4-FFF2-40B4-BE49-F238E27FC236}">
+                <a16:creationId xmlns:a16="http://schemas.microsoft.com/office/drawing/2014/main" id="{0971E3A2-C782-8A8C-4D8F-B0A264A4413A}"/>
+              </a:ext>
+            </a:extLst>
+          </p:cNvPr>
+          <p:cNvSpPr>
+            <a:spLocks noGrp="1"/>
+          </p:cNvSpPr>
+          <p:nvPr>
+            <p:ph type="body" sz="half" idx="2"/>
+          </p:nvPr>
+        </p:nvSpPr>
+        <p:spPr/>
+        <p:txBody>
+          <a:bodyPr/>
+          <a:lstStyle/>
+          <a:p>
+            <a:endParaRPr lang="en-GB" dirty="0"/>
+          </a:p>
+        </p:txBody>
+      </p:sp>
+      <p:sp>
+        <p:nvSpPr>
+          <p:cNvPr id="7" name="Footer Placeholder 6">
+            <a:extLst>
+              <a:ext uri="{FF2B5EF4-FFF2-40B4-BE49-F238E27FC236}">
+                <a16:creationId xmlns:a16="http://schemas.microsoft.com/office/drawing/2014/main" id="{6103CDFC-9C78-B161-2CA0-D3757A032293}"/>
+              </a:ext>
+            </a:extLst>
+          </p:cNvPr>
+          <p:cNvSpPr>
+            <a:spLocks noGrp="1"/>
+          </p:cNvSpPr>
+          <p:nvPr>
+            <p:ph type="ftr" sz="quarter" idx="11"/>
+          </p:nvPr>
+        </p:nvSpPr>
+        <p:spPr/>
+        <p:txBody>
+          <a:bodyPr/>
+          <a:lstStyle/>
+          <a:p>
+            <a:r>
+              <a:rPr lang="it-IT"/>
+              <a:t>Tutorial @ IE2025 | christian.beyer@ovgu.de 24.06.2025</a:t>
+            </a:r>
+            <a:endParaRPr lang="en-GB" dirty="0"/>
+          </a:p>
+        </p:txBody>
+      </p:sp>
+      <p:sp>
+        <p:nvSpPr>
+          <p:cNvPr id="8" name="Slide Number Placeholder 7">
+            <a:extLst>
+              <a:ext uri="{FF2B5EF4-FFF2-40B4-BE49-F238E27FC236}">
+                <a16:creationId xmlns:a16="http://schemas.microsoft.com/office/drawing/2014/main" id="{108998B2-ABF9-888C-F918-A450C13ADB3E}"/>
+              </a:ext>
+            </a:extLst>
+          </p:cNvPr>
+          <p:cNvSpPr>
+            <a:spLocks noGrp="1"/>
+          </p:cNvSpPr>
+          <p:nvPr>
+            <p:ph type="sldNum" sz="quarter" idx="12"/>
+          </p:nvPr>
+        </p:nvSpPr>
+        <p:spPr/>
+        <p:txBody>
+          <a:bodyPr/>
+          <a:lstStyle/>
+          <a:p>
+            <a:fld id="{8E024F8E-A03E-4AAA-A06E-73FE51DB7709}" type="slidenum">
+              <a:rPr lang="en-GB" smtClean="0"/>
+              <a:t>9</a:t>
+            </a:fld>
+            <a:endParaRPr lang="en-GB"/>
+          </a:p>
+        </p:txBody>
+      </p:sp>
+      <p:sp>
+        <p:nvSpPr>
+          <p:cNvPr id="5" name="Text Placeholder 4">
+            <a:extLst>
+              <a:ext uri="{FF2B5EF4-FFF2-40B4-BE49-F238E27FC236}">
+                <a16:creationId xmlns:a16="http://schemas.microsoft.com/office/drawing/2014/main" id="{32EE807A-A4A2-9202-177D-F59D493ACF4E}"/>
+              </a:ext>
+            </a:extLst>
+          </p:cNvPr>
+          <p:cNvSpPr>
+            <a:spLocks noGrp="1"/>
+          </p:cNvSpPr>
+          <p:nvPr>
+            <p:ph type="body" sz="quarter" idx="10"/>
+          </p:nvPr>
+        </p:nvSpPr>
+        <p:spPr>
+          <a:xfrm>
+            <a:off x="606424" y="915566"/>
+            <a:ext cx="6557864" cy="3096344"/>
+          </a:xfrm>
+        </p:spPr>
+        <p:txBody>
+          <a:bodyPr/>
+          <a:lstStyle/>
+          <a:p>
+            <a:r>
+              <a:rPr lang="en-US" dirty="0"/>
+              <a:t>Try different classifiers you can also add more from </a:t>
+            </a:r>
+            <a:r>
+              <a:rPr lang="en-US" dirty="0" err="1">
+                <a:hlinkClick r:id="rId3"/>
+              </a:rPr>
+              <a:t>riverml</a:t>
+            </a:r>
+            <a:r>
+              <a:rPr lang="en-US" dirty="0">
+                <a:hlinkClick r:id="rId3"/>
+              </a:rPr>
+              <a:t> </a:t>
+            </a:r>
+            <a:br>
+              <a:rPr lang="en-US" dirty="0"/>
+            </a:br>
+            <a:r>
+              <a:rPr lang="en-US" dirty="0"/>
+              <a:t>(tree, forest, </a:t>
+            </a:r>
+            <a:r>
+              <a:rPr lang="en-US" dirty="0" err="1"/>
+              <a:t>linear_model</a:t>
+            </a:r>
+            <a:r>
+              <a:rPr lang="en-US" dirty="0"/>
+              <a:t>, ensemble, </a:t>
+            </a:r>
+            <a:r>
+              <a:rPr lang="en-US" dirty="0" err="1"/>
+              <a:t>naïve_bayes</a:t>
+            </a:r>
+            <a:r>
+              <a:rPr lang="en-US" dirty="0"/>
+              <a:t>, </a:t>
+            </a:r>
+            <a:r>
+              <a:rPr lang="en-US" dirty="0" err="1"/>
+              <a:t>neighbours</a:t>
+            </a:r>
+            <a:r>
+              <a:rPr lang="en-US" dirty="0"/>
+              <a:t>…)</a:t>
+            </a:r>
+          </a:p>
+          <a:p>
+            <a:r>
+              <a:rPr lang="en-US" dirty="0"/>
+              <a:t>Remove # of classifier of choice and add # to rest unless already there</a:t>
+            </a:r>
+            <a:br>
+              <a:rPr lang="en-US" dirty="0"/>
+            </a:br>
+            <a:r>
+              <a:rPr lang="en-US" dirty="0"/>
+              <a:t>e.g. use the </a:t>
+            </a:r>
+            <a:r>
+              <a:rPr lang="en-US" dirty="0" err="1"/>
+              <a:t>ExtremelyFastDecisionTreeClassifier</a:t>
+            </a:r>
+            <a:br>
+              <a:rPr lang="en-US" dirty="0"/>
+            </a:br>
+            <a:br>
+              <a:rPr lang="en-US" dirty="0"/>
+            </a:br>
+            <a:br>
+              <a:rPr lang="en-US" b="1" dirty="0"/>
+            </a:br>
+            <a:endParaRPr lang="en-US" b="1" dirty="0"/>
+          </a:p>
+        </p:txBody>
+      </p:sp>
+      <p:pic>
+        <p:nvPicPr>
+          <p:cNvPr id="3" name="Picture 2">
+            <a:extLst>
+              <a:ext uri="{FF2B5EF4-FFF2-40B4-BE49-F238E27FC236}">
+                <a16:creationId xmlns:a16="http://schemas.microsoft.com/office/drawing/2014/main" id="{96707E9C-A718-BBCF-1E90-BA8412E4C3BB}"/>
+              </a:ext>
+            </a:extLst>
+          </p:cNvPr>
+          <p:cNvPicPr>
+            <a:picLocks noChangeAspect="1"/>
+          </p:cNvPicPr>
+          <p:nvPr/>
+        </p:nvPicPr>
+        <p:blipFill>
+          <a:blip r:embed="rId4"/>
+          <a:stretch>
+            <a:fillRect/>
+          </a:stretch>
+        </p:blipFill>
+        <p:spPr>
+          <a:xfrm>
+            <a:off x="467544" y="2139702"/>
+            <a:ext cx="7488832" cy="1511907"/>
+          </a:xfrm>
+          <a:prstGeom prst="rect">
+            <a:avLst/>
+          </a:prstGeom>
+        </p:spPr>
+      </p:pic>
+    </p:spTree>
+    <p:extLst>
+      <p:ext uri="{BB962C8B-B14F-4D97-AF65-F5344CB8AC3E}">
+        <p14:creationId xmlns:p14="http://schemas.microsoft.com/office/powerpoint/2010/main" val="1466187321"/>
       </p:ext>
     </p:extLst>
   </p:cSld>

--- a/Framework 101.pptx
+++ b/Framework 101.pptx
@@ -5,10 +5,10 @@
     <p:sldMasterId id="2147483649" r:id="rId1"/>
   </p:sldMasterIdLst>
   <p:notesMasterIdLst>
-    <p:notesMasterId r:id="rId21"/>
+    <p:notesMasterId r:id="rId22"/>
   </p:notesMasterIdLst>
   <p:handoutMasterIdLst>
-    <p:handoutMasterId r:id="rId22"/>
+    <p:handoutMasterId r:id="rId23"/>
   </p:handoutMasterIdLst>
   <p:sldIdLst>
     <p:sldId id="306" r:id="rId2"/>
@@ -30,6 +30,7 @@
     <p:sldId id="496" r:id="rId18"/>
     <p:sldId id="497" r:id="rId19"/>
     <p:sldId id="498" r:id="rId20"/>
+    <p:sldId id="499" r:id="rId21"/>
   </p:sldIdLst>
   <p:sldSz cx="9144000" cy="5143500" type="screen16x9"/>
   <p:notesSz cx="6858000" cy="9144000"/>
@@ -324,7 +325,7 @@
               <a:rPr lang="de-DE" smtClean="0">
                 <a:latin typeface="Lucida Sans Unicode"/>
               </a:rPr>
-              <a:t>23.06.2025</a:t>
+              <a:t>24.06.2025</a:t>
             </a:fld>
             <a:endParaRPr lang="de-DE" dirty="0">
               <a:latin typeface="Lucida Sans Unicode"/>
@@ -588,7 +589,7 @@
             </a:pPr>
             <a:fld id="{2F59AAE5-71D4-4D2D-AA93-2AED312A4F4C}" type="datetime1">
               <a:rPr lang="de-DE" smtClean="0"/>
-              <a:t>23.06.2025</a:t>
+              <a:t>24.06.2025</a:t>
             </a:fld>
             <a:endParaRPr lang="de-DE" dirty="0"/>
           </a:p>
@@ -1274,7 +1275,7 @@
             </a:pPr>
             <a:fld id="{5A2D5B61-4E9A-4C3A-AB78-43035C56D473}" type="datetime1">
               <a:rPr lang="de-DE" smtClean="0"/>
-              <a:t>23.06.2025</a:t>
+              <a:t>24.06.2025</a:t>
             </a:fld>
             <a:endParaRPr lang="de-DE" dirty="0"/>
           </a:p>
@@ -1394,7 +1395,7 @@
             </a:pPr>
             <a:fld id="{23A26369-59F1-436C-8073-8CC95A6D8A0C}" type="datetime1">
               <a:rPr lang="de-DE" smtClean="0"/>
-              <a:t>23.06.2025</a:t>
+              <a:t>24.06.2025</a:t>
             </a:fld>
             <a:endParaRPr lang="de-DE" dirty="0"/>
           </a:p>
@@ -1514,7 +1515,7 @@
             </a:pPr>
             <a:fld id="{23A26369-59F1-436C-8073-8CC95A6D8A0C}" type="datetime1">
               <a:rPr lang="de-DE" smtClean="0"/>
-              <a:t>23.06.2025</a:t>
+              <a:t>24.06.2025</a:t>
             </a:fld>
             <a:endParaRPr lang="de-DE" dirty="0"/>
           </a:p>
@@ -1634,7 +1635,7 @@
             </a:pPr>
             <a:fld id="{23A26369-59F1-436C-8073-8CC95A6D8A0C}" type="datetime1">
               <a:rPr lang="de-DE" smtClean="0"/>
-              <a:t>23.06.2025</a:t>
+              <a:t>24.06.2025</a:t>
             </a:fld>
             <a:endParaRPr lang="de-DE" dirty="0"/>
           </a:p>
@@ -1754,7 +1755,7 @@
             </a:pPr>
             <a:fld id="{23A26369-59F1-436C-8073-8CC95A6D8A0C}" type="datetime1">
               <a:rPr lang="de-DE" smtClean="0"/>
-              <a:t>23.06.2025</a:t>
+              <a:t>24.06.2025</a:t>
             </a:fld>
             <a:endParaRPr lang="de-DE" dirty="0"/>
           </a:p>
@@ -1874,7 +1875,7 @@
             </a:pPr>
             <a:fld id="{23A26369-59F1-436C-8073-8CC95A6D8A0C}" type="datetime1">
               <a:rPr lang="de-DE" smtClean="0"/>
-              <a:t>23.06.2025</a:t>
+              <a:t>24.06.2025</a:t>
             </a:fld>
             <a:endParaRPr lang="de-DE" dirty="0"/>
           </a:p>
@@ -1994,7 +1995,7 @@
             </a:pPr>
             <a:fld id="{23A26369-59F1-436C-8073-8CC95A6D8A0C}" type="datetime1">
               <a:rPr lang="de-DE" smtClean="0"/>
-              <a:t>23.06.2025</a:t>
+              <a:t>24.06.2025</a:t>
             </a:fld>
             <a:endParaRPr lang="de-DE" dirty="0"/>
           </a:p>
@@ -2114,7 +2115,7 @@
             </a:pPr>
             <a:fld id="{23A26369-59F1-436C-8073-8CC95A6D8A0C}" type="datetime1">
               <a:rPr lang="de-DE" smtClean="0"/>
-              <a:t>23.06.2025</a:t>
+              <a:t>24.06.2025</a:t>
             </a:fld>
             <a:endParaRPr lang="de-DE" dirty="0"/>
           </a:p>
@@ -2234,7 +2235,7 @@
             </a:pPr>
             <a:fld id="{23A26369-59F1-436C-8073-8CC95A6D8A0C}" type="datetime1">
               <a:rPr lang="de-DE" smtClean="0"/>
-              <a:t>23.06.2025</a:t>
+              <a:t>24.06.2025</a:t>
             </a:fld>
             <a:endParaRPr lang="de-DE" dirty="0"/>
           </a:p>
@@ -2354,7 +2355,7 @@
             </a:pPr>
             <a:fld id="{23A26369-59F1-436C-8073-8CC95A6D8A0C}" type="datetime1">
               <a:rPr lang="de-DE" smtClean="0"/>
-              <a:t>23.06.2025</a:t>
+              <a:t>24.06.2025</a:t>
             </a:fld>
             <a:endParaRPr lang="de-DE" dirty="0"/>
           </a:p>
@@ -2393,6 +2394,126 @@
     <p:extLst>
       <p:ext uri="{BB962C8B-B14F-4D97-AF65-F5344CB8AC3E}">
         <p14:creationId xmlns:p14="http://schemas.microsoft.com/office/powerpoint/2010/main" val="4070270374"/>
+      </p:ext>
+    </p:extLst>
+  </p:cSld>
+  <p:clrMapOvr>
+    <a:masterClrMapping/>
+  </p:clrMapOvr>
+</p:notes>
+</file>
+
+<file path=ppt/notesSlides/notesSlide19.xml><?xml version="1.0" encoding="utf-8"?>
+<p:notes xmlns:a="http://schemas.openxmlformats.org/drawingml/2006/main" xmlns:r="http://schemas.openxmlformats.org/officeDocument/2006/relationships" xmlns:p="http://schemas.openxmlformats.org/presentationml/2006/main">
+  <p:cSld>
+    <p:spTree>
+      <p:nvGrpSpPr>
+        <p:cNvPr id="1" name=""/>
+        <p:cNvGrpSpPr/>
+        <p:nvPr/>
+      </p:nvGrpSpPr>
+      <p:grpSpPr>
+        <a:xfrm>
+          <a:off x="0" y="0"/>
+          <a:ext cx="0" cy="0"/>
+          <a:chOff x="0" y="0"/>
+          <a:chExt cx="0" cy="0"/>
+        </a:xfrm>
+      </p:grpSpPr>
+      <p:sp>
+        <p:nvSpPr>
+          <p:cNvPr id="2" name="Folienbildplatzhalter 1"/>
+          <p:cNvSpPr>
+            <a:spLocks noGrp="1" noRot="1" noChangeAspect="1"/>
+          </p:cNvSpPr>
+          <p:nvPr>
+            <p:ph type="sldImg"/>
+          </p:nvPr>
+        </p:nvSpPr>
+        <p:spPr/>
+      </p:sp>
+      <p:sp>
+        <p:nvSpPr>
+          <p:cNvPr id="3" name="Notizenplatzhalter 2"/>
+          <p:cNvSpPr>
+            <a:spLocks noGrp="1"/>
+          </p:cNvSpPr>
+          <p:nvPr>
+            <p:ph type="body" idx="1"/>
+          </p:nvPr>
+        </p:nvSpPr>
+        <p:spPr/>
+        <p:txBody>
+          <a:bodyPr/>
+          <a:lstStyle/>
+          <a:p>
+            <a:r>
+              <a:rPr lang="en-US" dirty="0"/>
+              <a:t>Maybe explain active learning briefly</a:t>
+            </a:r>
+            <a:endParaRPr lang="de-DE" dirty="0"/>
+          </a:p>
+        </p:txBody>
+      </p:sp>
+      <p:sp>
+        <p:nvSpPr>
+          <p:cNvPr id="4" name="Datumsplatzhalter 3"/>
+          <p:cNvSpPr>
+            <a:spLocks noGrp="1"/>
+          </p:cNvSpPr>
+          <p:nvPr>
+            <p:ph type="dt" idx="1"/>
+          </p:nvPr>
+        </p:nvSpPr>
+        <p:spPr/>
+        <p:txBody>
+          <a:bodyPr/>
+          <a:lstStyle/>
+          <a:p>
+            <a:pPr>
+              <a:defRPr/>
+            </a:pPr>
+            <a:fld id="{23A26369-59F1-436C-8073-8CC95A6D8A0C}" type="datetime1">
+              <a:rPr lang="de-DE" smtClean="0"/>
+              <a:t>24.06.2025</a:t>
+            </a:fld>
+            <a:endParaRPr lang="de-DE" dirty="0"/>
+          </a:p>
+        </p:txBody>
+      </p:sp>
+      <p:sp>
+        <p:nvSpPr>
+          <p:cNvPr id="5" name="Foliennummernplatzhalter 4"/>
+          <p:cNvSpPr>
+            <a:spLocks noGrp="1"/>
+          </p:cNvSpPr>
+          <p:nvPr>
+            <p:ph type="sldNum" sz="quarter" idx="5"/>
+          </p:nvPr>
+        </p:nvSpPr>
+        <p:spPr/>
+        <p:txBody>
+          <a:bodyPr/>
+          <a:lstStyle/>
+          <a:p>
+            <a:pPr>
+              <a:defRPr/>
+            </a:pPr>
+            <a:fld id="{1184DDCB-7D1B-CB4F-980B-B02904018ECE}" type="slidenum">
+              <a:rPr lang="de-DE" smtClean="0"/>
+              <a:pPr>
+                <a:defRPr/>
+              </a:pPr>
+              <a:t>20</a:t>
+            </a:fld>
+            <a:endParaRPr lang="de-DE" dirty="0"/>
+          </a:p>
+        </p:txBody>
+      </p:sp>
+    </p:spTree>
+    <p:extLst>
+      <p:ext uri="{BB962C8B-B14F-4D97-AF65-F5344CB8AC3E}">
+        <p14:creationId xmlns:p14="http://schemas.microsoft.com/office/powerpoint/2010/main" val="3288689456"/>
       </p:ext>
     </p:extLst>
   </p:cSld>
@@ -2474,7 +2595,7 @@
             </a:pPr>
             <a:fld id="{23A26369-59F1-436C-8073-8CC95A6D8A0C}" type="datetime1">
               <a:rPr lang="de-DE" smtClean="0"/>
-              <a:t>23.06.2025</a:t>
+              <a:t>24.06.2025</a:t>
             </a:fld>
             <a:endParaRPr lang="de-DE" dirty="0"/>
           </a:p>
@@ -2594,7 +2715,7 @@
             </a:pPr>
             <a:fld id="{23A26369-59F1-436C-8073-8CC95A6D8A0C}" type="datetime1">
               <a:rPr lang="de-DE" smtClean="0"/>
-              <a:t>23.06.2025</a:t>
+              <a:t>24.06.2025</a:t>
             </a:fld>
             <a:endParaRPr lang="de-DE" dirty="0"/>
           </a:p>
@@ -2714,7 +2835,7 @@
             </a:pPr>
             <a:fld id="{23A26369-59F1-436C-8073-8CC95A6D8A0C}" type="datetime1">
               <a:rPr lang="de-DE" smtClean="0"/>
-              <a:t>23.06.2025</a:t>
+              <a:t>24.06.2025</a:t>
             </a:fld>
             <a:endParaRPr lang="de-DE" dirty="0"/>
           </a:p>
@@ -2834,7 +2955,7 @@
             </a:pPr>
             <a:fld id="{23A26369-59F1-436C-8073-8CC95A6D8A0C}" type="datetime1">
               <a:rPr lang="de-DE" smtClean="0"/>
-              <a:t>23.06.2025</a:t>
+              <a:t>24.06.2025</a:t>
             </a:fld>
             <a:endParaRPr lang="de-DE" dirty="0"/>
           </a:p>
@@ -2954,7 +3075,7 @@
             </a:pPr>
             <a:fld id="{23A26369-59F1-436C-8073-8CC95A6D8A0C}" type="datetime1">
               <a:rPr lang="de-DE" smtClean="0"/>
-              <a:t>23.06.2025</a:t>
+              <a:t>24.06.2025</a:t>
             </a:fld>
             <a:endParaRPr lang="de-DE" dirty="0"/>
           </a:p>
@@ -3074,7 +3195,7 @@
             </a:pPr>
             <a:fld id="{23A26369-59F1-436C-8073-8CC95A6D8A0C}" type="datetime1">
               <a:rPr lang="de-DE" smtClean="0"/>
-              <a:t>23.06.2025</a:t>
+              <a:t>24.06.2025</a:t>
             </a:fld>
             <a:endParaRPr lang="de-DE" dirty="0"/>
           </a:p>
@@ -3194,7 +3315,7 @@
             </a:pPr>
             <a:fld id="{23A26369-59F1-436C-8073-8CC95A6D8A0C}" type="datetime1">
               <a:rPr lang="de-DE" smtClean="0"/>
-              <a:t>23.06.2025</a:t>
+              <a:t>24.06.2025</a:t>
             </a:fld>
             <a:endParaRPr lang="de-DE" dirty="0"/>
           </a:p>
@@ -3314,7 +3435,7 @@
             </a:pPr>
             <a:fld id="{23A26369-59F1-436C-8073-8CC95A6D8A0C}" type="datetime1">
               <a:rPr lang="de-DE" smtClean="0"/>
-              <a:t>23.06.2025</a:t>
+              <a:t>24.06.2025</a:t>
             </a:fld>
             <a:endParaRPr lang="de-DE" dirty="0"/>
           </a:p>
@@ -10193,6 +10314,777 @@
     <p:extLst>
       <p:ext uri="{BB962C8B-B14F-4D97-AF65-F5344CB8AC3E}">
         <p14:creationId xmlns:p14="http://schemas.microsoft.com/office/powerpoint/2010/main" val="1567231570"/>
+      </p:ext>
+    </p:extLst>
+  </p:cSld>
+  <p:clrMapOvr>
+    <a:masterClrMapping/>
+  </p:clrMapOvr>
+</p:sld>
+</file>
+
+<file path=ppt/slides/slide20.xml><?xml version="1.0" encoding="utf-8"?>
+<p:sld xmlns:a="http://schemas.openxmlformats.org/drawingml/2006/main" xmlns:r="http://schemas.openxmlformats.org/officeDocument/2006/relationships" xmlns:p="http://schemas.openxmlformats.org/presentationml/2006/main">
+  <p:cSld>
+    <p:spTree>
+      <p:nvGrpSpPr>
+        <p:cNvPr id="1" name=""/>
+        <p:cNvGrpSpPr/>
+        <p:nvPr/>
+      </p:nvGrpSpPr>
+      <p:grpSpPr>
+        <a:xfrm>
+          <a:off x="0" y="0"/>
+          <a:ext cx="0" cy="0"/>
+          <a:chOff x="0" y="0"/>
+          <a:chExt cx="0" cy="0"/>
+        </a:xfrm>
+      </p:grpSpPr>
+      <p:sp>
+        <p:nvSpPr>
+          <p:cNvPr id="4" name="Title 3">
+            <a:extLst>
+              <a:ext uri="{FF2B5EF4-FFF2-40B4-BE49-F238E27FC236}">
+                <a16:creationId xmlns:a16="http://schemas.microsoft.com/office/drawing/2014/main" id="{179FA09E-5D6A-74DE-C582-B4D74BA54348}"/>
+              </a:ext>
+            </a:extLst>
+          </p:cNvPr>
+          <p:cNvSpPr>
+            <a:spLocks noGrp="1"/>
+          </p:cNvSpPr>
+          <p:nvPr>
+            <p:ph type="title"/>
+          </p:nvPr>
+        </p:nvSpPr>
+        <p:spPr/>
+        <p:txBody>
+          <a:bodyPr/>
+          <a:lstStyle/>
+          <a:p>
+            <a:r>
+              <a:rPr lang="en-US" dirty="0"/>
+              <a:t>Running experiments – Instances in </a:t>
+            </a:r>
+            <a:r>
+              <a:rPr lang="en-US" dirty="0" err="1"/>
+              <a:t>RiverML</a:t>
+            </a:r>
+            <a:endParaRPr lang="en-GB" dirty="0"/>
+          </a:p>
+        </p:txBody>
+      </p:sp>
+      <p:sp>
+        <p:nvSpPr>
+          <p:cNvPr id="9" name="Text Placeholder 8">
+            <a:extLst>
+              <a:ext uri="{FF2B5EF4-FFF2-40B4-BE49-F238E27FC236}">
+                <a16:creationId xmlns:a16="http://schemas.microsoft.com/office/drawing/2014/main" id="{0971E3A2-C782-8A8C-4D8F-B0A264A4413A}"/>
+              </a:ext>
+            </a:extLst>
+          </p:cNvPr>
+          <p:cNvSpPr>
+            <a:spLocks noGrp="1"/>
+          </p:cNvSpPr>
+          <p:nvPr>
+            <p:ph type="body" sz="half" idx="2"/>
+          </p:nvPr>
+        </p:nvSpPr>
+        <p:spPr/>
+        <p:txBody>
+          <a:bodyPr/>
+          <a:lstStyle/>
+          <a:p>
+            <a:endParaRPr lang="en-GB" dirty="0"/>
+          </a:p>
+        </p:txBody>
+      </p:sp>
+      <p:sp>
+        <p:nvSpPr>
+          <p:cNvPr id="7" name="Footer Placeholder 6">
+            <a:extLst>
+              <a:ext uri="{FF2B5EF4-FFF2-40B4-BE49-F238E27FC236}">
+                <a16:creationId xmlns:a16="http://schemas.microsoft.com/office/drawing/2014/main" id="{6103CDFC-9C78-B161-2CA0-D3757A032293}"/>
+              </a:ext>
+            </a:extLst>
+          </p:cNvPr>
+          <p:cNvSpPr>
+            <a:spLocks noGrp="1"/>
+          </p:cNvSpPr>
+          <p:nvPr>
+            <p:ph type="ftr" sz="quarter" idx="11"/>
+          </p:nvPr>
+        </p:nvSpPr>
+        <p:spPr/>
+        <p:txBody>
+          <a:bodyPr/>
+          <a:lstStyle/>
+          <a:p>
+            <a:r>
+              <a:rPr lang="it-IT"/>
+              <a:t>Tutorial @ IE2025 | christian.beyer@ovgu.de 24.06.2025</a:t>
+            </a:r>
+            <a:endParaRPr lang="en-GB" dirty="0"/>
+          </a:p>
+        </p:txBody>
+      </p:sp>
+      <p:sp>
+        <p:nvSpPr>
+          <p:cNvPr id="8" name="Slide Number Placeholder 7">
+            <a:extLst>
+              <a:ext uri="{FF2B5EF4-FFF2-40B4-BE49-F238E27FC236}">
+                <a16:creationId xmlns:a16="http://schemas.microsoft.com/office/drawing/2014/main" id="{108998B2-ABF9-888C-F918-A450C13ADB3E}"/>
+              </a:ext>
+            </a:extLst>
+          </p:cNvPr>
+          <p:cNvSpPr>
+            <a:spLocks noGrp="1"/>
+          </p:cNvSpPr>
+          <p:nvPr>
+            <p:ph type="sldNum" sz="quarter" idx="12"/>
+          </p:nvPr>
+        </p:nvSpPr>
+        <p:spPr/>
+        <p:txBody>
+          <a:bodyPr/>
+          <a:lstStyle/>
+          <a:p>
+            <a:fld id="{8E024F8E-A03E-4AAA-A06E-73FE51DB7709}" type="slidenum">
+              <a:rPr lang="en-GB" smtClean="0"/>
+              <a:t>20</a:t>
+            </a:fld>
+            <a:endParaRPr lang="en-GB"/>
+          </a:p>
+        </p:txBody>
+      </p:sp>
+      <p:sp>
+        <p:nvSpPr>
+          <p:cNvPr id="5" name="Text Placeholder 4">
+            <a:extLst>
+              <a:ext uri="{FF2B5EF4-FFF2-40B4-BE49-F238E27FC236}">
+                <a16:creationId xmlns:a16="http://schemas.microsoft.com/office/drawing/2014/main" id="{32EE807A-A4A2-9202-177D-F59D493ACF4E}"/>
+              </a:ext>
+            </a:extLst>
+          </p:cNvPr>
+          <p:cNvSpPr>
+            <a:spLocks noGrp="1"/>
+          </p:cNvSpPr>
+          <p:nvPr>
+            <p:ph type="body" sz="quarter" idx="10"/>
+          </p:nvPr>
+        </p:nvSpPr>
+        <p:spPr>
+          <a:xfrm>
+            <a:off x="606424" y="915566"/>
+            <a:ext cx="6269831" cy="3096344"/>
+          </a:xfrm>
+        </p:spPr>
+        <p:txBody>
+          <a:bodyPr/>
+          <a:lstStyle/>
+          <a:p>
+            <a:r>
+              <a:rPr lang="en-US" b="1" dirty="0"/>
+              <a:t>Most machine learning libraries use arrays to represent instances</a:t>
+            </a:r>
+          </a:p>
+          <a:p>
+            <a:r>
+              <a:rPr lang="en-US" b="1" dirty="0" err="1"/>
+              <a:t>RiverML</a:t>
+            </a:r>
+            <a:r>
+              <a:rPr lang="en-US" b="1" dirty="0"/>
+              <a:t> uses dictionaries!</a:t>
+            </a:r>
+            <a:br>
+              <a:rPr lang="en-US" b="1" dirty="0"/>
+            </a:br>
+            <a:endParaRPr lang="en-US" b="1" dirty="0"/>
+          </a:p>
+        </p:txBody>
+      </p:sp>
+      <p:sp>
+        <p:nvSpPr>
+          <p:cNvPr id="12" name="Text Placeholder 4">
+            <a:extLst>
+              <a:ext uri="{FF2B5EF4-FFF2-40B4-BE49-F238E27FC236}">
+                <a16:creationId xmlns:a16="http://schemas.microsoft.com/office/drawing/2014/main" id="{621F7FFF-5B36-8E7A-8067-391C97AA7393}"/>
+              </a:ext>
+            </a:extLst>
+          </p:cNvPr>
+          <p:cNvSpPr txBox="1">
+            <a:spLocks/>
+          </p:cNvSpPr>
+          <p:nvPr/>
+        </p:nvSpPr>
+        <p:spPr>
+          <a:xfrm>
+            <a:off x="758824" y="1067966"/>
+            <a:ext cx="6269831" cy="3096344"/>
+          </a:xfrm>
+          <a:prstGeom prst="rect">
+            <a:avLst/>
+          </a:prstGeom>
+        </p:spPr>
+        <p:txBody>
+          <a:bodyPr lIns="0"/>
+          <a:lstStyle>
+            <a:lvl1pPr marL="503634" indent="-285750" algn="l" defTabSz="628650" rtl="0" eaLnBrk="1" fontAlgn="base" hangingPunct="1">
+              <a:spcBef>
+                <a:spcPct val="0"/>
+              </a:spcBef>
+              <a:spcAft>
+                <a:spcPct val="0"/>
+              </a:spcAft>
+              <a:buSzPct val="130000"/>
+              <a:buFont typeface="Arial" panose="020B0604020202020204" pitchFamily="34" charset="0"/>
+              <a:buChar char="•"/>
+              <a:defRPr lang="en-GB" sz="1600" noProof="0" dirty="0" smtClean="0">
+                <a:solidFill>
+                  <a:schemeClr val="tx1"/>
+                </a:solidFill>
+                <a:latin typeface="Calibri Light" panose="020F0302020204030204" pitchFamily="34" charset="0"/>
+                <a:ea typeface="Calibri Light" panose="020F0302020204030204" pitchFamily="34" charset="0"/>
+                <a:cs typeface="Calibri Light" panose="020F0302020204030204" pitchFamily="34" charset="0"/>
+                <a:sym typeface="Lucida Grande" charset="0"/>
+              </a:defRPr>
+            </a:lvl1pPr>
+            <a:lvl2pPr marL="863204" indent="-339329" algn="l" defTabSz="628650" rtl="0" eaLnBrk="1" fontAlgn="base" hangingPunct="1">
+              <a:spcBef>
+                <a:spcPct val="0"/>
+              </a:spcBef>
+              <a:spcAft>
+                <a:spcPct val="0"/>
+              </a:spcAft>
+              <a:buSzPct val="100000"/>
+              <a:buFont typeface="Arial" panose="020B0604020202020204" pitchFamily="34" charset="0"/>
+              <a:buChar char="•"/>
+              <a:defRPr lang="en-GB" sz="1600" noProof="0" dirty="0" smtClean="0">
+                <a:solidFill>
+                  <a:schemeClr val="tx1"/>
+                </a:solidFill>
+                <a:latin typeface="Calibri Light" panose="020F0302020204030204" pitchFamily="34" charset="0"/>
+                <a:ea typeface="Calibri Light" panose="020F0302020204030204" pitchFamily="34" charset="0"/>
+                <a:cs typeface="Calibri Light" panose="020F0302020204030204" pitchFamily="34" charset="0"/>
+                <a:sym typeface="Lucida Grande" charset="0"/>
+              </a:defRPr>
+            </a:lvl2pPr>
+            <a:lvl3pPr marL="1169194" indent="-339329" algn="l" defTabSz="628650" rtl="0" eaLnBrk="1" fontAlgn="base" hangingPunct="1">
+              <a:spcBef>
+                <a:spcPct val="0"/>
+              </a:spcBef>
+              <a:spcAft>
+                <a:spcPct val="0"/>
+              </a:spcAft>
+              <a:buSzPct val="100000"/>
+              <a:buFont typeface="Arial" panose="020B0604020202020204" pitchFamily="34" charset="0"/>
+              <a:buChar char="•"/>
+              <a:defRPr lang="en-GB" sz="1600" noProof="0" dirty="0">
+                <a:solidFill>
+                  <a:schemeClr val="tx1"/>
+                </a:solidFill>
+                <a:latin typeface="Calibri Light" panose="020F0302020204030204" pitchFamily="34" charset="0"/>
+                <a:ea typeface="Calibri Light" panose="020F0302020204030204" pitchFamily="34" charset="0"/>
+                <a:cs typeface="Calibri Light" panose="020F0302020204030204" pitchFamily="34" charset="0"/>
+                <a:sym typeface="Lucida Grande" charset="0"/>
+              </a:defRPr>
+            </a:lvl3pPr>
+            <a:lvl4pPr marL="1473994" indent="-339329" algn="l" defTabSz="628650" rtl="0" eaLnBrk="1" fontAlgn="base" hangingPunct="1">
+              <a:spcBef>
+                <a:spcPct val="0"/>
+              </a:spcBef>
+              <a:spcAft>
+                <a:spcPct val="0"/>
+              </a:spcAft>
+              <a:buSzPct val="171000"/>
+              <a:buFont typeface="Lucida Grande" charset="0"/>
+              <a:buChar char="•"/>
+              <a:defRPr sz="975">
+                <a:solidFill>
+                  <a:schemeClr val="bg1"/>
+                </a:solidFill>
+                <a:latin typeface="+mn-lt"/>
+                <a:ea typeface="+mn-ea"/>
+                <a:cs typeface="+mn-cs"/>
+                <a:sym typeface="Lucida Grande" charset="0"/>
+              </a:defRPr>
+            </a:lvl4pPr>
+            <a:lvl5pPr marL="1779985" indent="-339329" algn="l" defTabSz="628650" rtl="0" eaLnBrk="1" fontAlgn="base" hangingPunct="1">
+              <a:spcBef>
+                <a:spcPct val="0"/>
+              </a:spcBef>
+              <a:spcAft>
+                <a:spcPct val="0"/>
+              </a:spcAft>
+              <a:buSzPct val="171000"/>
+              <a:buFont typeface="Lucida Grande" charset="0"/>
+              <a:buChar char="•"/>
+              <a:defRPr sz="975">
+                <a:solidFill>
+                  <a:schemeClr val="bg1"/>
+                </a:solidFill>
+                <a:latin typeface="+mn-lt"/>
+                <a:ea typeface="+mn-ea"/>
+                <a:cs typeface="+mn-cs"/>
+                <a:sym typeface="Lucida Grande" charset="0"/>
+              </a:defRPr>
+            </a:lvl5pPr>
+            <a:lvl6pPr marL="2122885" indent="-339329" algn="l" defTabSz="628650" rtl="0" eaLnBrk="1" fontAlgn="base" hangingPunct="1">
+              <a:spcBef>
+                <a:spcPct val="0"/>
+              </a:spcBef>
+              <a:spcAft>
+                <a:spcPct val="0"/>
+              </a:spcAft>
+              <a:buSzPct val="171000"/>
+              <a:buFont typeface="Lucida Grande" pitchFamily="-111" charset="0"/>
+              <a:buChar char="•"/>
+              <a:defRPr sz="975">
+                <a:solidFill>
+                  <a:schemeClr val="bg1"/>
+                </a:solidFill>
+                <a:latin typeface="+mn-lt"/>
+                <a:ea typeface="+mn-ea"/>
+                <a:cs typeface="+mn-cs"/>
+                <a:sym typeface="Lucida Grande" pitchFamily="-111" charset="0"/>
+              </a:defRPr>
+            </a:lvl6pPr>
+            <a:lvl7pPr marL="2465785" indent="-339329" algn="l" defTabSz="628650" rtl="0" eaLnBrk="1" fontAlgn="base" hangingPunct="1">
+              <a:spcBef>
+                <a:spcPct val="0"/>
+              </a:spcBef>
+              <a:spcAft>
+                <a:spcPct val="0"/>
+              </a:spcAft>
+              <a:buSzPct val="171000"/>
+              <a:buFont typeface="Lucida Grande" pitchFamily="-111" charset="0"/>
+              <a:buChar char="•"/>
+              <a:defRPr sz="975">
+                <a:solidFill>
+                  <a:schemeClr val="bg1"/>
+                </a:solidFill>
+                <a:latin typeface="+mn-lt"/>
+                <a:ea typeface="+mn-ea"/>
+                <a:cs typeface="+mn-cs"/>
+                <a:sym typeface="Lucida Grande" pitchFamily="-111" charset="0"/>
+              </a:defRPr>
+            </a:lvl7pPr>
+            <a:lvl8pPr marL="2808685" indent="-339329" algn="l" defTabSz="628650" rtl="0" eaLnBrk="1" fontAlgn="base" hangingPunct="1">
+              <a:spcBef>
+                <a:spcPct val="0"/>
+              </a:spcBef>
+              <a:spcAft>
+                <a:spcPct val="0"/>
+              </a:spcAft>
+              <a:buSzPct val="171000"/>
+              <a:buFont typeface="Lucida Grande" pitchFamily="-111" charset="0"/>
+              <a:buChar char="•"/>
+              <a:defRPr sz="975">
+                <a:solidFill>
+                  <a:schemeClr val="bg1"/>
+                </a:solidFill>
+                <a:latin typeface="+mn-lt"/>
+                <a:ea typeface="+mn-ea"/>
+                <a:cs typeface="+mn-cs"/>
+                <a:sym typeface="Lucida Grande" pitchFamily="-111" charset="0"/>
+              </a:defRPr>
+            </a:lvl8pPr>
+            <a:lvl9pPr marL="3151585" indent="-339329" algn="l" defTabSz="628650" rtl="0" eaLnBrk="1" fontAlgn="base" hangingPunct="1">
+              <a:spcBef>
+                <a:spcPct val="0"/>
+              </a:spcBef>
+              <a:spcAft>
+                <a:spcPct val="0"/>
+              </a:spcAft>
+              <a:buSzPct val="171000"/>
+              <a:buFont typeface="Lucida Grande" pitchFamily="-111" charset="0"/>
+              <a:buChar char="•"/>
+              <a:defRPr sz="975">
+                <a:solidFill>
+                  <a:schemeClr val="bg1"/>
+                </a:solidFill>
+                <a:latin typeface="+mn-lt"/>
+                <a:ea typeface="+mn-ea"/>
+                <a:cs typeface="+mn-cs"/>
+                <a:sym typeface="Lucida Grande" pitchFamily="-111" charset="0"/>
+              </a:defRPr>
+            </a:lvl9pPr>
+          </a:lstStyle>
+          <a:p>
+            <a:pPr marL="217884" indent="0">
+              <a:buNone/>
+            </a:pPr>
+            <a:br>
+              <a:rPr lang="en-US" b="1" kern="0" dirty="0"/>
+            </a:br>
+            <a:endParaRPr lang="en-US" b="1" kern="0" dirty="0"/>
+          </a:p>
+        </p:txBody>
+      </p:sp>
+      <p:graphicFrame>
+        <p:nvGraphicFramePr>
+          <p:cNvPr id="2" name="Table 1">
+            <a:extLst>
+              <a:ext uri="{FF2B5EF4-FFF2-40B4-BE49-F238E27FC236}">
+                <a16:creationId xmlns:a16="http://schemas.microsoft.com/office/drawing/2014/main" id="{8CDB2460-05C0-2FDA-05C4-E52B20BE6DE3}"/>
+              </a:ext>
+            </a:extLst>
+          </p:cNvPr>
+          <p:cNvGraphicFramePr>
+            <a:graphicFrameLocks noGrp="1"/>
+          </p:cNvGraphicFramePr>
+          <p:nvPr>
+            <p:extLst>
+              <p:ext uri="{D42A27DB-BD31-4B8C-83A1-F6EECF244321}">
+                <p14:modId xmlns:p14="http://schemas.microsoft.com/office/powerpoint/2010/main" val="181425724"/>
+              </p:ext>
+            </p:extLst>
+          </p:nvPr>
+        </p:nvGraphicFramePr>
+        <p:xfrm>
+          <a:off x="1085055" y="1654335"/>
+          <a:ext cx="6096000" cy="741680"/>
+        </p:xfrm>
+        <a:graphic>
+          <a:graphicData uri="http://schemas.openxmlformats.org/drawingml/2006/table">
+            <a:tbl>
+              <a:tblPr firstRow="1" bandRow="1">
+                <a:tableStyleId>{5C22544A-7EE6-4342-B048-85BDC9FD1C3A}</a:tableStyleId>
+              </a:tblPr>
+              <a:tblGrid>
+                <a:gridCol w="2032000">
+                  <a:extLst>
+                    <a:ext uri="{9D8B030D-6E8A-4147-A177-3AD203B41FA5}">
+                      <a16:colId xmlns:a16="http://schemas.microsoft.com/office/drawing/2014/main" val="2621205744"/>
+                    </a:ext>
+                  </a:extLst>
+                </a:gridCol>
+                <a:gridCol w="2032000">
+                  <a:extLst>
+                    <a:ext uri="{9D8B030D-6E8A-4147-A177-3AD203B41FA5}">
+                      <a16:colId xmlns:a16="http://schemas.microsoft.com/office/drawing/2014/main" val="2530882318"/>
+                    </a:ext>
+                  </a:extLst>
+                </a:gridCol>
+                <a:gridCol w="2032000">
+                  <a:extLst>
+                    <a:ext uri="{9D8B030D-6E8A-4147-A177-3AD203B41FA5}">
+                      <a16:colId xmlns:a16="http://schemas.microsoft.com/office/drawing/2014/main" val="1557998962"/>
+                    </a:ext>
+                  </a:extLst>
+                </a:gridCol>
+              </a:tblGrid>
+              <a:tr h="370840">
+                <a:tc>
+                  <a:txBody>
+                    <a:bodyPr/>
+                    <a:lstStyle/>
+                    <a:p>
+                      <a:r>
+                        <a:rPr lang="en-US" dirty="0"/>
+                        <a:t>Age</a:t>
+                      </a:r>
+                    </a:p>
+                  </a:txBody>
+                  <a:tcPr/>
+                </a:tc>
+                <a:tc>
+                  <a:txBody>
+                    <a:bodyPr/>
+                    <a:lstStyle/>
+                    <a:p>
+                      <a:r>
+                        <a:rPr lang="en-US" dirty="0"/>
+                        <a:t>Height </a:t>
+                      </a:r>
+                    </a:p>
+                  </a:txBody>
+                  <a:tcPr/>
+                </a:tc>
+                <a:tc>
+                  <a:txBody>
+                    <a:bodyPr/>
+                    <a:lstStyle/>
+                    <a:p>
+                      <a:r>
+                        <a:rPr lang="en-US" dirty="0"/>
+                        <a:t>Weight</a:t>
+                      </a:r>
+                    </a:p>
+                  </a:txBody>
+                  <a:tcPr/>
+                </a:tc>
+                <a:extLst>
+                  <a:ext uri="{0D108BD9-81ED-4DB2-BD59-A6C34878D82A}">
+                    <a16:rowId xmlns:a16="http://schemas.microsoft.com/office/drawing/2014/main" val="3798372794"/>
+                  </a:ext>
+                </a:extLst>
+              </a:tr>
+              <a:tr h="370840">
+                <a:tc>
+                  <a:txBody>
+                    <a:bodyPr/>
+                    <a:lstStyle/>
+                    <a:p>
+                      <a:r>
+                        <a:rPr lang="en-US" dirty="0"/>
+                        <a:t>33</a:t>
+                      </a:r>
+                    </a:p>
+                  </a:txBody>
+                  <a:tcPr/>
+                </a:tc>
+                <a:tc>
+                  <a:txBody>
+                    <a:bodyPr/>
+                    <a:lstStyle/>
+                    <a:p>
+                      <a:r>
+                        <a:rPr lang="en-US" dirty="0"/>
+                        <a:t>176</a:t>
+                      </a:r>
+                    </a:p>
+                  </a:txBody>
+                  <a:tcPr/>
+                </a:tc>
+                <a:tc>
+                  <a:txBody>
+                    <a:bodyPr/>
+                    <a:lstStyle/>
+                    <a:p>
+                      <a:r>
+                        <a:rPr lang="en-US" dirty="0"/>
+                        <a:t>72</a:t>
+                      </a:r>
+                    </a:p>
+                  </a:txBody>
+                  <a:tcPr/>
+                </a:tc>
+                <a:extLst>
+                  <a:ext uri="{0D108BD9-81ED-4DB2-BD59-A6C34878D82A}">
+                    <a16:rowId xmlns:a16="http://schemas.microsoft.com/office/drawing/2014/main" val="3942155995"/>
+                  </a:ext>
+                </a:extLst>
+              </a:tr>
+            </a:tbl>
+          </a:graphicData>
+        </a:graphic>
+      </p:graphicFrame>
+      <p:sp>
+        <p:nvSpPr>
+          <p:cNvPr id="6" name="TextBox 5">
+            <a:extLst>
+              <a:ext uri="{FF2B5EF4-FFF2-40B4-BE49-F238E27FC236}">
+                <a16:creationId xmlns:a16="http://schemas.microsoft.com/office/drawing/2014/main" id="{B5844CC3-465B-585A-2F62-5A0B2FFB50CA}"/>
+              </a:ext>
+            </a:extLst>
+          </p:cNvPr>
+          <p:cNvSpPr txBox="1"/>
+          <p:nvPr/>
+        </p:nvSpPr>
+        <p:spPr>
+          <a:xfrm>
+            <a:off x="443070" y="2960662"/>
+            <a:ext cx="2736304" cy="461665"/>
+          </a:xfrm>
+          <a:prstGeom prst="rect">
+            <a:avLst/>
+          </a:prstGeom>
+          <a:noFill/>
+        </p:spPr>
+        <p:txBody>
+          <a:bodyPr wrap="square" rtlCol="0">
+            <a:spAutoFit/>
+          </a:bodyPr>
+          <a:lstStyle/>
+          <a:p>
+            <a:r>
+              <a:rPr lang="en-US" dirty="0"/>
+              <a:t>[33,176,72]</a:t>
+            </a:r>
+          </a:p>
+        </p:txBody>
+      </p:sp>
+      <p:cxnSp>
+        <p:nvCxnSpPr>
+          <p:cNvPr id="14" name="Straight Arrow Connector 13">
+            <a:extLst>
+              <a:ext uri="{FF2B5EF4-FFF2-40B4-BE49-F238E27FC236}">
+                <a16:creationId xmlns:a16="http://schemas.microsoft.com/office/drawing/2014/main" id="{88EF941C-5A29-B544-37F4-C40306C017CD}"/>
+              </a:ext>
+            </a:extLst>
+          </p:cNvPr>
+          <p:cNvCxnSpPr/>
+          <p:nvPr/>
+        </p:nvCxnSpPr>
+        <p:spPr bwMode="auto">
+          <a:xfrm flipH="1">
+            <a:off x="2483768" y="2545134"/>
+            <a:ext cx="360040" cy="314648"/>
+          </a:xfrm>
+          <a:prstGeom prst="straightConnector1">
+            <a:avLst/>
+          </a:prstGeom>
+          <a:solidFill>
+            <a:srgbClr val="A33316"/>
+          </a:solidFill>
+          <a:ln w="9525" cap="flat" cmpd="sng" algn="ctr">
+            <a:solidFill>
+              <a:schemeClr val="tx1"/>
+            </a:solidFill>
+            <a:prstDash val="solid"/>
+            <a:round/>
+            <a:headEnd type="none" w="med" len="med"/>
+            <a:tailEnd type="triangle"/>
+          </a:ln>
+          <a:effectLst/>
+        </p:spPr>
+      </p:cxnSp>
+      <p:sp>
+        <p:nvSpPr>
+          <p:cNvPr id="15" name="TextBox 14">
+            <a:extLst>
+              <a:ext uri="{FF2B5EF4-FFF2-40B4-BE49-F238E27FC236}">
+                <a16:creationId xmlns:a16="http://schemas.microsoft.com/office/drawing/2014/main" id="{1B12BD73-02FF-367B-33D4-457AAE6EFC4C}"/>
+              </a:ext>
+            </a:extLst>
+          </p:cNvPr>
+          <p:cNvSpPr txBox="1"/>
+          <p:nvPr/>
+        </p:nvSpPr>
+        <p:spPr>
+          <a:xfrm>
+            <a:off x="4716016" y="2931790"/>
+            <a:ext cx="1872208" cy="1200329"/>
+          </a:xfrm>
+          <a:prstGeom prst="rect">
+            <a:avLst/>
+          </a:prstGeom>
+          <a:noFill/>
+        </p:spPr>
+        <p:txBody>
+          <a:bodyPr wrap="square" rtlCol="0">
+            <a:spAutoFit/>
+          </a:bodyPr>
+          <a:lstStyle/>
+          <a:p>
+            <a:r>
+              <a:rPr lang="en-US" dirty="0"/>
+              <a:t>{‘Age’:33, ‘Height’:176,’Weight’:72} </a:t>
+            </a:r>
+          </a:p>
+        </p:txBody>
+      </p:sp>
+      <p:cxnSp>
+        <p:nvCxnSpPr>
+          <p:cNvPr id="17" name="Straight Arrow Connector 16">
+            <a:extLst>
+              <a:ext uri="{FF2B5EF4-FFF2-40B4-BE49-F238E27FC236}">
+                <a16:creationId xmlns:a16="http://schemas.microsoft.com/office/drawing/2014/main" id="{998EBB51-A55E-C784-84DA-620D77EFDED4}"/>
+              </a:ext>
+            </a:extLst>
+          </p:cNvPr>
+          <p:cNvCxnSpPr/>
+          <p:nvPr/>
+        </p:nvCxnSpPr>
+        <p:spPr bwMode="auto">
+          <a:xfrm>
+            <a:off x="4716016" y="2571750"/>
+            <a:ext cx="360040" cy="360040"/>
+          </a:xfrm>
+          <a:prstGeom prst="straightConnector1">
+            <a:avLst/>
+          </a:prstGeom>
+          <a:solidFill>
+            <a:srgbClr val="A33316"/>
+          </a:solidFill>
+          <a:ln w="9525" cap="flat" cmpd="sng" algn="ctr">
+            <a:solidFill>
+              <a:schemeClr val="tx1"/>
+            </a:solidFill>
+            <a:prstDash val="solid"/>
+            <a:round/>
+            <a:headEnd type="none" w="med" len="med"/>
+            <a:tailEnd type="triangle"/>
+          </a:ln>
+          <a:effectLst/>
+        </p:spPr>
+      </p:cxnSp>
+      <p:sp>
+        <p:nvSpPr>
+          <p:cNvPr id="18" name="TextBox 17">
+            <a:extLst>
+              <a:ext uri="{FF2B5EF4-FFF2-40B4-BE49-F238E27FC236}">
+                <a16:creationId xmlns:a16="http://schemas.microsoft.com/office/drawing/2014/main" id="{DACB47D1-E07E-7480-8D03-D0E185B13C01}"/>
+              </a:ext>
+            </a:extLst>
+          </p:cNvPr>
+          <p:cNvSpPr txBox="1"/>
+          <p:nvPr/>
+        </p:nvSpPr>
+        <p:spPr>
+          <a:xfrm>
+            <a:off x="2006047" y="2457075"/>
+            <a:ext cx="792088" cy="276999"/>
+          </a:xfrm>
+          <a:prstGeom prst="rect">
+            <a:avLst/>
+          </a:prstGeom>
+          <a:noFill/>
+        </p:spPr>
+        <p:txBody>
+          <a:bodyPr wrap="square" rtlCol="0">
+            <a:spAutoFit/>
+          </a:bodyPr>
+          <a:lstStyle/>
+          <a:p>
+            <a:r>
+              <a:rPr lang="en-US" sz="1200" dirty="0"/>
+              <a:t>usually</a:t>
+            </a:r>
+          </a:p>
+        </p:txBody>
+      </p:sp>
+      <p:sp>
+        <p:nvSpPr>
+          <p:cNvPr id="19" name="TextBox 18">
+            <a:extLst>
+              <a:ext uri="{FF2B5EF4-FFF2-40B4-BE49-F238E27FC236}">
+                <a16:creationId xmlns:a16="http://schemas.microsoft.com/office/drawing/2014/main" id="{7B97B1C5-AC36-658B-51B5-886B15004016}"/>
+              </a:ext>
+            </a:extLst>
+          </p:cNvPr>
+          <p:cNvSpPr txBox="1"/>
+          <p:nvPr/>
+        </p:nvSpPr>
+        <p:spPr>
+          <a:xfrm>
+            <a:off x="4788024" y="2499742"/>
+            <a:ext cx="792088" cy="276999"/>
+          </a:xfrm>
+          <a:prstGeom prst="rect">
+            <a:avLst/>
+          </a:prstGeom>
+          <a:noFill/>
+        </p:spPr>
+        <p:txBody>
+          <a:bodyPr wrap="square" rtlCol="0">
+            <a:spAutoFit/>
+          </a:bodyPr>
+          <a:lstStyle/>
+          <a:p>
+            <a:r>
+              <a:rPr lang="en-US" sz="1200" dirty="0" err="1"/>
+              <a:t>RiverML</a:t>
+            </a:r>
+            <a:endParaRPr lang="en-US" sz="1200" dirty="0"/>
+          </a:p>
+        </p:txBody>
+      </p:sp>
+    </p:spTree>
+    <p:extLst>
+      <p:ext uri="{BB962C8B-B14F-4D97-AF65-F5344CB8AC3E}">
+        <p14:creationId xmlns:p14="http://schemas.microsoft.com/office/powerpoint/2010/main" val="1876597594"/>
       </p:ext>
     </p:extLst>
   </p:cSld>
